--- a/2018xxxx_2008-financial-crisis/図作成用.pptx
+++ b/2018xxxx_2008-financial-crisis/図作成用.pptx
@@ -105,6 +105,11 @@
       </a:defRPr>
     </a:lvl9pPr>
   </p:defaultTextStyle>
+  <p:extLst>
+    <p:ext uri="{EFAFB233-063F-42B5-8137-9DF3F51BA10A}">
+      <p15:sldGuideLst xmlns:p15="http://schemas.microsoft.com/office/powerpoint/2012/main"/>
+    </p:ext>
+  </p:extLst>
 </p:presentation>
 </file>
 
@@ -3692,10 +3697,10 @@
       </p:grpSpPr>
       <p:sp>
         <p:nvSpPr>
-          <p:cNvPr id="31" name="矢印: 右 30">
-            <a:extLst>
-              <a:ext uri="{FF2B5EF4-FFF2-40B4-BE49-F238E27FC236}">
-                <a16:creationId xmlns:a16="http://schemas.microsoft.com/office/drawing/2014/main" id="{092343C5-2057-494E-A4F1-32AB871BD016}"/>
+          <p:cNvPr id="56" name="四角形: 角を丸くする 55">
+            <a:extLst>
+              <a:ext uri="{FF2B5EF4-FFF2-40B4-BE49-F238E27FC236}">
+                <a16:creationId xmlns:a16="http://schemas.microsoft.com/office/drawing/2014/main" id="{1428634B-DE92-490F-833E-4C965D7558C4}"/>
               </a:ext>
             </a:extLst>
           </p:cNvPr>
@@ -3704,25 +3709,33 @@
         </p:nvSpPr>
         <p:spPr>
           <a:xfrm>
-            <a:off x="3721020" y="2681705"/>
-            <a:ext cx="1611885" cy="961373"/>
+            <a:off x="4045907" y="3281817"/>
+            <a:ext cx="3006246" cy="3457186"/>
           </a:xfrm>
-          <a:prstGeom prst="rightArrow">
+          <a:prstGeom prst="roundRect">
             <a:avLst/>
           </a:prstGeom>
+          <a:noFill/>
+          <a:ln>
+            <a:solidFill>
+              <a:schemeClr val="accent2"/>
+            </a:solidFill>
+          </a:ln>
         </p:spPr>
         <p:style>
           <a:lnRef idx="2">
-            <a:schemeClr val="accent1"/>
+            <a:schemeClr val="accent1">
+              <a:shade val="50000"/>
+            </a:schemeClr>
           </a:lnRef>
           <a:fillRef idx="1">
-            <a:schemeClr val="lt1"/>
+            <a:schemeClr val="accent1"/>
           </a:fillRef>
           <a:effectRef idx="0">
             <a:schemeClr val="accent1"/>
           </a:effectRef>
           <a:fontRef idx="minor">
-            <a:schemeClr val="dk1"/>
+            <a:schemeClr val="lt1"/>
           </a:fontRef>
         </p:style>
         <p:txBody>
@@ -3734,56 +3747,12 @@
           </a:p>
         </p:txBody>
       </p:sp>
-      <p:sp>
-        <p:nvSpPr>
-          <p:cNvPr id="25" name="楕円 24">
-            <a:extLst>
-              <a:ext uri="{FF2B5EF4-FFF2-40B4-BE49-F238E27FC236}">
-                <a16:creationId xmlns:a16="http://schemas.microsoft.com/office/drawing/2014/main" id="{6E51F1E1-59A6-497E-8D46-9FCA28567872}"/>
-              </a:ext>
-            </a:extLst>
-          </p:cNvPr>
-          <p:cNvSpPr/>
-          <p:nvPr/>
-        </p:nvSpPr>
-        <p:spPr>
-          <a:xfrm>
-            <a:off x="969347" y="4070377"/>
-            <a:ext cx="2895885" cy="1369097"/>
-          </a:xfrm>
-          <a:prstGeom prst="ellipse">
-            <a:avLst/>
-          </a:prstGeom>
-        </p:spPr>
-        <p:style>
-          <a:lnRef idx="1">
-            <a:schemeClr val="accent1"/>
-          </a:lnRef>
-          <a:fillRef idx="2">
-            <a:schemeClr val="accent1"/>
-          </a:fillRef>
-          <a:effectRef idx="1">
-            <a:schemeClr val="accent1"/>
-          </a:effectRef>
-          <a:fontRef idx="minor">
-            <a:schemeClr val="dk1"/>
-          </a:fontRef>
-        </p:style>
-        <p:txBody>
-          <a:bodyPr rtlCol="0" anchor="ctr"/>
-          <a:lstStyle/>
-          <a:p>
-            <a:pPr algn="ctr"/>
-            <a:endParaRPr kumimoji="1" lang="ja-JP" altLang="en-US"/>
-          </a:p>
-        </p:txBody>
-      </p:sp>
       <p:grpSp>
         <p:nvGrpSpPr>
-          <p:cNvPr id="18" name="グループ化 17">
-            <a:extLst>
-              <a:ext uri="{FF2B5EF4-FFF2-40B4-BE49-F238E27FC236}">
-                <a16:creationId xmlns:a16="http://schemas.microsoft.com/office/drawing/2014/main" id="{37DEF0F6-D194-4103-AC3D-098F78563D61}"/>
+          <p:cNvPr id="2" name="グループ化 1">
+            <a:extLst>
+              <a:ext uri="{FF2B5EF4-FFF2-40B4-BE49-F238E27FC236}">
+                <a16:creationId xmlns:a16="http://schemas.microsoft.com/office/drawing/2014/main" id="{68FDB6D0-166C-4ABD-92F0-BE1CCE381862}"/>
               </a:ext>
             </a:extLst>
           </p:cNvPr>
@@ -3792,534 +3761,18 @@
         </p:nvGrpSpPr>
         <p:grpSpPr>
           <a:xfrm>
-            <a:off x="1719664" y="656394"/>
-            <a:ext cx="8401366" cy="4478577"/>
-            <a:chOff x="-4106488" y="626305"/>
-            <a:chExt cx="10216166" cy="5600468"/>
-          </a:xfrm>
-        </p:grpSpPr>
-        <p:pic>
-          <p:nvPicPr>
-            <p:cNvPr id="14" name="図 13">
-              <a:extLst>
-                <a:ext uri="{FF2B5EF4-FFF2-40B4-BE49-F238E27FC236}">
-                  <a16:creationId xmlns:a16="http://schemas.microsoft.com/office/drawing/2014/main" id="{9C50D936-B34A-47CA-ACBA-D863297098D8}"/>
-                </a:ext>
-              </a:extLst>
-            </p:cNvPr>
-            <p:cNvPicPr>
-              <a:picLocks noChangeAspect="1"/>
-            </p:cNvPicPr>
-            <p:nvPr/>
-          </p:nvPicPr>
-          <p:blipFill>
-            <a:blip r:embed="rId2">
-              <a:extLst>
-                <a:ext uri="{28A0092B-C50C-407E-A947-70E740481C1C}">
-                  <a14:useLocalDpi xmlns:a14="http://schemas.microsoft.com/office/drawing/2010/main" val="0"/>
-                </a:ext>
-              </a:extLst>
-            </a:blip>
-            <a:stretch>
-              <a:fillRect/>
-            </a:stretch>
-          </p:blipFill>
-          <p:spPr>
-            <a:xfrm>
-              <a:off x="3238916" y="1256503"/>
-              <a:ext cx="2870762" cy="3638994"/>
-            </a:xfrm>
-            <a:prstGeom prst="rect">
-              <a:avLst/>
-            </a:prstGeom>
-          </p:spPr>
-        </p:pic>
-        <p:sp>
-          <p:nvSpPr>
-            <p:cNvPr id="6" name="テキスト ボックス 5">
-              <a:extLst>
-                <a:ext uri="{FF2B5EF4-FFF2-40B4-BE49-F238E27FC236}">
-                  <a16:creationId xmlns:a16="http://schemas.microsoft.com/office/drawing/2014/main" id="{0D44E8CB-6B70-4609-863F-4EEF9CC22935}"/>
-                </a:ext>
-              </a:extLst>
-            </p:cNvPr>
-            <p:cNvSpPr txBox="1"/>
-            <p:nvPr/>
-          </p:nvSpPr>
-          <p:spPr>
-            <a:xfrm>
-              <a:off x="499543" y="626305"/>
-              <a:ext cx="1531762" cy="461850"/>
-            </a:xfrm>
-            <a:prstGeom prst="rect">
-              <a:avLst/>
-            </a:prstGeom>
-            <a:noFill/>
-          </p:spPr>
-          <p:txBody>
-            <a:bodyPr wrap="square" rtlCol="0">
-              <a:spAutoFit/>
-            </a:bodyPr>
-            <a:lstStyle/>
-            <a:p>
-              <a:pPr algn="ctr"/>
-              <a:r>
-                <a:rPr kumimoji="1" lang="en-US" altLang="ja-JP" dirty="0"/>
-                <a:t>A</a:t>
-              </a:r>
-              <a:r>
-                <a:rPr kumimoji="1" lang="ja-JP" altLang="en-US" dirty="0"/>
-                <a:t>さん</a:t>
-              </a:r>
-            </a:p>
-          </p:txBody>
-        </p:sp>
-        <p:sp>
-          <p:nvSpPr>
-            <p:cNvPr id="7" name="テキスト ボックス 6">
-              <a:extLst>
-                <a:ext uri="{FF2B5EF4-FFF2-40B4-BE49-F238E27FC236}">
-                  <a16:creationId xmlns:a16="http://schemas.microsoft.com/office/drawing/2014/main" id="{CC673390-E490-4742-86DE-04788638CAC9}"/>
-                </a:ext>
-              </a:extLst>
-            </p:cNvPr>
-            <p:cNvSpPr txBox="1"/>
-            <p:nvPr/>
-          </p:nvSpPr>
-          <p:spPr>
-            <a:xfrm>
-              <a:off x="4046202" y="626308"/>
-              <a:ext cx="1256192" cy="461850"/>
-            </a:xfrm>
-            <a:prstGeom prst="rect">
-              <a:avLst/>
-            </a:prstGeom>
-            <a:noFill/>
-          </p:spPr>
-          <p:txBody>
-            <a:bodyPr wrap="square" rtlCol="0">
-              <a:spAutoFit/>
-            </a:bodyPr>
-            <a:lstStyle/>
-            <a:p>
-              <a:pPr algn="ctr"/>
-              <a:r>
-                <a:rPr lang="en-US" altLang="ja-JP" dirty="0"/>
-                <a:t>B</a:t>
-              </a:r>
-              <a:r>
-                <a:rPr kumimoji="1" lang="ja-JP" altLang="en-US" dirty="0"/>
-                <a:t>さん</a:t>
-              </a:r>
-            </a:p>
-          </p:txBody>
-        </p:sp>
-        <p:pic>
-          <p:nvPicPr>
-            <p:cNvPr id="11" name="図 10">
-              <a:extLst>
-                <a:ext uri="{FF2B5EF4-FFF2-40B4-BE49-F238E27FC236}">
-                  <a16:creationId xmlns:a16="http://schemas.microsoft.com/office/drawing/2014/main" id="{75E289D8-C7F0-434B-ABDA-EA9A19F90490}"/>
-                </a:ext>
-              </a:extLst>
-            </p:cNvPr>
-            <p:cNvPicPr>
-              <a:picLocks noChangeAspect="1"/>
-            </p:cNvPicPr>
-            <p:nvPr/>
-          </p:nvPicPr>
-          <p:blipFill>
-            <a:blip r:embed="rId3">
-              <a:extLst>
-                <a:ext uri="{28A0092B-C50C-407E-A947-70E740481C1C}">
-                  <a14:useLocalDpi xmlns:a14="http://schemas.microsoft.com/office/drawing/2010/main" val="0"/>
-                </a:ext>
-              </a:extLst>
-            </a:blip>
-            <a:stretch>
-              <a:fillRect/>
-            </a:stretch>
-          </p:blipFill>
-          <p:spPr>
-            <a:xfrm>
-              <a:off x="274074" y="1171000"/>
-              <a:ext cx="2943225" cy="3810000"/>
-            </a:xfrm>
-            <a:prstGeom prst="rect">
-              <a:avLst/>
-            </a:prstGeom>
-          </p:spPr>
-        </p:pic>
-        <p:grpSp>
-          <p:nvGrpSpPr>
-            <p:cNvPr id="15" name="グループ化 14">
-              <a:extLst>
-                <a:ext uri="{FF2B5EF4-FFF2-40B4-BE49-F238E27FC236}">
-                  <a16:creationId xmlns:a16="http://schemas.microsoft.com/office/drawing/2014/main" id="{4CF06BBE-8A4E-462F-B3EF-89185EDBA517}"/>
-                </a:ext>
-              </a:extLst>
-            </p:cNvPr>
-            <p:cNvGrpSpPr/>
-            <p:nvPr/>
-          </p:nvGrpSpPr>
-          <p:grpSpPr>
-            <a:xfrm rot="10800000">
-              <a:off x="-3762870" y="1597621"/>
-              <a:ext cx="8434570" cy="4629152"/>
-              <a:chOff x="1194660" y="683236"/>
-              <a:chExt cx="8434570" cy="4629152"/>
-            </a:xfrm>
-          </p:grpSpPr>
-          <p:sp>
-            <p:nvSpPr>
-              <p:cNvPr id="16" name="矢印: 右 15">
-                <a:extLst>
-                  <a:ext uri="{FF2B5EF4-FFF2-40B4-BE49-F238E27FC236}">
-                    <a16:creationId xmlns:a16="http://schemas.microsoft.com/office/drawing/2014/main" id="{E2792351-FB73-4C80-8797-43D6DB97DBA3}"/>
-                  </a:ext>
-                </a:extLst>
-              </p:cNvPr>
-              <p:cNvSpPr/>
-              <p:nvPr/>
-            </p:nvSpPr>
-            <p:spPr>
-              <a:xfrm>
-                <a:off x="2111872" y="4379015"/>
-                <a:ext cx="1753646" cy="933373"/>
-              </a:xfrm>
-              <a:prstGeom prst="rightArrow">
-                <a:avLst/>
-              </a:prstGeom>
-            </p:spPr>
-            <p:style>
-              <a:lnRef idx="2">
-                <a:schemeClr val="accent4"/>
-              </a:lnRef>
-              <a:fillRef idx="1">
-                <a:schemeClr val="lt1"/>
-              </a:fillRef>
-              <a:effectRef idx="0">
-                <a:schemeClr val="accent4"/>
-              </a:effectRef>
-              <a:fontRef idx="minor">
-                <a:schemeClr val="dk1"/>
-              </a:fontRef>
-            </p:style>
-            <p:txBody>
-              <a:bodyPr rtlCol="0" anchor="ctr"/>
-              <a:lstStyle/>
-              <a:p>
-                <a:pPr algn="ctr"/>
-                <a:endParaRPr kumimoji="1" lang="ja-JP" altLang="en-US" dirty="0"/>
-              </a:p>
-            </p:txBody>
-          </p:sp>
-          <p:sp>
-            <p:nvSpPr>
-              <p:cNvPr id="17" name="テキスト ボックス 16">
-                <a:extLst>
-                  <a:ext uri="{FF2B5EF4-FFF2-40B4-BE49-F238E27FC236}">
-                    <a16:creationId xmlns:a16="http://schemas.microsoft.com/office/drawing/2014/main" id="{2D1A34A4-0EC7-4AEF-8A5F-FDB3E80BEA1B}"/>
-                  </a:ext>
-                </a:extLst>
-              </p:cNvPr>
-              <p:cNvSpPr txBox="1"/>
-              <p:nvPr/>
-            </p:nvSpPr>
-            <p:spPr>
-              <a:xfrm rot="10800000">
-                <a:off x="1896316" y="4610928"/>
-                <a:ext cx="2100788" cy="425165"/>
-              </a:xfrm>
-              <a:prstGeom prst="rect">
-                <a:avLst/>
-              </a:prstGeom>
-              <a:noFill/>
-            </p:spPr>
-            <p:txBody>
-              <a:bodyPr wrap="square" rtlCol="0">
-                <a:spAutoFit/>
-              </a:bodyPr>
-              <a:lstStyle/>
-              <a:p>
-                <a:pPr algn="ctr"/>
-                <a:r>
-                  <a:rPr kumimoji="1" lang="en-US" altLang="ja-JP" sz="1600" dirty="0"/>
-                  <a:t>10</a:t>
-                </a:r>
-                <a:r>
-                  <a:rPr kumimoji="1" lang="ja-JP" altLang="en-US" sz="1600" dirty="0"/>
-                  <a:t>万 </a:t>
-                </a:r>
-                <a:r>
-                  <a:rPr kumimoji="1" lang="en-US" altLang="ja-JP" sz="1600" dirty="0"/>
-                  <a:t>1</a:t>
-                </a:r>
-                <a:r>
-                  <a:rPr kumimoji="1" lang="ja-JP" altLang="en-US" sz="1600" dirty="0"/>
-                  <a:t>年</a:t>
-                </a:r>
-                <a:r>
-                  <a:rPr lang="ja-JP" altLang="en-US" sz="1600" dirty="0"/>
-                  <a:t>目</a:t>
-                </a:r>
-                <a:endParaRPr kumimoji="1" lang="ja-JP" altLang="en-US" sz="1600" dirty="0"/>
-              </a:p>
-            </p:txBody>
-          </p:sp>
-          <p:sp>
-            <p:nvSpPr>
-              <p:cNvPr id="21" name="テキスト ボックス 20">
-                <a:extLst>
-                  <a:ext uri="{FF2B5EF4-FFF2-40B4-BE49-F238E27FC236}">
-                    <a16:creationId xmlns:a16="http://schemas.microsoft.com/office/drawing/2014/main" id="{F7EAA594-77BD-4E37-A4B5-3739DF12DFCF}"/>
-                  </a:ext>
-                </a:extLst>
-              </p:cNvPr>
-              <p:cNvSpPr txBox="1"/>
-              <p:nvPr/>
-            </p:nvSpPr>
-            <p:spPr>
-              <a:xfrm rot="10800000">
-                <a:off x="7528442" y="946803"/>
-                <a:ext cx="2100788" cy="423362"/>
-              </a:xfrm>
-              <a:prstGeom prst="rect">
-                <a:avLst/>
-              </a:prstGeom>
-              <a:noFill/>
-            </p:spPr>
-            <p:txBody>
-              <a:bodyPr wrap="square" rtlCol="0">
-                <a:spAutoFit/>
-              </a:bodyPr>
-              <a:lstStyle/>
-              <a:p>
-                <a:pPr algn="ctr"/>
-                <a:r>
-                  <a:rPr kumimoji="1" lang="en-US" altLang="ja-JP" sz="1600" dirty="0"/>
-                  <a:t>10</a:t>
-                </a:r>
-                <a:r>
-                  <a:rPr kumimoji="1" lang="ja-JP" altLang="en-US" sz="1600" dirty="0"/>
-                  <a:t>万</a:t>
-                </a:r>
-                <a:r>
-                  <a:rPr kumimoji="1" lang="en-US" altLang="ja-JP" sz="1600" dirty="0"/>
-                  <a:t>/</a:t>
-                </a:r>
-                <a:r>
-                  <a:rPr kumimoji="1" lang="ja-JP" altLang="en-US" sz="1600" dirty="0"/>
-                  <a:t>年 残り</a:t>
-                </a:r>
-                <a:r>
-                  <a:rPr kumimoji="1" lang="en-US" altLang="ja-JP" sz="1600" dirty="0"/>
-                  <a:t>9</a:t>
-                </a:r>
-                <a:r>
-                  <a:rPr kumimoji="1" lang="ja-JP" altLang="en-US" sz="1600" dirty="0"/>
-                  <a:t>年</a:t>
-                </a:r>
-              </a:p>
-            </p:txBody>
-          </p:sp>
-          <p:sp>
-            <p:nvSpPr>
-              <p:cNvPr id="35" name="テキスト ボックス 34">
-                <a:extLst>
-                  <a:ext uri="{FF2B5EF4-FFF2-40B4-BE49-F238E27FC236}">
-                    <a16:creationId xmlns:a16="http://schemas.microsoft.com/office/drawing/2014/main" id="{AAC5A9F3-C694-4120-BA4C-26412E95FEB8}"/>
-                  </a:ext>
-                </a:extLst>
-              </p:cNvPr>
-              <p:cNvSpPr txBox="1"/>
-              <p:nvPr/>
-            </p:nvSpPr>
-            <p:spPr>
-              <a:xfrm rot="10800000">
-                <a:off x="1194660" y="683236"/>
-                <a:ext cx="5389045" cy="423362"/>
-              </a:xfrm>
-              <a:prstGeom prst="rect">
-                <a:avLst/>
-              </a:prstGeom>
-              <a:noFill/>
-            </p:spPr>
-            <p:txBody>
-              <a:bodyPr wrap="square" rtlCol="0">
-                <a:spAutoFit/>
-              </a:bodyPr>
-              <a:lstStyle/>
-              <a:p>
-                <a:pPr algn="ctr"/>
-                <a:r>
-                  <a:rPr lang="en-US" altLang="ja-JP" sz="1600" dirty="0"/>
-                  <a:t>2</a:t>
-                </a:r>
-                <a:r>
-                  <a:rPr kumimoji="1" lang="ja-JP" altLang="en-US" sz="1600" dirty="0"/>
-                  <a:t>年</a:t>
-                </a:r>
-                <a:r>
-                  <a:rPr lang="ja-JP" altLang="en-US" sz="1600" dirty="0"/>
-                  <a:t>目以降は証券を持っている</a:t>
-                </a:r>
-                <a:r>
-                  <a:rPr lang="en-US" altLang="ja-JP" sz="1600" dirty="0"/>
-                  <a:t>C</a:t>
-                </a:r>
-                <a:r>
-                  <a:rPr lang="ja-JP" altLang="en-US" sz="1600" dirty="0" err="1"/>
-                  <a:t>さんに</a:t>
-                </a:r>
-                <a:r>
-                  <a:rPr lang="ja-JP" altLang="en-US" sz="1600" dirty="0"/>
-                  <a:t>支払い</a:t>
-                </a:r>
-                <a:endParaRPr kumimoji="1" lang="ja-JP" altLang="en-US" sz="1600" dirty="0"/>
-              </a:p>
-            </p:txBody>
-          </p:sp>
-        </p:grpSp>
-        <p:sp>
-          <p:nvSpPr>
-            <p:cNvPr id="24" name="テキスト ボックス 23">
-              <a:extLst>
-                <a:ext uri="{FF2B5EF4-FFF2-40B4-BE49-F238E27FC236}">
-                  <a16:creationId xmlns:a16="http://schemas.microsoft.com/office/drawing/2014/main" id="{7A8574B1-0FCC-458B-B52C-2F6820C3476D}"/>
-                </a:ext>
-              </a:extLst>
-            </p:cNvPr>
-            <p:cNvSpPr txBox="1"/>
-            <p:nvPr/>
-          </p:nvSpPr>
-          <p:spPr>
-            <a:xfrm>
-              <a:off x="-4106488" y="1025578"/>
-              <a:ext cx="1531762" cy="461850"/>
-            </a:xfrm>
-            <a:prstGeom prst="rect">
-              <a:avLst/>
-            </a:prstGeom>
-            <a:noFill/>
-          </p:spPr>
-          <p:txBody>
-            <a:bodyPr wrap="square" rtlCol="0">
-              <a:spAutoFit/>
-            </a:bodyPr>
-            <a:lstStyle/>
-            <a:p>
-              <a:pPr algn="ctr"/>
-              <a:r>
-                <a:rPr lang="en-US" altLang="ja-JP" dirty="0"/>
-                <a:t>C</a:t>
-              </a:r>
-              <a:r>
-                <a:rPr kumimoji="1" lang="ja-JP" altLang="en-US" dirty="0"/>
-                <a:t>さん</a:t>
-              </a:r>
-            </a:p>
-          </p:txBody>
-        </p:sp>
-      </p:grpSp>
-      <p:pic>
-        <p:nvPicPr>
-          <p:cNvPr id="20" name="図 19">
-            <a:extLst>
-              <a:ext uri="{FF2B5EF4-FFF2-40B4-BE49-F238E27FC236}">
-                <a16:creationId xmlns:a16="http://schemas.microsoft.com/office/drawing/2014/main" id="{8815718B-804B-45CC-A2C5-700EBDCFD92F}"/>
-              </a:ext>
-            </a:extLst>
-          </p:cNvPr>
-          <p:cNvPicPr>
-            <a:picLocks noChangeAspect="1"/>
-          </p:cNvPicPr>
-          <p:nvPr/>
-        </p:nvPicPr>
-        <p:blipFill>
-          <a:blip r:embed="rId4">
-            <a:extLst>
-              <a:ext uri="{28A0092B-C50C-407E-A947-70E740481C1C}">
-                <a14:useLocalDpi xmlns:a14="http://schemas.microsoft.com/office/drawing/2010/main" val="0"/>
-              </a:ext>
-            </a:extLst>
-          </a:blip>
-          <a:stretch>
-            <a:fillRect/>
-          </a:stretch>
-        </p:blipFill>
-        <p:spPr>
-          <a:xfrm>
-            <a:off x="1246127" y="4269386"/>
-            <a:ext cx="975009" cy="1054063"/>
-          </a:xfrm>
-          <a:prstGeom prst="rect">
-            <a:avLst/>
-          </a:prstGeom>
-        </p:spPr>
-      </p:pic>
-      <p:pic>
-        <p:nvPicPr>
-          <p:cNvPr id="23" name="図 22">
-            <a:extLst>
-              <a:ext uri="{FF2B5EF4-FFF2-40B4-BE49-F238E27FC236}">
-                <a16:creationId xmlns:a16="http://schemas.microsoft.com/office/drawing/2014/main" id="{B7AC4561-68E6-4D40-BAB6-9E1974692C32}"/>
-              </a:ext>
-            </a:extLst>
-          </p:cNvPr>
-          <p:cNvPicPr>
-            <a:picLocks noChangeAspect="1"/>
-          </p:cNvPicPr>
-          <p:nvPr/>
-        </p:nvPicPr>
-        <p:blipFill>
-          <a:blip r:embed="rId5">
-            <a:extLst>
-              <a:ext uri="{28A0092B-C50C-407E-A947-70E740481C1C}">
-                <a14:useLocalDpi xmlns:a14="http://schemas.microsoft.com/office/drawing/2010/main" val="0"/>
-              </a:ext>
-            </a:extLst>
-          </a:blip>
-          <a:stretch>
-            <a:fillRect/>
-          </a:stretch>
-        </p:blipFill>
-        <p:spPr>
-          <a:xfrm>
-            <a:off x="1313740" y="1553343"/>
-            <a:ext cx="2071509" cy="2401750"/>
-          </a:xfrm>
-          <a:prstGeom prst="rect">
-            <a:avLst/>
-          </a:prstGeom>
-        </p:spPr>
-      </p:pic>
-      <p:grpSp>
-        <p:nvGrpSpPr>
-          <p:cNvPr id="30" name="グループ化 29">
-            <a:extLst>
-              <a:ext uri="{FF2B5EF4-FFF2-40B4-BE49-F238E27FC236}">
-                <a16:creationId xmlns:a16="http://schemas.microsoft.com/office/drawing/2014/main" id="{7D941C72-9CB6-4492-ADE0-518303FC06F3}"/>
-              </a:ext>
-            </a:extLst>
-          </p:cNvPr>
-          <p:cNvGrpSpPr/>
-          <p:nvPr/>
-        </p:nvGrpSpPr>
-        <p:grpSpPr>
-          <a:xfrm>
-            <a:off x="3521078" y="1654082"/>
-            <a:ext cx="1783208" cy="1677586"/>
-            <a:chOff x="3610748" y="2476555"/>
-            <a:chExt cx="1783208" cy="1677586"/>
+            <a:off x="706299" y="405873"/>
+            <a:ext cx="5594288" cy="3840005"/>
+            <a:chOff x="969347" y="656394"/>
+            <a:chExt cx="9151683" cy="6386441"/>
           </a:xfrm>
         </p:grpSpPr>
         <p:sp>
           <p:nvSpPr>
-            <p:cNvPr id="28" name="矢印: 右 27">
+            <p:cNvPr id="31" name="矢印: 右 30">
               <a:extLst>
                 <a:ext uri="{FF2B5EF4-FFF2-40B4-BE49-F238E27FC236}">
-                  <a16:creationId xmlns:a16="http://schemas.microsoft.com/office/drawing/2014/main" id="{05E49AE7-5C8A-4F25-8D26-99F4A5421E54}"/>
+                  <a16:creationId xmlns:a16="http://schemas.microsoft.com/office/drawing/2014/main" id="{092343C5-2057-494E-A4F1-32AB871BD016}"/>
                 </a:ext>
               </a:extLst>
             </p:cNvPr>
@@ -4327,8 +3780,8 @@
             <p:nvPr/>
           </p:nvSpPr>
           <p:spPr>
-            <a:xfrm rot="10800000">
-              <a:off x="3610748" y="2476555"/>
+            <a:xfrm>
+              <a:off x="3721020" y="2681705"/>
               <a:ext cx="1611885" cy="961373"/>
             </a:xfrm>
             <a:prstGeom prst="rightArrow">
@@ -4360,10 +3813,910 @@
         </p:sp>
         <p:sp>
           <p:nvSpPr>
-            <p:cNvPr id="29" name="テキスト ボックス 28">
+            <p:cNvPr id="25" name="楕円 24">
               <a:extLst>
                 <a:ext uri="{FF2B5EF4-FFF2-40B4-BE49-F238E27FC236}">
-                  <a16:creationId xmlns:a16="http://schemas.microsoft.com/office/drawing/2014/main" id="{8D7B4D3B-A14A-4192-87F0-9E64624EE3F4}"/>
+                  <a16:creationId xmlns:a16="http://schemas.microsoft.com/office/drawing/2014/main" id="{6E51F1E1-59A6-497E-8D46-9FCA28567872}"/>
+                </a:ext>
+              </a:extLst>
+            </p:cNvPr>
+            <p:cNvSpPr/>
+            <p:nvPr/>
+          </p:nvSpPr>
+          <p:spPr>
+            <a:xfrm>
+              <a:off x="969347" y="4070377"/>
+              <a:ext cx="2895885" cy="1369097"/>
+            </a:xfrm>
+            <a:prstGeom prst="ellipse">
+              <a:avLst/>
+            </a:prstGeom>
+          </p:spPr>
+          <p:style>
+            <a:lnRef idx="1">
+              <a:schemeClr val="accent1"/>
+            </a:lnRef>
+            <a:fillRef idx="2">
+              <a:schemeClr val="accent1"/>
+            </a:fillRef>
+            <a:effectRef idx="1">
+              <a:schemeClr val="accent1"/>
+            </a:effectRef>
+            <a:fontRef idx="minor">
+              <a:schemeClr val="dk1"/>
+            </a:fontRef>
+          </p:style>
+          <p:txBody>
+            <a:bodyPr rtlCol="0" anchor="ctr"/>
+            <a:lstStyle/>
+            <a:p>
+              <a:pPr algn="ctr"/>
+              <a:r>
+                <a:rPr kumimoji="1" lang="ja-JP" altLang="en-US" sz="1400" b="1" dirty="0"/>
+                <a:t>証券</a:t>
+              </a:r>
+              <a:endParaRPr kumimoji="1" lang="en-US" altLang="ja-JP" sz="1400" b="1" dirty="0"/>
+            </a:p>
+            <a:p>
+              <a:pPr algn="ctr"/>
+              <a:endParaRPr kumimoji="1" lang="ja-JP" altLang="en-US" sz="1400" b="1" dirty="0"/>
+            </a:p>
+          </p:txBody>
+        </p:sp>
+        <p:grpSp>
+          <p:nvGrpSpPr>
+            <p:cNvPr id="18" name="グループ化 17">
+              <a:extLst>
+                <a:ext uri="{FF2B5EF4-FFF2-40B4-BE49-F238E27FC236}">
+                  <a16:creationId xmlns:a16="http://schemas.microsoft.com/office/drawing/2014/main" id="{37DEF0F6-D194-4103-AC3D-098F78563D61}"/>
+                </a:ext>
+              </a:extLst>
+            </p:cNvPr>
+            <p:cNvGrpSpPr/>
+            <p:nvPr/>
+          </p:nvGrpSpPr>
+          <p:grpSpPr>
+            <a:xfrm>
+              <a:off x="1719661" y="656394"/>
+              <a:ext cx="8401369" cy="6386441"/>
+              <a:chOff x="-4106488" y="626305"/>
+              <a:chExt cx="10216166" cy="7986251"/>
+            </a:xfrm>
+          </p:grpSpPr>
+          <p:pic>
+            <p:nvPicPr>
+              <p:cNvPr id="14" name="図 13">
+                <a:extLst>
+                  <a:ext uri="{FF2B5EF4-FFF2-40B4-BE49-F238E27FC236}">
+                    <a16:creationId xmlns:a16="http://schemas.microsoft.com/office/drawing/2014/main" id="{9C50D936-B34A-47CA-ACBA-D863297098D8}"/>
+                  </a:ext>
+                </a:extLst>
+              </p:cNvPr>
+              <p:cNvPicPr>
+                <a:picLocks noChangeAspect="1"/>
+              </p:cNvPicPr>
+              <p:nvPr/>
+            </p:nvPicPr>
+            <p:blipFill>
+              <a:blip r:embed="rId2">
+                <a:extLst>
+                  <a:ext uri="{28A0092B-C50C-407E-A947-70E740481C1C}">
+                    <a14:useLocalDpi xmlns:a14="http://schemas.microsoft.com/office/drawing/2010/main" val="0"/>
+                  </a:ext>
+                </a:extLst>
+              </a:blip>
+              <a:stretch>
+                <a:fillRect/>
+              </a:stretch>
+            </p:blipFill>
+            <p:spPr>
+              <a:xfrm>
+                <a:off x="3238916" y="1256503"/>
+                <a:ext cx="2870762" cy="3638994"/>
+              </a:xfrm>
+              <a:prstGeom prst="rect">
+                <a:avLst/>
+              </a:prstGeom>
+            </p:spPr>
+          </p:pic>
+          <p:sp>
+            <p:nvSpPr>
+              <p:cNvPr id="6" name="テキスト ボックス 5">
+                <a:extLst>
+                  <a:ext uri="{FF2B5EF4-FFF2-40B4-BE49-F238E27FC236}">
+                    <a16:creationId xmlns:a16="http://schemas.microsoft.com/office/drawing/2014/main" id="{0D44E8CB-6B70-4609-863F-4EEF9CC22935}"/>
+                  </a:ext>
+                </a:extLst>
+              </p:cNvPr>
+              <p:cNvSpPr txBox="1"/>
+              <p:nvPr/>
+            </p:nvSpPr>
+            <p:spPr>
+              <a:xfrm>
+                <a:off x="499544" y="626305"/>
+                <a:ext cx="1531763" cy="544083"/>
+              </a:xfrm>
+              <a:prstGeom prst="rect">
+                <a:avLst/>
+              </a:prstGeom>
+              <a:noFill/>
+            </p:spPr>
+            <p:txBody>
+              <a:bodyPr wrap="square" rtlCol="0">
+                <a:spAutoFit/>
+              </a:bodyPr>
+              <a:lstStyle/>
+              <a:p>
+                <a:pPr algn="ctr"/>
+                <a:r>
+                  <a:rPr kumimoji="1" lang="en-US" altLang="ja-JP" sz="1100" dirty="0"/>
+                  <a:t>A</a:t>
+                </a:r>
+                <a:r>
+                  <a:rPr kumimoji="1" lang="ja-JP" altLang="en-US" sz="1100" dirty="0"/>
+                  <a:t>さん</a:t>
+                </a:r>
+              </a:p>
+            </p:txBody>
+          </p:sp>
+          <p:sp>
+            <p:nvSpPr>
+              <p:cNvPr id="7" name="テキスト ボックス 6">
+                <a:extLst>
+                  <a:ext uri="{FF2B5EF4-FFF2-40B4-BE49-F238E27FC236}">
+                    <a16:creationId xmlns:a16="http://schemas.microsoft.com/office/drawing/2014/main" id="{CC673390-E490-4742-86DE-04788638CAC9}"/>
+                  </a:ext>
+                </a:extLst>
+              </p:cNvPr>
+              <p:cNvSpPr txBox="1"/>
+              <p:nvPr/>
+            </p:nvSpPr>
+            <p:spPr>
+              <a:xfrm>
+                <a:off x="4046201" y="626307"/>
+                <a:ext cx="1256193" cy="544083"/>
+              </a:xfrm>
+              <a:prstGeom prst="rect">
+                <a:avLst/>
+              </a:prstGeom>
+              <a:noFill/>
+            </p:spPr>
+            <p:txBody>
+              <a:bodyPr wrap="square" rtlCol="0">
+                <a:spAutoFit/>
+              </a:bodyPr>
+              <a:lstStyle/>
+              <a:p>
+                <a:pPr algn="ctr"/>
+                <a:r>
+                  <a:rPr lang="en-US" altLang="ja-JP" sz="1100" dirty="0"/>
+                  <a:t>B</a:t>
+                </a:r>
+                <a:r>
+                  <a:rPr kumimoji="1" lang="ja-JP" altLang="en-US" sz="1100" dirty="0"/>
+                  <a:t>さん</a:t>
+                </a:r>
+              </a:p>
+            </p:txBody>
+          </p:sp>
+          <p:pic>
+            <p:nvPicPr>
+              <p:cNvPr id="11" name="図 10">
+                <a:extLst>
+                  <a:ext uri="{FF2B5EF4-FFF2-40B4-BE49-F238E27FC236}">
+                    <a16:creationId xmlns:a16="http://schemas.microsoft.com/office/drawing/2014/main" id="{75E289D8-C7F0-434B-ABDA-EA9A19F90490}"/>
+                  </a:ext>
+                </a:extLst>
+              </p:cNvPr>
+              <p:cNvPicPr>
+                <a:picLocks noChangeAspect="1"/>
+              </p:cNvPicPr>
+              <p:nvPr/>
+            </p:nvPicPr>
+            <p:blipFill>
+              <a:blip r:embed="rId3">
+                <a:extLst>
+                  <a:ext uri="{28A0092B-C50C-407E-A947-70E740481C1C}">
+                    <a14:useLocalDpi xmlns:a14="http://schemas.microsoft.com/office/drawing/2010/main" val="0"/>
+                  </a:ext>
+                </a:extLst>
+              </a:blip>
+              <a:stretch>
+                <a:fillRect/>
+              </a:stretch>
+            </p:blipFill>
+            <p:spPr>
+              <a:xfrm>
+                <a:off x="274074" y="1171000"/>
+                <a:ext cx="2943225" cy="3810000"/>
+              </a:xfrm>
+              <a:prstGeom prst="rect">
+                <a:avLst/>
+              </a:prstGeom>
+            </p:spPr>
+          </p:pic>
+          <p:grpSp>
+            <p:nvGrpSpPr>
+              <p:cNvPr id="15" name="グループ化 14">
+                <a:extLst>
+                  <a:ext uri="{FF2B5EF4-FFF2-40B4-BE49-F238E27FC236}">
+                    <a16:creationId xmlns:a16="http://schemas.microsoft.com/office/drawing/2014/main" id="{4CF06BBE-8A4E-462F-B3EF-89185EDBA517}"/>
+                  </a:ext>
+                </a:extLst>
+              </p:cNvPr>
+              <p:cNvGrpSpPr/>
+              <p:nvPr/>
+            </p:nvGrpSpPr>
+            <p:grpSpPr>
+              <a:xfrm rot="10800000">
+                <a:off x="-3837624" y="1597621"/>
+                <a:ext cx="8584078" cy="7014935"/>
+                <a:chOff x="1119906" y="-1702547"/>
+                <a:chExt cx="8584078" cy="7014935"/>
+              </a:xfrm>
+            </p:grpSpPr>
+            <p:sp>
+              <p:nvSpPr>
+                <p:cNvPr id="16" name="矢印: 右 15">
+                  <a:extLst>
+                    <a:ext uri="{FF2B5EF4-FFF2-40B4-BE49-F238E27FC236}">
+                      <a16:creationId xmlns:a16="http://schemas.microsoft.com/office/drawing/2014/main" id="{E2792351-FB73-4C80-8797-43D6DB97DBA3}"/>
+                    </a:ext>
+                  </a:extLst>
+                </p:cNvPr>
+                <p:cNvSpPr/>
+                <p:nvPr/>
+              </p:nvSpPr>
+              <p:spPr>
+                <a:xfrm>
+                  <a:off x="2111872" y="4379015"/>
+                  <a:ext cx="1753646" cy="933373"/>
+                </a:xfrm>
+                <a:prstGeom prst="rightArrow">
+                  <a:avLst/>
+                </a:prstGeom>
+              </p:spPr>
+              <p:style>
+                <a:lnRef idx="2">
+                  <a:schemeClr val="accent4"/>
+                </a:lnRef>
+                <a:fillRef idx="1">
+                  <a:schemeClr val="lt1"/>
+                </a:fillRef>
+                <a:effectRef idx="0">
+                  <a:schemeClr val="accent4"/>
+                </a:effectRef>
+                <a:fontRef idx="minor">
+                  <a:schemeClr val="dk1"/>
+                </a:fontRef>
+              </p:style>
+              <p:txBody>
+                <a:bodyPr rtlCol="0" anchor="ctr"/>
+                <a:lstStyle/>
+                <a:p>
+                  <a:pPr algn="ctr"/>
+                  <a:endParaRPr kumimoji="1" lang="ja-JP" altLang="en-US" dirty="0"/>
+                </a:p>
+              </p:txBody>
+            </p:sp>
+            <p:sp>
+              <p:nvSpPr>
+                <p:cNvPr id="17" name="テキスト ボックス 16">
+                  <a:extLst>
+                    <a:ext uri="{FF2B5EF4-FFF2-40B4-BE49-F238E27FC236}">
+                      <a16:creationId xmlns:a16="http://schemas.microsoft.com/office/drawing/2014/main" id="{2D1A34A4-0EC7-4AEF-8A5F-FDB3E80BEA1B}"/>
+                    </a:ext>
+                  </a:extLst>
+                </p:cNvPr>
+                <p:cNvSpPr txBox="1"/>
+                <p:nvPr/>
+              </p:nvSpPr>
+              <p:spPr>
+                <a:xfrm rot="10800000">
+                  <a:off x="1896318" y="4492010"/>
+                  <a:ext cx="2100787" cy="544083"/>
+                </a:xfrm>
+                <a:prstGeom prst="rect">
+                  <a:avLst/>
+                </a:prstGeom>
+                <a:noFill/>
+              </p:spPr>
+              <p:txBody>
+                <a:bodyPr wrap="square" rtlCol="0">
+                  <a:spAutoFit/>
+                </a:bodyPr>
+                <a:lstStyle/>
+                <a:p>
+                  <a:pPr algn="ctr"/>
+                  <a:r>
+                    <a:rPr kumimoji="1" lang="en-US" altLang="ja-JP" sz="1100" dirty="0"/>
+                    <a:t>10</a:t>
+                  </a:r>
+                  <a:r>
+                    <a:rPr kumimoji="1" lang="ja-JP" altLang="en-US" sz="1100" dirty="0"/>
+                    <a:t>万 </a:t>
+                  </a:r>
+                  <a:r>
+                    <a:rPr kumimoji="1" lang="en-US" altLang="ja-JP" sz="1100" dirty="0"/>
+                    <a:t>1</a:t>
+                  </a:r>
+                  <a:r>
+                    <a:rPr kumimoji="1" lang="ja-JP" altLang="en-US" sz="1100" dirty="0"/>
+                    <a:t>年</a:t>
+                  </a:r>
+                  <a:r>
+                    <a:rPr lang="ja-JP" altLang="en-US" sz="1100" dirty="0"/>
+                    <a:t>目</a:t>
+                  </a:r>
+                  <a:endParaRPr kumimoji="1" lang="ja-JP" altLang="en-US" sz="1100" dirty="0"/>
+                </a:p>
+              </p:txBody>
+            </p:sp>
+            <p:sp>
+              <p:nvSpPr>
+                <p:cNvPr id="21" name="テキスト ボックス 20">
+                  <a:extLst>
+                    <a:ext uri="{FF2B5EF4-FFF2-40B4-BE49-F238E27FC236}">
+                      <a16:creationId xmlns:a16="http://schemas.microsoft.com/office/drawing/2014/main" id="{F7EAA594-77BD-4E37-A4B5-3739DF12DFCF}"/>
+                    </a:ext>
+                  </a:extLst>
+                </p:cNvPr>
+                <p:cNvSpPr txBox="1"/>
+                <p:nvPr/>
+              </p:nvSpPr>
+              <p:spPr>
+                <a:xfrm rot="10800000">
+                  <a:off x="7603196" y="343773"/>
+                  <a:ext cx="2100788" cy="896137"/>
+                </a:xfrm>
+                <a:prstGeom prst="rect">
+                  <a:avLst/>
+                </a:prstGeom>
+                <a:noFill/>
+              </p:spPr>
+              <p:txBody>
+                <a:bodyPr wrap="square" rtlCol="0">
+                  <a:spAutoFit/>
+                </a:bodyPr>
+                <a:lstStyle/>
+                <a:p>
+                  <a:pPr algn="ctr"/>
+                  <a:r>
+                    <a:rPr kumimoji="1" lang="en-US" altLang="ja-JP" sz="1100" dirty="0"/>
+                    <a:t>10</a:t>
+                  </a:r>
+                  <a:r>
+                    <a:rPr kumimoji="1" lang="ja-JP" altLang="en-US" sz="1100" dirty="0"/>
+                    <a:t>万</a:t>
+                  </a:r>
+                  <a:r>
+                    <a:rPr kumimoji="1" lang="en-US" altLang="ja-JP" sz="1100" dirty="0"/>
+                    <a:t>/</a:t>
+                  </a:r>
+                  <a:r>
+                    <a:rPr kumimoji="1" lang="ja-JP" altLang="en-US" sz="1100" dirty="0"/>
+                    <a:t>年 残り</a:t>
+                  </a:r>
+                  <a:r>
+                    <a:rPr kumimoji="1" lang="en-US" altLang="ja-JP" sz="1100" dirty="0"/>
+                    <a:t>9</a:t>
+                  </a:r>
+                  <a:r>
+                    <a:rPr kumimoji="1" lang="ja-JP" altLang="en-US" sz="1100" dirty="0"/>
+                    <a:t>年</a:t>
+                  </a:r>
+                </a:p>
+              </p:txBody>
+            </p:sp>
+            <p:sp>
+              <p:nvSpPr>
+                <p:cNvPr id="35" name="テキスト ボックス 34">
+                  <a:extLst>
+                    <a:ext uri="{FF2B5EF4-FFF2-40B4-BE49-F238E27FC236}">
+                      <a16:creationId xmlns:a16="http://schemas.microsoft.com/office/drawing/2014/main" id="{AAC5A9F3-C694-4120-BA4C-26412E95FEB8}"/>
+                    </a:ext>
+                  </a:extLst>
+                </p:cNvPr>
+                <p:cNvSpPr txBox="1"/>
+                <p:nvPr/>
+              </p:nvSpPr>
+              <p:spPr>
+                <a:xfrm rot="10800000">
+                  <a:off x="1119906" y="340716"/>
+                  <a:ext cx="5389044" cy="896137"/>
+                </a:xfrm>
+                <a:prstGeom prst="rect">
+                  <a:avLst/>
+                </a:prstGeom>
+                <a:noFill/>
+              </p:spPr>
+              <p:txBody>
+                <a:bodyPr wrap="square" rtlCol="0">
+                  <a:spAutoFit/>
+                </a:bodyPr>
+                <a:lstStyle/>
+                <a:p>
+                  <a:pPr algn="ctr"/>
+                  <a:r>
+                    <a:rPr lang="en-US" altLang="ja-JP" sz="1100" dirty="0"/>
+                    <a:t>2</a:t>
+                  </a:r>
+                  <a:r>
+                    <a:rPr kumimoji="1" lang="ja-JP" altLang="en-US" sz="1100" dirty="0"/>
+                    <a:t>年</a:t>
+                  </a:r>
+                  <a:r>
+                    <a:rPr lang="ja-JP" altLang="en-US" sz="1100" dirty="0"/>
+                    <a:t>目以降は証券を持っている</a:t>
+                  </a:r>
+                  <a:r>
+                    <a:rPr lang="en-US" altLang="ja-JP" sz="1100" dirty="0"/>
+                    <a:t>C</a:t>
+                  </a:r>
+                  <a:r>
+                    <a:rPr lang="ja-JP" altLang="en-US" sz="1100" dirty="0" err="1"/>
+                    <a:t>さんに</a:t>
+                  </a:r>
+                  <a:r>
+                    <a:rPr lang="ja-JP" altLang="en-US" sz="1100" dirty="0"/>
+                    <a:t>支払い</a:t>
+                  </a:r>
+                  <a:endParaRPr kumimoji="1" lang="ja-JP" altLang="en-US" sz="1100" dirty="0"/>
+                </a:p>
+              </p:txBody>
+            </p:sp>
+            <p:sp>
+              <p:nvSpPr>
+                <p:cNvPr id="54" name="テキスト ボックス 53">
+                  <a:extLst>
+                    <a:ext uri="{FF2B5EF4-FFF2-40B4-BE49-F238E27FC236}">
+                      <a16:creationId xmlns:a16="http://schemas.microsoft.com/office/drawing/2014/main" id="{1E8C1B54-7515-4488-AFE6-53F358F57536}"/>
+                    </a:ext>
+                  </a:extLst>
+                </p:cNvPr>
+                <p:cNvSpPr txBox="1"/>
+                <p:nvPr/>
+              </p:nvSpPr>
+              <p:spPr>
+                <a:xfrm rot="10800000">
+                  <a:off x="5241593" y="-1702547"/>
+                  <a:ext cx="4045094" cy="1536237"/>
+                </a:xfrm>
+                <a:prstGeom prst="rect">
+                  <a:avLst/>
+                </a:prstGeom>
+                <a:noFill/>
+              </p:spPr>
+              <p:txBody>
+                <a:bodyPr wrap="square" rtlCol="0">
+                  <a:spAutoFit/>
+                </a:bodyPr>
+                <a:lstStyle/>
+                <a:p>
+                  <a:pPr algn="ctr"/>
+                  <a:r>
+                    <a:rPr kumimoji="1" lang="en-US" altLang="ja-JP" sz="1400" dirty="0"/>
+                    <a:t>C</a:t>
+                  </a:r>
+                  <a:r>
+                    <a:rPr kumimoji="1" lang="ja-JP" altLang="en-US" sz="1400" dirty="0" err="1"/>
+                    <a:t>さん</a:t>
+                  </a:r>
+                  <a:r>
+                    <a:rPr kumimoji="1" lang="ja-JP" altLang="en-US" sz="1400" dirty="0"/>
+                    <a:t>が</a:t>
+                  </a:r>
+                  <a:r>
+                    <a:rPr kumimoji="1" lang="en-US" altLang="ja-JP" sz="1400" b="1" dirty="0"/>
+                    <a:t>CDS</a:t>
+                  </a:r>
+                  <a:r>
+                    <a:rPr kumimoji="1" lang="ja-JP" altLang="en-US" sz="1400" b="1" dirty="0"/>
+                    <a:t>化</a:t>
+                  </a:r>
+                  <a:br>
+                    <a:rPr kumimoji="1" lang="en-US" altLang="ja-JP" sz="1400" dirty="0"/>
+                  </a:br>
+                  <a:r>
+                    <a:rPr kumimoji="1" lang="en-US" altLang="ja-JP" sz="1400" b="1" dirty="0"/>
+                    <a:t>4</a:t>
+                  </a:r>
+                  <a:r>
+                    <a:rPr kumimoji="1" lang="ja-JP" altLang="en-US" sz="1400" b="1" dirty="0"/>
+                    <a:t>万円で</a:t>
+                  </a:r>
+                  <a:r>
+                    <a:rPr kumimoji="1" lang="en-US" altLang="ja-JP" sz="1400" b="1" dirty="0"/>
+                    <a:t>6</a:t>
+                  </a:r>
+                  <a:r>
+                    <a:rPr kumimoji="1" lang="ja-JP" altLang="en-US" sz="1400" b="1" dirty="0"/>
+                    <a:t>個販売</a:t>
+                  </a:r>
+                  <a:endParaRPr kumimoji="1" lang="en-US" altLang="ja-JP" sz="1400" b="1" dirty="0"/>
+                </a:p>
+                <a:p>
+                  <a:pPr algn="ctr"/>
+                  <a:r>
+                    <a:rPr lang="en-US" altLang="ja-JP" sz="1400" b="1" dirty="0"/>
+                    <a:t>24</a:t>
+                  </a:r>
+                  <a:r>
+                    <a:rPr lang="ja-JP" altLang="en-US" sz="1400" b="1" dirty="0"/>
+                    <a:t>万の収益</a:t>
+                  </a:r>
+                  <a:endParaRPr kumimoji="1" lang="ja-JP" altLang="en-US" sz="1400" b="1" dirty="0"/>
+                </a:p>
+              </p:txBody>
+            </p:sp>
+          </p:grpSp>
+          <p:sp>
+            <p:nvSpPr>
+              <p:cNvPr id="24" name="テキスト ボックス 23">
+                <a:extLst>
+                  <a:ext uri="{FF2B5EF4-FFF2-40B4-BE49-F238E27FC236}">
+                    <a16:creationId xmlns:a16="http://schemas.microsoft.com/office/drawing/2014/main" id="{7A8574B1-0FCC-458B-B52C-2F6820C3476D}"/>
+                  </a:ext>
+                </a:extLst>
+              </p:cNvPr>
+              <p:cNvSpPr txBox="1"/>
+              <p:nvPr/>
+            </p:nvSpPr>
+            <p:spPr>
+              <a:xfrm>
+                <a:off x="-4106488" y="1025578"/>
+                <a:ext cx="1531763" cy="544083"/>
+              </a:xfrm>
+              <a:prstGeom prst="rect">
+                <a:avLst/>
+              </a:prstGeom>
+              <a:noFill/>
+            </p:spPr>
+            <p:txBody>
+              <a:bodyPr wrap="square" rtlCol="0">
+                <a:spAutoFit/>
+              </a:bodyPr>
+              <a:lstStyle/>
+              <a:p>
+                <a:pPr algn="ctr"/>
+                <a:r>
+                  <a:rPr lang="en-US" altLang="ja-JP" sz="1100" dirty="0"/>
+                  <a:t>C</a:t>
+                </a:r>
+                <a:r>
+                  <a:rPr kumimoji="1" lang="ja-JP" altLang="en-US" sz="1100" dirty="0"/>
+                  <a:t>さん</a:t>
+                </a:r>
+              </a:p>
+            </p:txBody>
+          </p:sp>
+        </p:grpSp>
+        <p:pic>
+          <p:nvPicPr>
+            <p:cNvPr id="20" name="図 19">
+              <a:extLst>
+                <a:ext uri="{FF2B5EF4-FFF2-40B4-BE49-F238E27FC236}">
+                  <a16:creationId xmlns:a16="http://schemas.microsoft.com/office/drawing/2014/main" id="{8815718B-804B-45CC-A2C5-700EBDCFD92F}"/>
+                </a:ext>
+              </a:extLst>
+            </p:cNvPr>
+            <p:cNvPicPr>
+              <a:picLocks noChangeAspect="1"/>
+            </p:cNvPicPr>
+            <p:nvPr/>
+          </p:nvPicPr>
+          <p:blipFill>
+            <a:blip r:embed="rId4">
+              <a:extLst>
+                <a:ext uri="{28A0092B-C50C-407E-A947-70E740481C1C}">
+                  <a14:useLocalDpi xmlns:a14="http://schemas.microsoft.com/office/drawing/2010/main" val="0"/>
+                </a:ext>
+              </a:extLst>
+            </a:blip>
+            <a:stretch>
+              <a:fillRect/>
+            </a:stretch>
+          </p:blipFill>
+          <p:spPr>
+            <a:xfrm>
+              <a:off x="1246127" y="4269386"/>
+              <a:ext cx="975009" cy="1054063"/>
+            </a:xfrm>
+            <a:prstGeom prst="rect">
+              <a:avLst/>
+            </a:prstGeom>
+          </p:spPr>
+        </p:pic>
+        <p:pic>
+          <p:nvPicPr>
+            <p:cNvPr id="23" name="図 22">
+              <a:extLst>
+                <a:ext uri="{FF2B5EF4-FFF2-40B4-BE49-F238E27FC236}">
+                  <a16:creationId xmlns:a16="http://schemas.microsoft.com/office/drawing/2014/main" id="{B7AC4561-68E6-4D40-BAB6-9E1974692C32}"/>
+                </a:ext>
+              </a:extLst>
+            </p:cNvPr>
+            <p:cNvPicPr>
+              <a:picLocks noChangeAspect="1"/>
+            </p:cNvPicPr>
+            <p:nvPr/>
+          </p:nvPicPr>
+          <p:blipFill>
+            <a:blip r:embed="rId5">
+              <a:extLst>
+                <a:ext uri="{28A0092B-C50C-407E-A947-70E740481C1C}">
+                  <a14:useLocalDpi xmlns:a14="http://schemas.microsoft.com/office/drawing/2010/main" val="0"/>
+                </a:ext>
+              </a:extLst>
+            </a:blip>
+            <a:stretch>
+              <a:fillRect/>
+            </a:stretch>
+          </p:blipFill>
+          <p:spPr>
+            <a:xfrm>
+              <a:off x="1313740" y="1553343"/>
+              <a:ext cx="2071509" cy="2401750"/>
+            </a:xfrm>
+            <a:prstGeom prst="rect">
+              <a:avLst/>
+            </a:prstGeom>
+          </p:spPr>
+        </p:pic>
+        <p:grpSp>
+          <p:nvGrpSpPr>
+            <p:cNvPr id="30" name="グループ化 29">
+              <a:extLst>
+                <a:ext uri="{FF2B5EF4-FFF2-40B4-BE49-F238E27FC236}">
+                  <a16:creationId xmlns:a16="http://schemas.microsoft.com/office/drawing/2014/main" id="{7D941C72-9CB6-4492-ADE0-518303FC06F3}"/>
+                </a:ext>
+              </a:extLst>
+            </p:cNvPr>
+            <p:cNvGrpSpPr/>
+            <p:nvPr/>
+          </p:nvGrpSpPr>
+          <p:grpSpPr>
+            <a:xfrm>
+              <a:off x="3521078" y="1654082"/>
+              <a:ext cx="1783208" cy="1774124"/>
+              <a:chOff x="3610748" y="2476555"/>
+              <a:chExt cx="1783208" cy="1774124"/>
+            </a:xfrm>
+          </p:grpSpPr>
+          <p:sp>
+            <p:nvSpPr>
+              <p:cNvPr id="28" name="矢印: 右 27">
+                <a:extLst>
+                  <a:ext uri="{FF2B5EF4-FFF2-40B4-BE49-F238E27FC236}">
+                    <a16:creationId xmlns:a16="http://schemas.microsoft.com/office/drawing/2014/main" id="{05E49AE7-5C8A-4F25-8D26-99F4A5421E54}"/>
+                  </a:ext>
+                </a:extLst>
+              </p:cNvPr>
+              <p:cNvSpPr/>
+              <p:nvPr/>
+            </p:nvSpPr>
+            <p:spPr>
+              <a:xfrm rot="10800000">
+                <a:off x="3610748" y="2476555"/>
+                <a:ext cx="1611885" cy="961373"/>
+              </a:xfrm>
+              <a:prstGeom prst="rightArrow">
+                <a:avLst/>
+              </a:prstGeom>
+            </p:spPr>
+            <p:style>
+              <a:lnRef idx="2">
+                <a:schemeClr val="accent1"/>
+              </a:lnRef>
+              <a:fillRef idx="1">
+                <a:schemeClr val="lt1"/>
+              </a:fillRef>
+              <a:effectRef idx="0">
+                <a:schemeClr val="accent1"/>
+              </a:effectRef>
+              <a:fontRef idx="minor">
+                <a:schemeClr val="dk1"/>
+              </a:fontRef>
+            </p:style>
+            <p:txBody>
+              <a:bodyPr rtlCol="0" anchor="ctr"/>
+              <a:lstStyle/>
+              <a:p>
+                <a:pPr algn="ctr"/>
+                <a:endParaRPr kumimoji="1" lang="ja-JP" altLang="en-US" sz="1100"/>
+              </a:p>
+            </p:txBody>
+          </p:sp>
+          <p:sp>
+            <p:nvSpPr>
+              <p:cNvPr id="29" name="テキスト ボックス 28">
+                <a:extLst>
+                  <a:ext uri="{FF2B5EF4-FFF2-40B4-BE49-F238E27FC236}">
+                    <a16:creationId xmlns:a16="http://schemas.microsoft.com/office/drawing/2014/main" id="{8D7B4D3B-A14A-4192-87F0-9E64624EE3F4}"/>
+                  </a:ext>
+                </a:extLst>
+              </p:cNvPr>
+              <p:cNvSpPr txBox="1"/>
+              <p:nvPr/>
+            </p:nvSpPr>
+            <p:spPr>
+              <a:xfrm>
+                <a:off x="3630024" y="2787243"/>
+                <a:ext cx="1727604" cy="435092"/>
+              </a:xfrm>
+              <a:prstGeom prst="rect">
+                <a:avLst/>
+              </a:prstGeom>
+              <a:noFill/>
+            </p:spPr>
+            <p:txBody>
+              <a:bodyPr wrap="square" rtlCol="0">
+                <a:spAutoFit/>
+              </a:bodyPr>
+              <a:lstStyle/>
+              <a:p>
+                <a:pPr algn="ctr"/>
+                <a:r>
+                  <a:rPr kumimoji="1" lang="ja-JP" altLang="en-US" sz="1100" dirty="0"/>
+                  <a:t>証券を売却</a:t>
+                </a:r>
+              </a:p>
+            </p:txBody>
+          </p:sp>
+          <p:sp>
+            <p:nvSpPr>
+              <p:cNvPr id="32" name="テキスト ボックス 31">
+                <a:extLst>
+                  <a:ext uri="{FF2B5EF4-FFF2-40B4-BE49-F238E27FC236}">
+                    <a16:creationId xmlns:a16="http://schemas.microsoft.com/office/drawing/2014/main" id="{2B708556-698A-4181-A315-CAA0A7A800BE}"/>
+                  </a:ext>
+                </a:extLst>
+              </p:cNvPr>
+              <p:cNvSpPr txBox="1"/>
+              <p:nvPr/>
+            </p:nvSpPr>
+            <p:spPr>
+              <a:xfrm>
+                <a:off x="3666352" y="3815587"/>
+                <a:ext cx="1727604" cy="435092"/>
+              </a:xfrm>
+              <a:prstGeom prst="rect">
+                <a:avLst/>
+              </a:prstGeom>
+              <a:noFill/>
+            </p:spPr>
+            <p:txBody>
+              <a:bodyPr wrap="square" rtlCol="0">
+                <a:spAutoFit/>
+              </a:bodyPr>
+              <a:lstStyle/>
+              <a:p>
+                <a:pPr algn="ctr"/>
+                <a:r>
+                  <a:rPr kumimoji="1" lang="en-US" altLang="ja-JP" sz="1100" dirty="0"/>
+                  <a:t>85</a:t>
+                </a:r>
+                <a:r>
+                  <a:rPr kumimoji="1" lang="ja-JP" altLang="en-US" sz="1100" dirty="0"/>
+                  <a:t>万で購入</a:t>
+                </a:r>
+              </a:p>
+            </p:txBody>
+          </p:sp>
+        </p:grpSp>
+        <p:cxnSp>
+          <p:nvCxnSpPr>
+            <p:cNvPr id="34" name="直線矢印コネクタ 33">
+              <a:extLst>
+                <a:ext uri="{FF2B5EF4-FFF2-40B4-BE49-F238E27FC236}">
+                  <a16:creationId xmlns:a16="http://schemas.microsoft.com/office/drawing/2014/main" id="{74B646E9-7610-41E3-A861-EFDED9C4AD52}"/>
+                </a:ext>
+              </a:extLst>
+            </p:cNvPr>
+            <p:cNvCxnSpPr>
+              <a:stCxn id="14" idx="2"/>
+              <a:endCxn id="25" idx="6"/>
+            </p:cNvCxnSpPr>
+            <p:nvPr/>
+          </p:nvCxnSpPr>
+          <p:spPr>
+            <a:xfrm flipH="1">
+              <a:off x="3865232" y="4070377"/>
+              <a:ext cx="5075398" cy="684549"/>
+            </a:xfrm>
+            <a:prstGeom prst="straightConnector1">
+              <a:avLst/>
+            </a:prstGeom>
+            <a:ln>
+              <a:tailEnd type="triangle"/>
+            </a:ln>
+          </p:spPr>
+          <p:style>
+            <a:lnRef idx="1">
+              <a:schemeClr val="accent1"/>
+            </a:lnRef>
+            <a:fillRef idx="0">
+              <a:schemeClr val="accent1"/>
+            </a:fillRef>
+            <a:effectRef idx="0">
+              <a:schemeClr val="accent1"/>
+            </a:effectRef>
+            <a:fontRef idx="minor">
+              <a:schemeClr val="tx1"/>
+            </a:fontRef>
+          </p:style>
+        </p:cxnSp>
+      </p:grpSp>
+      <p:grpSp>
+        <p:nvGrpSpPr>
+          <p:cNvPr id="4" name="グループ化 3">
+            <a:extLst>
+              <a:ext uri="{FF2B5EF4-FFF2-40B4-BE49-F238E27FC236}">
+                <a16:creationId xmlns:a16="http://schemas.microsoft.com/office/drawing/2014/main" id="{21D9CEBB-184C-4D70-ABD4-3DBC8251F193}"/>
+              </a:ext>
+            </a:extLst>
+          </p:cNvPr>
+          <p:cNvGrpSpPr/>
+          <p:nvPr/>
+        </p:nvGrpSpPr>
+        <p:grpSpPr>
+          <a:xfrm>
+            <a:off x="706299" y="4418735"/>
+            <a:ext cx="1791868" cy="1050457"/>
+            <a:chOff x="618147" y="3887299"/>
+            <a:chExt cx="1791868" cy="1050457"/>
+          </a:xfrm>
+        </p:grpSpPr>
+        <p:sp>
+          <p:nvSpPr>
+            <p:cNvPr id="3" name="四角形: 角を丸くする 2">
+              <a:extLst>
+                <a:ext uri="{FF2B5EF4-FFF2-40B4-BE49-F238E27FC236}">
+                  <a16:creationId xmlns:a16="http://schemas.microsoft.com/office/drawing/2014/main" id="{EF6E7043-E10A-4364-A40B-C7AB612B8B1A}"/>
+                </a:ext>
+              </a:extLst>
+            </p:cNvPr>
+            <p:cNvSpPr/>
+            <p:nvPr/>
+          </p:nvSpPr>
+          <p:spPr>
+            <a:xfrm>
+              <a:off x="618147" y="3899108"/>
+              <a:ext cx="1770212" cy="1038648"/>
+            </a:xfrm>
+            <a:prstGeom prst="roundRect">
+              <a:avLst/>
+            </a:prstGeom>
+          </p:spPr>
+          <p:style>
+            <a:lnRef idx="2">
+              <a:schemeClr val="accent2"/>
+            </a:lnRef>
+            <a:fillRef idx="1">
+              <a:schemeClr val="lt1"/>
+            </a:fillRef>
+            <a:effectRef idx="0">
+              <a:schemeClr val="accent2"/>
+            </a:effectRef>
+            <a:fontRef idx="minor">
+              <a:schemeClr val="dk1"/>
+            </a:fontRef>
+          </p:style>
+          <p:txBody>
+            <a:bodyPr rtlCol="0" anchor="ctr"/>
+            <a:lstStyle/>
+            <a:p>
+              <a:pPr algn="ctr"/>
+              <a:endParaRPr kumimoji="1" lang="ja-JP" altLang="en-US" dirty="0"/>
+            </a:p>
+          </p:txBody>
+        </p:sp>
+        <p:sp>
+          <p:nvSpPr>
+            <p:cNvPr id="27" name="テキスト ボックス 26">
+              <a:extLst>
+                <a:ext uri="{FF2B5EF4-FFF2-40B4-BE49-F238E27FC236}">
+                  <a16:creationId xmlns:a16="http://schemas.microsoft.com/office/drawing/2014/main" id="{CD5BAAC7-042E-47F3-A71E-82EA90879844}"/>
                 </a:ext>
               </a:extLst>
             </p:cNvPr>
@@ -4372,8 +4725,8 @@
           </p:nvSpPr>
           <p:spPr>
             <a:xfrm>
-              <a:off x="3630024" y="2787244"/>
-              <a:ext cx="1727604" cy="338554"/>
+              <a:off x="639803" y="4136462"/>
+              <a:ext cx="1770212" cy="738664"/>
             </a:xfrm>
             <a:prstGeom prst="rect">
               <a:avLst/>
@@ -4388,18 +4741,67 @@
             <a:p>
               <a:pPr algn="ctr"/>
               <a:r>
-                <a:rPr kumimoji="1" lang="ja-JP" altLang="en-US" sz="1600" dirty="0"/>
-                <a:t>証券を売却</a:t>
+                <a:rPr lang="en-US" altLang="ja-JP" sz="1400" dirty="0"/>
+                <a:t>5000</a:t>
               </a:r>
+              <a:r>
+                <a:rPr lang="ja-JP" altLang="en-US" sz="1400" dirty="0"/>
+                <a:t>円</a:t>
+              </a:r>
+              <a:r>
+                <a:rPr kumimoji="1" lang="en-US" altLang="ja-JP" sz="1400" dirty="0"/>
+                <a:t>/</a:t>
+              </a:r>
+              <a:r>
+                <a:rPr kumimoji="1" lang="ja-JP" altLang="en-US" sz="1400" dirty="0"/>
+                <a:t>年 残り</a:t>
+              </a:r>
+              <a:r>
+                <a:rPr kumimoji="1" lang="en-US" altLang="ja-JP" sz="1400" dirty="0"/>
+                <a:t>9</a:t>
+              </a:r>
+              <a:r>
+                <a:rPr kumimoji="1" lang="ja-JP" altLang="en-US" sz="1400" dirty="0"/>
+                <a:t>年</a:t>
+              </a:r>
+              <a:endParaRPr kumimoji="1" lang="en-US" altLang="ja-JP" sz="1400" dirty="0"/>
+            </a:p>
+            <a:p>
+              <a:pPr algn="ctr"/>
+              <a:r>
+                <a:rPr kumimoji="1" lang="ja-JP" altLang="en-US" sz="1400" dirty="0"/>
+                <a:t>破綻時</a:t>
+              </a:r>
+              <a:r>
+                <a:rPr kumimoji="1" lang="en-US" altLang="ja-JP" sz="1400" dirty="0"/>
+                <a:t>10%</a:t>
+              </a:r>
+              <a:r>
+                <a:rPr lang="ja-JP" altLang="en-US" sz="1400" dirty="0"/>
+                <a:t>の負担</a:t>
+              </a:r>
+              <a:endParaRPr kumimoji="1" lang="en-US" altLang="ja-JP" sz="1400" dirty="0"/>
+            </a:p>
+            <a:p>
+              <a:pPr algn="ctr"/>
+              <a:r>
+                <a:rPr lang="en-US" altLang="ja-JP" sz="1400" dirty="0"/>
+                <a:t>4</a:t>
+              </a:r>
+              <a:r>
+                <a:rPr lang="ja-JP" altLang="en-US" sz="1400" dirty="0"/>
+                <a:t>万円</a:t>
+              </a:r>
+              <a:endParaRPr kumimoji="1" lang="ja-JP" altLang="en-US" sz="1400" dirty="0"/>
             </a:p>
           </p:txBody>
         </p:sp>
         <p:sp>
           <p:nvSpPr>
-            <p:cNvPr id="32" name="テキスト ボックス 31">
+            <p:cNvPr id="33" name="テキスト ボックス 32">
               <a:extLst>
                 <a:ext uri="{FF2B5EF4-FFF2-40B4-BE49-F238E27FC236}">
-                  <a16:creationId xmlns:a16="http://schemas.microsoft.com/office/drawing/2014/main" id="{2B708556-698A-4181-A315-CAA0A7A800BE}"/>
+                  <a16:creationId xmlns:a16="http://schemas.microsoft.com/office/drawing/2014/main" id="{7C831E77-BA84-40C6-AC77-C3DCA8382E9B}"/>
                 </a:ext>
               </a:extLst>
             </p:cNvPr>
@@ -4408,8 +4810,8 @@
           </p:nvSpPr>
           <p:spPr>
             <a:xfrm>
-              <a:off x="3666352" y="3815587"/>
-              <a:ext cx="1727604" cy="338554"/>
+              <a:off x="628975" y="3887299"/>
+              <a:ext cx="1770212" cy="307777"/>
             </a:xfrm>
             <a:prstGeom prst="rect">
               <a:avLst/>
@@ -4424,41 +4826,302 @@
             <a:p>
               <a:pPr algn="ctr"/>
               <a:r>
-                <a:rPr kumimoji="1" lang="en-US" altLang="ja-JP" sz="1600" dirty="0"/>
-                <a:t>85</a:t>
+                <a:rPr lang="en-US" altLang="ja-JP" sz="1400" b="1" dirty="0"/>
+                <a:t>CDS</a:t>
               </a:r>
-              <a:r>
-                <a:rPr kumimoji="1" lang="ja-JP" altLang="en-US" sz="1600" dirty="0"/>
-                <a:t>万で購入</a:t>
-              </a:r>
+              <a:endParaRPr kumimoji="1" lang="ja-JP" altLang="en-US" sz="1400" b="1" dirty="0"/>
             </a:p>
           </p:txBody>
         </p:sp>
       </p:grpSp>
+      <p:sp>
+        <p:nvSpPr>
+          <p:cNvPr id="5" name="矢印: 下 4">
+            <a:extLst>
+              <a:ext uri="{FF2B5EF4-FFF2-40B4-BE49-F238E27FC236}">
+                <a16:creationId xmlns:a16="http://schemas.microsoft.com/office/drawing/2014/main" id="{EF74BA99-A374-4C8D-B7A4-77D2ABCC16D5}"/>
+              </a:ext>
+            </a:extLst>
+          </p:cNvPr>
+          <p:cNvSpPr/>
+          <p:nvPr/>
+        </p:nvSpPr>
+        <p:spPr>
+          <a:xfrm>
+            <a:off x="1406379" y="3501342"/>
+            <a:ext cx="463467" cy="820609"/>
+          </a:xfrm>
+          <a:prstGeom prst="downArrow">
+            <a:avLst/>
+          </a:prstGeom>
+        </p:spPr>
+        <p:style>
+          <a:lnRef idx="0">
+            <a:schemeClr val="accent2"/>
+          </a:lnRef>
+          <a:fillRef idx="3">
+            <a:schemeClr val="accent2"/>
+          </a:fillRef>
+          <a:effectRef idx="3">
+            <a:schemeClr val="accent2"/>
+          </a:effectRef>
+          <a:fontRef idx="minor">
+            <a:schemeClr val="lt1"/>
+          </a:fontRef>
+        </p:style>
+        <p:txBody>
+          <a:bodyPr rtlCol="0" anchor="ctr"/>
+          <a:lstStyle/>
+          <a:p>
+            <a:pPr algn="ctr"/>
+            <a:endParaRPr kumimoji="1" lang="ja-JP" altLang="en-US"/>
+          </a:p>
+        </p:txBody>
+      </p:sp>
+      <p:pic>
+        <p:nvPicPr>
+          <p:cNvPr id="9" name="図 8">
+            <a:extLst>
+              <a:ext uri="{FF2B5EF4-FFF2-40B4-BE49-F238E27FC236}">
+                <a16:creationId xmlns:a16="http://schemas.microsoft.com/office/drawing/2014/main" id="{B46FA010-A9B2-4BE1-908D-CA04ED01F477}"/>
+              </a:ext>
+            </a:extLst>
+          </p:cNvPr>
+          <p:cNvPicPr>
+            <a:picLocks noChangeAspect="1"/>
+          </p:cNvPicPr>
+          <p:nvPr/>
+        </p:nvPicPr>
+        <p:blipFill>
+          <a:blip r:embed="rId6">
+            <a:extLst>
+              <a:ext uri="{28A0092B-C50C-407E-A947-70E740481C1C}">
+                <a14:useLocalDpi xmlns:a14="http://schemas.microsoft.com/office/drawing/2010/main" val="0"/>
+              </a:ext>
+            </a:extLst>
+          </a:blip>
+          <a:stretch>
+            <a:fillRect/>
+          </a:stretch>
+        </p:blipFill>
+        <p:spPr>
+          <a:xfrm>
+            <a:off x="4384635" y="3531949"/>
+            <a:ext cx="923925" cy="952500"/>
+          </a:xfrm>
+          <a:prstGeom prst="rect">
+            <a:avLst/>
+          </a:prstGeom>
+        </p:spPr>
+      </p:pic>
+      <p:pic>
+        <p:nvPicPr>
+          <p:cNvPr id="12" name="図 11">
+            <a:extLst>
+              <a:ext uri="{FF2B5EF4-FFF2-40B4-BE49-F238E27FC236}">
+                <a16:creationId xmlns:a16="http://schemas.microsoft.com/office/drawing/2014/main" id="{822F64F4-37DC-4DDE-AE66-D7F33DB2BDB9}"/>
+              </a:ext>
+            </a:extLst>
+          </p:cNvPr>
+          <p:cNvPicPr>
+            <a:picLocks noChangeAspect="1"/>
+          </p:cNvPicPr>
+          <p:nvPr/>
+        </p:nvPicPr>
+        <p:blipFill>
+          <a:blip r:embed="rId7">
+            <a:extLst>
+              <a:ext uri="{28A0092B-C50C-407E-A947-70E740481C1C}">
+                <a14:useLocalDpi xmlns:a14="http://schemas.microsoft.com/office/drawing/2010/main" val="0"/>
+              </a:ext>
+            </a:extLst>
+          </a:blip>
+          <a:stretch>
+            <a:fillRect/>
+          </a:stretch>
+        </p:blipFill>
+        <p:spPr>
+          <a:xfrm>
+            <a:off x="5698169" y="3471923"/>
+            <a:ext cx="1023786" cy="1055449"/>
+          </a:xfrm>
+          <a:prstGeom prst="rect">
+            <a:avLst/>
+          </a:prstGeom>
+        </p:spPr>
+      </p:pic>
+      <p:pic>
+        <p:nvPicPr>
+          <p:cNvPr id="19" name="図 18">
+            <a:extLst>
+              <a:ext uri="{FF2B5EF4-FFF2-40B4-BE49-F238E27FC236}">
+                <a16:creationId xmlns:a16="http://schemas.microsoft.com/office/drawing/2014/main" id="{8532A73F-682B-4C32-87F3-D06A9C4D4940}"/>
+              </a:ext>
+            </a:extLst>
+          </p:cNvPr>
+          <p:cNvPicPr>
+            <a:picLocks noChangeAspect="1"/>
+          </p:cNvPicPr>
+          <p:nvPr/>
+        </p:nvPicPr>
+        <p:blipFill>
+          <a:blip r:embed="rId8">
+            <a:extLst>
+              <a:ext uri="{28A0092B-C50C-407E-A947-70E740481C1C}">
+                <a14:useLocalDpi xmlns:a14="http://schemas.microsoft.com/office/drawing/2010/main" val="0"/>
+              </a:ext>
+            </a:extLst>
+          </a:blip>
+          <a:stretch>
+            <a:fillRect/>
+          </a:stretch>
+        </p:blipFill>
+        <p:spPr>
+          <a:xfrm>
+            <a:off x="4351884" y="4569839"/>
+            <a:ext cx="923926" cy="947616"/>
+          </a:xfrm>
+          <a:prstGeom prst="rect">
+            <a:avLst/>
+          </a:prstGeom>
+        </p:spPr>
+      </p:pic>
+      <p:pic>
+        <p:nvPicPr>
+          <p:cNvPr id="36" name="図 35">
+            <a:extLst>
+              <a:ext uri="{FF2B5EF4-FFF2-40B4-BE49-F238E27FC236}">
+                <a16:creationId xmlns:a16="http://schemas.microsoft.com/office/drawing/2014/main" id="{EE656381-4A4F-4B12-84B0-5786AD9D40C9}"/>
+              </a:ext>
+            </a:extLst>
+          </p:cNvPr>
+          <p:cNvPicPr>
+            <a:picLocks noChangeAspect="1"/>
+          </p:cNvPicPr>
+          <p:nvPr/>
+        </p:nvPicPr>
+        <p:blipFill>
+          <a:blip r:embed="rId9">
+            <a:extLst>
+              <a:ext uri="{28A0092B-C50C-407E-A947-70E740481C1C}">
+                <a14:useLocalDpi xmlns:a14="http://schemas.microsoft.com/office/drawing/2010/main" val="0"/>
+              </a:ext>
+            </a:extLst>
+          </a:blip>
+          <a:stretch>
+            <a:fillRect/>
+          </a:stretch>
+        </p:blipFill>
+        <p:spPr>
+          <a:xfrm>
+            <a:off x="5674815" y="4534067"/>
+            <a:ext cx="1023786" cy="1055449"/>
+          </a:xfrm>
+          <a:prstGeom prst="rect">
+            <a:avLst/>
+          </a:prstGeom>
+        </p:spPr>
+      </p:pic>
+      <p:pic>
+        <p:nvPicPr>
+          <p:cNvPr id="38" name="図 37">
+            <a:extLst>
+              <a:ext uri="{FF2B5EF4-FFF2-40B4-BE49-F238E27FC236}">
+                <a16:creationId xmlns:a16="http://schemas.microsoft.com/office/drawing/2014/main" id="{16AD39B7-C2D5-4345-BC2B-0B64FB471051}"/>
+              </a:ext>
+            </a:extLst>
+          </p:cNvPr>
+          <p:cNvPicPr>
+            <a:picLocks noChangeAspect="1"/>
+          </p:cNvPicPr>
+          <p:nvPr/>
+        </p:nvPicPr>
+        <p:blipFill>
+          <a:blip r:embed="rId10">
+            <a:extLst>
+              <a:ext uri="{28A0092B-C50C-407E-A947-70E740481C1C}">
+                <a14:useLocalDpi xmlns:a14="http://schemas.microsoft.com/office/drawing/2010/main" val="0"/>
+              </a:ext>
+            </a:extLst>
+          </a:blip>
+          <a:stretch>
+            <a:fillRect/>
+          </a:stretch>
+        </p:blipFill>
+        <p:spPr>
+          <a:xfrm>
+            <a:off x="4384635" y="5592424"/>
+            <a:ext cx="884046" cy="911388"/>
+          </a:xfrm>
+          <a:prstGeom prst="rect">
+            <a:avLst/>
+          </a:prstGeom>
+        </p:spPr>
+      </p:pic>
+      <p:pic>
+        <p:nvPicPr>
+          <p:cNvPr id="40" name="図 39">
+            <a:extLst>
+              <a:ext uri="{FF2B5EF4-FFF2-40B4-BE49-F238E27FC236}">
+                <a16:creationId xmlns:a16="http://schemas.microsoft.com/office/drawing/2014/main" id="{B66320F3-FEB6-49D5-9D29-1C1651CD4E81}"/>
+              </a:ext>
+            </a:extLst>
+          </p:cNvPr>
+          <p:cNvPicPr>
+            <a:picLocks noChangeAspect="1"/>
+          </p:cNvPicPr>
+          <p:nvPr/>
+        </p:nvPicPr>
+        <p:blipFill>
+          <a:blip r:embed="rId11">
+            <a:extLst>
+              <a:ext uri="{28A0092B-C50C-407E-A947-70E740481C1C}">
+                <a14:useLocalDpi xmlns:a14="http://schemas.microsoft.com/office/drawing/2010/main" val="0"/>
+              </a:ext>
+            </a:extLst>
+          </a:blip>
+          <a:stretch>
+            <a:fillRect/>
+          </a:stretch>
+        </p:blipFill>
+        <p:spPr>
+          <a:xfrm>
+            <a:off x="5698169" y="5502006"/>
+            <a:ext cx="1023786" cy="1055449"/>
+          </a:xfrm>
+          <a:prstGeom prst="rect">
+            <a:avLst/>
+          </a:prstGeom>
+        </p:spPr>
+      </p:pic>
       <p:cxnSp>
         <p:nvCxnSpPr>
-          <p:cNvPr id="34" name="直線矢印コネクタ 33">
-            <a:extLst>
-              <a:ext uri="{FF2B5EF4-FFF2-40B4-BE49-F238E27FC236}">
-                <a16:creationId xmlns:a16="http://schemas.microsoft.com/office/drawing/2014/main" id="{74B646E9-7610-41E3-A861-EFDED9C4AD52}"/>
+          <p:cNvPr id="42" name="直線矢印コネクタ 41">
+            <a:extLst>
+              <a:ext uri="{FF2B5EF4-FFF2-40B4-BE49-F238E27FC236}">
+                <a16:creationId xmlns:a16="http://schemas.microsoft.com/office/drawing/2014/main" id="{BFCD8CD0-8A48-48FE-8A2C-E28D5461B8CE}"/>
               </a:ext>
             </a:extLst>
           </p:cNvPr>
           <p:cNvCxnSpPr>
-            <a:stCxn id="14" idx="2"/>
-            <a:endCxn id="25" idx="6"/>
+            <a:cxnSpLocks/>
+            <a:stCxn id="27" idx="3"/>
+            <a:endCxn id="9" idx="1"/>
           </p:cNvCxnSpPr>
           <p:nvPr/>
         </p:nvCxnSpPr>
         <p:spPr>
-          <a:xfrm flipH="1">
-            <a:off x="3865232" y="4070377"/>
-            <a:ext cx="5075398" cy="684549"/>
+          <a:xfrm flipV="1">
+            <a:off x="2498167" y="4008199"/>
+            <a:ext cx="1886468" cy="1029031"/>
           </a:xfrm>
           <a:prstGeom prst="straightConnector1">
             <a:avLst/>
           </a:prstGeom>
           <a:ln>
+            <a:solidFill>
+              <a:schemeClr val="accent2"/>
+            </a:solidFill>
             <a:tailEnd type="triangle"/>
           </a:ln>
         </p:spPr>
@@ -4477,6 +5140,182 @@
           </a:fontRef>
         </p:style>
       </p:cxnSp>
+      <p:cxnSp>
+        <p:nvCxnSpPr>
+          <p:cNvPr id="44" name="直線矢印コネクタ 43">
+            <a:extLst>
+              <a:ext uri="{FF2B5EF4-FFF2-40B4-BE49-F238E27FC236}">
+                <a16:creationId xmlns:a16="http://schemas.microsoft.com/office/drawing/2014/main" id="{B9CB0F9B-8796-4E78-8FF0-9A1ED60682E0}"/>
+              </a:ext>
+            </a:extLst>
+          </p:cNvPr>
+          <p:cNvCxnSpPr>
+            <a:cxnSpLocks/>
+            <a:stCxn id="27" idx="3"/>
+            <a:endCxn id="19" idx="1"/>
+          </p:cNvCxnSpPr>
+          <p:nvPr/>
+        </p:nvCxnSpPr>
+        <p:spPr>
+          <a:xfrm>
+            <a:off x="2498167" y="5037230"/>
+            <a:ext cx="1853717" cy="6417"/>
+          </a:xfrm>
+          <a:prstGeom prst="straightConnector1">
+            <a:avLst/>
+          </a:prstGeom>
+          <a:ln>
+            <a:solidFill>
+              <a:schemeClr val="accent2"/>
+            </a:solidFill>
+            <a:tailEnd type="triangle"/>
+          </a:ln>
+        </p:spPr>
+        <p:style>
+          <a:lnRef idx="1">
+            <a:schemeClr val="accent1"/>
+          </a:lnRef>
+          <a:fillRef idx="0">
+            <a:schemeClr val="accent1"/>
+          </a:fillRef>
+          <a:effectRef idx="0">
+            <a:schemeClr val="accent1"/>
+          </a:effectRef>
+          <a:fontRef idx="minor">
+            <a:schemeClr val="tx1"/>
+          </a:fontRef>
+        </p:style>
+      </p:cxnSp>
+      <p:cxnSp>
+        <p:nvCxnSpPr>
+          <p:cNvPr id="47" name="直線矢印コネクタ 46">
+            <a:extLst>
+              <a:ext uri="{FF2B5EF4-FFF2-40B4-BE49-F238E27FC236}">
+                <a16:creationId xmlns:a16="http://schemas.microsoft.com/office/drawing/2014/main" id="{D94D55DB-D228-446D-B8C0-4EE009D249D2}"/>
+              </a:ext>
+            </a:extLst>
+          </p:cNvPr>
+          <p:cNvCxnSpPr>
+            <a:cxnSpLocks/>
+            <a:stCxn id="27" idx="3"/>
+            <a:endCxn id="38" idx="1"/>
+          </p:cNvCxnSpPr>
+          <p:nvPr/>
+        </p:nvCxnSpPr>
+        <p:spPr>
+          <a:xfrm>
+            <a:off x="2498167" y="5037230"/>
+            <a:ext cx="1886468" cy="1010888"/>
+          </a:xfrm>
+          <a:prstGeom prst="straightConnector1">
+            <a:avLst/>
+          </a:prstGeom>
+          <a:ln>
+            <a:solidFill>
+              <a:schemeClr val="accent2"/>
+            </a:solidFill>
+            <a:tailEnd type="triangle"/>
+          </a:ln>
+        </p:spPr>
+        <p:style>
+          <a:lnRef idx="1">
+            <a:schemeClr val="accent1"/>
+          </a:lnRef>
+          <a:fillRef idx="0">
+            <a:schemeClr val="accent1"/>
+          </a:fillRef>
+          <a:effectRef idx="0">
+            <a:schemeClr val="accent1"/>
+          </a:effectRef>
+          <a:fontRef idx="minor">
+            <a:schemeClr val="tx1"/>
+          </a:fontRef>
+        </p:style>
+      </p:cxnSp>
+      <p:sp>
+        <p:nvSpPr>
+          <p:cNvPr id="55" name="テキスト ボックス 54">
+            <a:extLst>
+              <a:ext uri="{FF2B5EF4-FFF2-40B4-BE49-F238E27FC236}">
+                <a16:creationId xmlns:a16="http://schemas.microsoft.com/office/drawing/2014/main" id="{37BA85D2-DAE2-474C-BDA7-7A2EDAA60819}"/>
+              </a:ext>
+            </a:extLst>
+          </p:cNvPr>
+          <p:cNvSpPr txBox="1"/>
+          <p:nvPr/>
+        </p:nvSpPr>
+        <p:spPr>
+          <a:xfrm>
+            <a:off x="6721955" y="4754145"/>
+            <a:ext cx="3135633" cy="738664"/>
+          </a:xfrm>
+          <a:prstGeom prst="rect">
+            <a:avLst/>
+          </a:prstGeom>
+          <a:noFill/>
+        </p:spPr>
+        <p:txBody>
+          <a:bodyPr wrap="square" rtlCol="0">
+            <a:spAutoFit/>
+          </a:bodyPr>
+          <a:lstStyle/>
+          <a:p>
+            <a:pPr algn="ctr"/>
+            <a:r>
+              <a:rPr kumimoji="1" lang="en-US" altLang="ja-JP" sz="1400" dirty="0"/>
+              <a:t>CDS</a:t>
+            </a:r>
+            <a:r>
+              <a:rPr kumimoji="1" lang="ja-JP" altLang="en-US" sz="1400" dirty="0"/>
+              <a:t>を買った</a:t>
+            </a:r>
+            <a:r>
+              <a:rPr kumimoji="1" lang="en-US" altLang="ja-JP" sz="1400" dirty="0"/>
+              <a:t>6</a:t>
+            </a:r>
+            <a:r>
+              <a:rPr kumimoji="1" lang="ja-JP" altLang="en-US" sz="1400" dirty="0"/>
+              <a:t>人</a:t>
+            </a:r>
+            <a:br>
+              <a:rPr kumimoji="1" lang="en-US" altLang="ja-JP" sz="1400" dirty="0"/>
+            </a:br>
+            <a:r>
+              <a:rPr kumimoji="1" lang="en-US" altLang="ja-JP" sz="1400" dirty="0"/>
+              <a:t>9</a:t>
+            </a:r>
+            <a:r>
+              <a:rPr kumimoji="1" lang="ja-JP" altLang="en-US" sz="1400" dirty="0"/>
+              <a:t>年間毎年</a:t>
+            </a:r>
+            <a:r>
+              <a:rPr kumimoji="1" lang="en-US" altLang="ja-JP" sz="1400" dirty="0"/>
+              <a:t>5000</a:t>
+            </a:r>
+            <a:r>
+              <a:rPr kumimoji="1" lang="ja-JP" altLang="en-US" sz="1400" dirty="0"/>
+              <a:t>円貰える</a:t>
+            </a:r>
+            <a:endParaRPr kumimoji="1" lang="en-US" altLang="ja-JP" sz="1400" dirty="0"/>
+          </a:p>
+          <a:p>
+            <a:pPr algn="ctr"/>
+            <a:r>
+              <a:rPr lang="ja-JP" altLang="en-US" sz="1400" b="1" dirty="0"/>
+              <a:t>その代り借金を</a:t>
+            </a:r>
+            <a:r>
+              <a:rPr lang="en-US" altLang="ja-JP" sz="1400" b="1" dirty="0"/>
+              <a:t>10%</a:t>
+            </a:r>
+            <a:r>
+              <a:rPr lang="ja-JP" altLang="en-US" sz="1400" b="1" dirty="0"/>
+              <a:t>分保証</a:t>
+            </a:r>
+            <a:endParaRPr kumimoji="1" lang="ja-JP" altLang="en-US" sz="1400" b="1" dirty="0"/>
+          </a:p>
+        </p:txBody>
+      </p:sp>
     </p:spTree>
     <p:extLst>
       <p:ext uri="{BB962C8B-B14F-4D97-AF65-F5344CB8AC3E}">

--- a/2018xxxx_2008-financial-crisis/図作成用.pptx
+++ b/2018xxxx_2008-financial-crisis/図作成用.pptx
@@ -5,8 +5,8 @@
     <p:sldMasterId id="2147483648" r:id="rId1"/>
   </p:sldMasterIdLst>
   <p:sldIdLst>
-    <p:sldId id="256" r:id="rId2"/>
-    <p:sldId id="257" r:id="rId3"/>
+    <p:sldId id="257" r:id="rId2"/>
+    <p:sldId id="258" r:id="rId3"/>
   </p:sldIdLst>
   <p:sldSz cx="12192000" cy="6858000"/>
   <p:notesSz cx="6858000" cy="9144000"/>
@@ -3599,86 +3599,6 @@
 </file>
 
 <file path=ppt/slides/slide1.xml><?xml version="1.0" encoding="utf-8"?>
-<p:sld xmlns:a="http://schemas.openxmlformats.org/drawingml/2006/main" xmlns:r="http://schemas.openxmlformats.org/officeDocument/2006/relationships" xmlns:p="http://schemas.openxmlformats.org/presentationml/2006/main">
-  <p:cSld>
-    <p:spTree>
-      <p:nvGrpSpPr>
-        <p:cNvPr id="1" name=""/>
-        <p:cNvGrpSpPr/>
-        <p:nvPr/>
-      </p:nvGrpSpPr>
-      <p:grpSpPr>
-        <a:xfrm>
-          <a:off x="0" y="0"/>
-          <a:ext cx="0" cy="0"/>
-          <a:chOff x="0" y="0"/>
-          <a:chExt cx="0" cy="0"/>
-        </a:xfrm>
-      </p:grpSpPr>
-      <p:sp>
-        <p:nvSpPr>
-          <p:cNvPr id="2" name="タイトル 1">
-            <a:extLst>
-              <a:ext uri="{FF2B5EF4-FFF2-40B4-BE49-F238E27FC236}">
-                <a16:creationId xmlns:a16="http://schemas.microsoft.com/office/drawing/2014/main" id="{C768F04B-A22A-4941-B7E9-82E394B6238D}"/>
-              </a:ext>
-            </a:extLst>
-          </p:cNvPr>
-          <p:cNvSpPr>
-            <a:spLocks noGrp="1"/>
-          </p:cNvSpPr>
-          <p:nvPr>
-            <p:ph type="ctrTitle"/>
-          </p:nvPr>
-        </p:nvSpPr>
-        <p:spPr/>
-        <p:txBody>
-          <a:bodyPr/>
-          <a:lstStyle/>
-          <a:p>
-            <a:endParaRPr kumimoji="1" lang="ja-JP" altLang="en-US"/>
-          </a:p>
-        </p:txBody>
-      </p:sp>
-      <p:sp>
-        <p:nvSpPr>
-          <p:cNvPr id="3" name="字幕 2">
-            <a:extLst>
-              <a:ext uri="{FF2B5EF4-FFF2-40B4-BE49-F238E27FC236}">
-                <a16:creationId xmlns:a16="http://schemas.microsoft.com/office/drawing/2014/main" id="{F980BF19-DECF-413C-BA29-42A5ACDC57B8}"/>
-              </a:ext>
-            </a:extLst>
-          </p:cNvPr>
-          <p:cNvSpPr>
-            <a:spLocks noGrp="1"/>
-          </p:cNvSpPr>
-          <p:nvPr>
-            <p:ph type="subTitle" idx="1"/>
-          </p:nvPr>
-        </p:nvSpPr>
-        <p:spPr/>
-        <p:txBody>
-          <a:bodyPr/>
-          <a:lstStyle/>
-          <a:p>
-            <a:endParaRPr kumimoji="1" lang="ja-JP" altLang="en-US"/>
-          </a:p>
-        </p:txBody>
-      </p:sp>
-    </p:spTree>
-    <p:extLst>
-      <p:ext uri="{BB962C8B-B14F-4D97-AF65-F5344CB8AC3E}">
-        <p14:creationId xmlns:p14="http://schemas.microsoft.com/office/powerpoint/2010/main" val="2104365435"/>
-      </p:ext>
-    </p:extLst>
-  </p:cSld>
-  <p:clrMapOvr>
-    <a:masterClrMapping/>
-  </p:clrMapOvr>
-</p:sld>
-</file>
-
-<file path=ppt/slides/slide2.xml><?xml version="1.0" encoding="utf-8"?>
 <p:sld xmlns:a="http://schemas.openxmlformats.org/drawingml/2006/main" xmlns:r="http://schemas.openxmlformats.org/officeDocument/2006/relationships" xmlns:p="http://schemas.openxmlformats.org/presentationml/2006/main">
   <p:cSld>
     <p:spTree>
@@ -5234,10 +5154,10 @@
       </p:cxnSp>
       <p:sp>
         <p:nvSpPr>
-          <p:cNvPr id="55" name="テキスト ボックス 54">
-            <a:extLst>
-              <a:ext uri="{FF2B5EF4-FFF2-40B4-BE49-F238E27FC236}">
-                <a16:creationId xmlns:a16="http://schemas.microsoft.com/office/drawing/2014/main" id="{37BA85D2-DAE2-474C-BDA7-7A2EDAA60819}"/>
+          <p:cNvPr id="41" name="テキスト ボックス 40">
+            <a:extLst>
+              <a:ext uri="{FF2B5EF4-FFF2-40B4-BE49-F238E27FC236}">
+                <a16:creationId xmlns:a16="http://schemas.microsoft.com/office/drawing/2014/main" id="{7518CEB9-F52F-4BF8-886C-00BC977DE709}"/>
               </a:ext>
             </a:extLst>
           </p:cNvPr>
@@ -5246,7 +5166,7 @@
         </p:nvSpPr>
         <p:spPr>
           <a:xfrm>
-            <a:off x="6721955" y="4754145"/>
+            <a:off x="6721955" y="4176435"/>
             <a:ext cx="3135633" cy="738664"/>
           </a:xfrm>
           <a:prstGeom prst="rect">
@@ -5316,10 +5236,1982 @@
           </a:p>
         </p:txBody>
       </p:sp>
+      <p:sp>
+        <p:nvSpPr>
+          <p:cNvPr id="43" name="テキスト ボックス 42">
+            <a:extLst>
+              <a:ext uri="{FF2B5EF4-FFF2-40B4-BE49-F238E27FC236}">
+                <a16:creationId xmlns:a16="http://schemas.microsoft.com/office/drawing/2014/main" id="{42589940-B987-4982-97B5-F2D883AA1734}"/>
+              </a:ext>
+            </a:extLst>
+          </p:cNvPr>
+          <p:cNvSpPr txBox="1"/>
+          <p:nvPr/>
+        </p:nvSpPr>
+        <p:spPr>
+          <a:xfrm>
+            <a:off x="7317506" y="5096391"/>
+            <a:ext cx="1910708" cy="738664"/>
+          </a:xfrm>
+          <a:prstGeom prst="rect">
+            <a:avLst/>
+          </a:prstGeom>
+          <a:noFill/>
+        </p:spPr>
+        <p:txBody>
+          <a:bodyPr wrap="square" rtlCol="0">
+            <a:spAutoFit/>
+          </a:bodyPr>
+          <a:lstStyle/>
+          <a:p>
+            <a:pPr algn="ctr"/>
+            <a:r>
+              <a:rPr kumimoji="1" lang="en-US" altLang="ja-JP" sz="1400" b="1" dirty="0">
+                <a:solidFill>
+                  <a:srgbClr val="FF0000"/>
+                </a:solidFill>
+              </a:rPr>
+              <a:t>CDS</a:t>
+            </a:r>
+            <a:r>
+              <a:rPr kumimoji="1" lang="ja-JP" altLang="en-US" sz="1400" b="1" dirty="0">
+                <a:solidFill>
+                  <a:srgbClr val="FF0000"/>
+                </a:solidFill>
+              </a:rPr>
+              <a:t>を買った人</a:t>
+            </a:r>
+            <a:br>
+              <a:rPr kumimoji="1" lang="en-US" altLang="ja-JP" sz="1400" b="1" dirty="0">
+                <a:solidFill>
+                  <a:srgbClr val="FF0000"/>
+                </a:solidFill>
+              </a:rPr>
+            </a:br>
+            <a:r>
+              <a:rPr lang="en-US" altLang="ja-JP" sz="1400" b="1" dirty="0">
+                <a:solidFill>
+                  <a:srgbClr val="FF0000"/>
+                </a:solidFill>
+              </a:rPr>
+              <a:t>4</a:t>
+            </a:r>
+            <a:r>
+              <a:rPr lang="ja-JP" altLang="en-US" sz="1400" b="1" dirty="0">
+                <a:solidFill>
+                  <a:srgbClr val="FF0000"/>
+                </a:solidFill>
+              </a:rPr>
+              <a:t>万が</a:t>
+            </a:r>
+            <a:r>
+              <a:rPr lang="en-US" altLang="ja-JP" sz="1400" b="1" dirty="0">
+                <a:solidFill>
+                  <a:srgbClr val="FF0000"/>
+                </a:solidFill>
+              </a:rPr>
+              <a:t>9</a:t>
+            </a:r>
+            <a:r>
+              <a:rPr lang="ja-JP" altLang="en-US" sz="1400" b="1" dirty="0">
+                <a:solidFill>
+                  <a:srgbClr val="FF0000"/>
+                </a:solidFill>
+              </a:rPr>
+              <a:t>年で４</a:t>
+            </a:r>
+            <a:r>
+              <a:rPr lang="en-US" altLang="ja-JP" sz="1400" b="1" dirty="0">
+                <a:solidFill>
+                  <a:srgbClr val="FF0000"/>
+                </a:solidFill>
+              </a:rPr>
+              <a:t>.</a:t>
+            </a:r>
+            <a:r>
+              <a:rPr lang="ja-JP" altLang="en-US" sz="1400" b="1" dirty="0">
+                <a:solidFill>
+                  <a:srgbClr val="FF0000"/>
+                </a:solidFill>
+              </a:rPr>
+              <a:t>５万</a:t>
+            </a:r>
+            <a:endParaRPr lang="en-US" altLang="ja-JP" sz="1400" b="1" dirty="0">
+              <a:solidFill>
+                <a:srgbClr val="FF0000"/>
+              </a:solidFill>
+            </a:endParaRPr>
+          </a:p>
+          <a:p>
+            <a:pPr algn="ctr"/>
+            <a:r>
+              <a:rPr kumimoji="1" lang="ja-JP" altLang="en-US" sz="1400" b="1" dirty="0">
+                <a:solidFill>
+                  <a:srgbClr val="FF0000"/>
+                </a:solidFill>
+              </a:rPr>
+              <a:t>年利</a:t>
+            </a:r>
+            <a:r>
+              <a:rPr kumimoji="1" lang="en-US" altLang="ja-JP" sz="1400" b="1" dirty="0">
+                <a:solidFill>
+                  <a:srgbClr val="FF0000"/>
+                </a:solidFill>
+              </a:rPr>
+              <a:t>1.4%</a:t>
+            </a:r>
+            <a:endParaRPr kumimoji="1" lang="ja-JP" altLang="en-US" sz="1400" b="1" dirty="0">
+              <a:solidFill>
+                <a:srgbClr val="FF0000"/>
+              </a:solidFill>
+            </a:endParaRPr>
+          </a:p>
+        </p:txBody>
+      </p:sp>
     </p:spTree>
     <p:extLst>
       <p:ext uri="{BB962C8B-B14F-4D97-AF65-F5344CB8AC3E}">
         <p14:creationId xmlns:p14="http://schemas.microsoft.com/office/powerpoint/2010/main" val="2502230697"/>
+      </p:ext>
+    </p:extLst>
+  </p:cSld>
+  <p:clrMapOvr>
+    <a:masterClrMapping/>
+  </p:clrMapOvr>
+</p:sld>
+</file>
+
+<file path=ppt/slides/slide2.xml><?xml version="1.0" encoding="utf-8"?>
+<p:sld xmlns:a="http://schemas.openxmlformats.org/drawingml/2006/main" xmlns:r="http://schemas.openxmlformats.org/officeDocument/2006/relationships" xmlns:p="http://schemas.openxmlformats.org/presentationml/2006/main">
+  <p:cSld>
+    <p:spTree>
+      <p:nvGrpSpPr>
+        <p:cNvPr id="1" name=""/>
+        <p:cNvGrpSpPr/>
+        <p:nvPr/>
+      </p:nvGrpSpPr>
+      <p:grpSpPr>
+        <a:xfrm>
+          <a:off x="0" y="0"/>
+          <a:ext cx="0" cy="0"/>
+          <a:chOff x="0" y="0"/>
+          <a:chExt cx="0" cy="0"/>
+        </a:xfrm>
+      </p:grpSpPr>
+      <p:sp>
+        <p:nvSpPr>
+          <p:cNvPr id="56" name="四角形: 角を丸くする 55">
+            <a:extLst>
+              <a:ext uri="{FF2B5EF4-FFF2-40B4-BE49-F238E27FC236}">
+                <a16:creationId xmlns:a16="http://schemas.microsoft.com/office/drawing/2014/main" id="{1428634B-DE92-490F-833E-4C965D7558C4}"/>
+              </a:ext>
+            </a:extLst>
+          </p:cNvPr>
+          <p:cNvSpPr/>
+          <p:nvPr/>
+        </p:nvSpPr>
+        <p:spPr>
+          <a:xfrm>
+            <a:off x="4045907" y="3281817"/>
+            <a:ext cx="3006246" cy="3457186"/>
+          </a:xfrm>
+          <a:prstGeom prst="roundRect">
+            <a:avLst/>
+          </a:prstGeom>
+          <a:noFill/>
+          <a:ln>
+            <a:solidFill>
+              <a:schemeClr val="accent2"/>
+            </a:solidFill>
+          </a:ln>
+        </p:spPr>
+        <p:style>
+          <a:lnRef idx="2">
+            <a:schemeClr val="accent1">
+              <a:shade val="50000"/>
+            </a:schemeClr>
+          </a:lnRef>
+          <a:fillRef idx="1">
+            <a:schemeClr val="accent1"/>
+          </a:fillRef>
+          <a:effectRef idx="0">
+            <a:schemeClr val="accent1"/>
+          </a:effectRef>
+          <a:fontRef idx="minor">
+            <a:schemeClr val="lt1"/>
+          </a:fontRef>
+        </p:style>
+        <p:txBody>
+          <a:bodyPr rtlCol="0" anchor="ctr"/>
+          <a:lstStyle/>
+          <a:p>
+            <a:pPr algn="ctr"/>
+            <a:endParaRPr kumimoji="1" lang="ja-JP" altLang="en-US"/>
+          </a:p>
+        </p:txBody>
+      </p:sp>
+      <p:grpSp>
+        <p:nvGrpSpPr>
+          <p:cNvPr id="2" name="グループ化 1">
+            <a:extLst>
+              <a:ext uri="{FF2B5EF4-FFF2-40B4-BE49-F238E27FC236}">
+                <a16:creationId xmlns:a16="http://schemas.microsoft.com/office/drawing/2014/main" id="{68FDB6D0-166C-4ABD-92F0-BE1CCE381862}"/>
+              </a:ext>
+            </a:extLst>
+          </p:cNvPr>
+          <p:cNvGrpSpPr/>
+          <p:nvPr/>
+        </p:nvGrpSpPr>
+        <p:grpSpPr>
+          <a:xfrm>
+            <a:off x="17233" y="405873"/>
+            <a:ext cx="6283354" cy="3804714"/>
+            <a:chOff x="-157894" y="656394"/>
+            <a:chExt cx="10278924" cy="6327748"/>
+          </a:xfrm>
+        </p:grpSpPr>
+        <p:sp>
+          <p:nvSpPr>
+            <p:cNvPr id="31" name="矢印: 右 30">
+              <a:extLst>
+                <a:ext uri="{FF2B5EF4-FFF2-40B4-BE49-F238E27FC236}">
+                  <a16:creationId xmlns:a16="http://schemas.microsoft.com/office/drawing/2014/main" id="{092343C5-2057-494E-A4F1-32AB871BD016}"/>
+                </a:ext>
+              </a:extLst>
+            </p:cNvPr>
+            <p:cNvSpPr/>
+            <p:nvPr/>
+          </p:nvSpPr>
+          <p:spPr>
+            <a:xfrm>
+              <a:off x="3721020" y="2681705"/>
+              <a:ext cx="1611885" cy="961373"/>
+            </a:xfrm>
+            <a:prstGeom prst="rightArrow">
+              <a:avLst/>
+            </a:prstGeom>
+          </p:spPr>
+          <p:style>
+            <a:lnRef idx="2">
+              <a:schemeClr val="accent1"/>
+            </a:lnRef>
+            <a:fillRef idx="1">
+              <a:schemeClr val="lt1"/>
+            </a:fillRef>
+            <a:effectRef idx="0">
+              <a:schemeClr val="accent1"/>
+            </a:effectRef>
+            <a:fontRef idx="minor">
+              <a:schemeClr val="dk1"/>
+            </a:fontRef>
+          </p:style>
+          <p:txBody>
+            <a:bodyPr rtlCol="0" anchor="ctr"/>
+            <a:lstStyle/>
+            <a:p>
+              <a:pPr algn="ctr"/>
+              <a:endParaRPr kumimoji="1" lang="ja-JP" altLang="en-US"/>
+            </a:p>
+          </p:txBody>
+        </p:sp>
+        <p:sp>
+          <p:nvSpPr>
+            <p:cNvPr id="25" name="楕円 24">
+              <a:extLst>
+                <a:ext uri="{FF2B5EF4-FFF2-40B4-BE49-F238E27FC236}">
+                  <a16:creationId xmlns:a16="http://schemas.microsoft.com/office/drawing/2014/main" id="{6E51F1E1-59A6-497E-8D46-9FCA28567872}"/>
+                </a:ext>
+              </a:extLst>
+            </p:cNvPr>
+            <p:cNvSpPr/>
+            <p:nvPr/>
+          </p:nvSpPr>
+          <p:spPr>
+            <a:xfrm>
+              <a:off x="969347" y="4070377"/>
+              <a:ext cx="2895885" cy="1369097"/>
+            </a:xfrm>
+            <a:prstGeom prst="ellipse">
+              <a:avLst/>
+            </a:prstGeom>
+          </p:spPr>
+          <p:style>
+            <a:lnRef idx="1">
+              <a:schemeClr val="accent1"/>
+            </a:lnRef>
+            <a:fillRef idx="2">
+              <a:schemeClr val="accent1"/>
+            </a:fillRef>
+            <a:effectRef idx="1">
+              <a:schemeClr val="accent1"/>
+            </a:effectRef>
+            <a:fontRef idx="minor">
+              <a:schemeClr val="dk1"/>
+            </a:fontRef>
+          </p:style>
+          <p:txBody>
+            <a:bodyPr rtlCol="0" anchor="ctr"/>
+            <a:lstStyle/>
+            <a:p>
+              <a:pPr algn="ctr"/>
+              <a:r>
+                <a:rPr kumimoji="1" lang="ja-JP" altLang="en-US" sz="1400" b="1" dirty="0"/>
+                <a:t>証券</a:t>
+              </a:r>
+              <a:endParaRPr kumimoji="1" lang="en-US" altLang="ja-JP" sz="1400" b="1" dirty="0"/>
+            </a:p>
+            <a:p>
+              <a:pPr algn="ctr"/>
+              <a:endParaRPr kumimoji="1" lang="ja-JP" altLang="en-US" sz="1400" b="1" dirty="0"/>
+            </a:p>
+          </p:txBody>
+        </p:sp>
+        <p:grpSp>
+          <p:nvGrpSpPr>
+            <p:cNvPr id="18" name="グループ化 17">
+              <a:extLst>
+                <a:ext uri="{FF2B5EF4-FFF2-40B4-BE49-F238E27FC236}">
+                  <a16:creationId xmlns:a16="http://schemas.microsoft.com/office/drawing/2014/main" id="{37DEF0F6-D194-4103-AC3D-098F78563D61}"/>
+                </a:ext>
+              </a:extLst>
+            </p:cNvPr>
+            <p:cNvGrpSpPr/>
+            <p:nvPr/>
+          </p:nvGrpSpPr>
+          <p:grpSpPr>
+            <a:xfrm>
+              <a:off x="-157894" y="656394"/>
+              <a:ext cx="10278924" cy="6327748"/>
+              <a:chOff x="-6389618" y="626305"/>
+              <a:chExt cx="12499296" cy="7912855"/>
+            </a:xfrm>
+          </p:grpSpPr>
+          <p:pic>
+            <p:nvPicPr>
+              <p:cNvPr id="14" name="図 13">
+                <a:extLst>
+                  <a:ext uri="{FF2B5EF4-FFF2-40B4-BE49-F238E27FC236}">
+                    <a16:creationId xmlns:a16="http://schemas.microsoft.com/office/drawing/2014/main" id="{9C50D936-B34A-47CA-ACBA-D863297098D8}"/>
+                  </a:ext>
+                </a:extLst>
+              </p:cNvPr>
+              <p:cNvPicPr>
+                <a:picLocks noChangeAspect="1"/>
+              </p:cNvPicPr>
+              <p:nvPr/>
+            </p:nvPicPr>
+            <p:blipFill>
+              <a:blip r:embed="rId2">
+                <a:extLst>
+                  <a:ext uri="{28A0092B-C50C-407E-A947-70E740481C1C}">
+                    <a14:useLocalDpi xmlns:a14="http://schemas.microsoft.com/office/drawing/2010/main" val="0"/>
+                  </a:ext>
+                </a:extLst>
+              </a:blip>
+              <a:stretch>
+                <a:fillRect/>
+              </a:stretch>
+            </p:blipFill>
+            <p:spPr>
+              <a:xfrm>
+                <a:off x="3238916" y="1256503"/>
+                <a:ext cx="2870762" cy="3638994"/>
+              </a:xfrm>
+              <a:prstGeom prst="rect">
+                <a:avLst/>
+              </a:prstGeom>
+            </p:spPr>
+          </p:pic>
+          <p:sp>
+            <p:nvSpPr>
+              <p:cNvPr id="6" name="テキスト ボックス 5">
+                <a:extLst>
+                  <a:ext uri="{FF2B5EF4-FFF2-40B4-BE49-F238E27FC236}">
+                    <a16:creationId xmlns:a16="http://schemas.microsoft.com/office/drawing/2014/main" id="{0D44E8CB-6B70-4609-863F-4EEF9CC22935}"/>
+                  </a:ext>
+                </a:extLst>
+              </p:cNvPr>
+              <p:cNvSpPr txBox="1"/>
+              <p:nvPr/>
+            </p:nvSpPr>
+            <p:spPr>
+              <a:xfrm>
+                <a:off x="499544" y="626305"/>
+                <a:ext cx="1531763" cy="544083"/>
+              </a:xfrm>
+              <a:prstGeom prst="rect">
+                <a:avLst/>
+              </a:prstGeom>
+              <a:noFill/>
+            </p:spPr>
+            <p:txBody>
+              <a:bodyPr wrap="square" rtlCol="0">
+                <a:spAutoFit/>
+              </a:bodyPr>
+              <a:lstStyle/>
+              <a:p>
+                <a:pPr algn="ctr"/>
+                <a:r>
+                  <a:rPr kumimoji="1" lang="en-US" altLang="ja-JP" sz="1100" dirty="0"/>
+                  <a:t>A</a:t>
+                </a:r>
+                <a:r>
+                  <a:rPr kumimoji="1" lang="ja-JP" altLang="en-US" sz="1100" dirty="0"/>
+                  <a:t>さん</a:t>
+                </a:r>
+              </a:p>
+            </p:txBody>
+          </p:sp>
+          <p:sp>
+            <p:nvSpPr>
+              <p:cNvPr id="7" name="テキスト ボックス 6">
+                <a:extLst>
+                  <a:ext uri="{FF2B5EF4-FFF2-40B4-BE49-F238E27FC236}">
+                    <a16:creationId xmlns:a16="http://schemas.microsoft.com/office/drawing/2014/main" id="{CC673390-E490-4742-86DE-04788638CAC9}"/>
+                  </a:ext>
+                </a:extLst>
+              </p:cNvPr>
+              <p:cNvSpPr txBox="1"/>
+              <p:nvPr/>
+            </p:nvSpPr>
+            <p:spPr>
+              <a:xfrm>
+                <a:off x="4046201" y="626307"/>
+                <a:ext cx="1256193" cy="544083"/>
+              </a:xfrm>
+              <a:prstGeom prst="rect">
+                <a:avLst/>
+              </a:prstGeom>
+              <a:noFill/>
+            </p:spPr>
+            <p:txBody>
+              <a:bodyPr wrap="square" rtlCol="0">
+                <a:spAutoFit/>
+              </a:bodyPr>
+              <a:lstStyle/>
+              <a:p>
+                <a:pPr algn="ctr"/>
+                <a:r>
+                  <a:rPr lang="en-US" altLang="ja-JP" sz="1100" dirty="0"/>
+                  <a:t>B</a:t>
+                </a:r>
+                <a:r>
+                  <a:rPr kumimoji="1" lang="ja-JP" altLang="en-US" sz="1100" dirty="0"/>
+                  <a:t>さん</a:t>
+                </a:r>
+              </a:p>
+            </p:txBody>
+          </p:sp>
+          <p:pic>
+            <p:nvPicPr>
+              <p:cNvPr id="11" name="図 10">
+                <a:extLst>
+                  <a:ext uri="{FF2B5EF4-FFF2-40B4-BE49-F238E27FC236}">
+                    <a16:creationId xmlns:a16="http://schemas.microsoft.com/office/drawing/2014/main" id="{75E289D8-C7F0-434B-ABDA-EA9A19F90490}"/>
+                  </a:ext>
+                </a:extLst>
+              </p:cNvPr>
+              <p:cNvPicPr>
+                <a:picLocks noChangeAspect="1"/>
+              </p:cNvPicPr>
+              <p:nvPr/>
+            </p:nvPicPr>
+            <p:blipFill>
+              <a:blip r:embed="rId3">
+                <a:extLst>
+                  <a:ext uri="{28A0092B-C50C-407E-A947-70E740481C1C}">
+                    <a14:useLocalDpi xmlns:a14="http://schemas.microsoft.com/office/drawing/2010/main" val="0"/>
+                  </a:ext>
+                </a:extLst>
+              </a:blip>
+              <a:stretch>
+                <a:fillRect/>
+              </a:stretch>
+            </p:blipFill>
+            <p:spPr>
+              <a:xfrm>
+                <a:off x="274074" y="1171000"/>
+                <a:ext cx="2943225" cy="3810000"/>
+              </a:xfrm>
+              <a:prstGeom prst="rect">
+                <a:avLst/>
+              </a:prstGeom>
+            </p:spPr>
+          </p:pic>
+          <p:grpSp>
+            <p:nvGrpSpPr>
+              <p:cNvPr id="15" name="グループ化 14">
+                <a:extLst>
+                  <a:ext uri="{FF2B5EF4-FFF2-40B4-BE49-F238E27FC236}">
+                    <a16:creationId xmlns:a16="http://schemas.microsoft.com/office/drawing/2014/main" id="{4CF06BBE-8A4E-462F-B3EF-89185EDBA517}"/>
+                  </a:ext>
+                </a:extLst>
+              </p:cNvPr>
+              <p:cNvGrpSpPr/>
+              <p:nvPr/>
+            </p:nvGrpSpPr>
+            <p:grpSpPr>
+              <a:xfrm rot="10800000">
+                <a:off x="-6389618" y="785747"/>
+                <a:ext cx="11136072" cy="7753413"/>
+                <a:chOff x="1119906" y="-1629151"/>
+                <a:chExt cx="11136072" cy="7753413"/>
+              </a:xfrm>
+            </p:grpSpPr>
+            <p:sp>
+              <p:nvSpPr>
+                <p:cNvPr id="16" name="矢印: 右 15">
+                  <a:extLst>
+                    <a:ext uri="{FF2B5EF4-FFF2-40B4-BE49-F238E27FC236}">
+                      <a16:creationId xmlns:a16="http://schemas.microsoft.com/office/drawing/2014/main" id="{E2792351-FB73-4C80-8797-43D6DB97DBA3}"/>
+                    </a:ext>
+                  </a:extLst>
+                </p:cNvPr>
+                <p:cNvSpPr/>
+                <p:nvPr/>
+              </p:nvSpPr>
+              <p:spPr>
+                <a:xfrm>
+                  <a:off x="2111872" y="4379015"/>
+                  <a:ext cx="1753646" cy="933373"/>
+                </a:xfrm>
+                <a:prstGeom prst="rightArrow">
+                  <a:avLst/>
+                </a:prstGeom>
+              </p:spPr>
+              <p:style>
+                <a:lnRef idx="2">
+                  <a:schemeClr val="accent4"/>
+                </a:lnRef>
+                <a:fillRef idx="1">
+                  <a:schemeClr val="lt1"/>
+                </a:fillRef>
+                <a:effectRef idx="0">
+                  <a:schemeClr val="accent4"/>
+                </a:effectRef>
+                <a:fontRef idx="minor">
+                  <a:schemeClr val="dk1"/>
+                </a:fontRef>
+              </p:style>
+              <p:txBody>
+                <a:bodyPr rtlCol="0" anchor="ctr"/>
+                <a:lstStyle/>
+                <a:p>
+                  <a:pPr algn="ctr"/>
+                  <a:endParaRPr kumimoji="1" lang="ja-JP" altLang="en-US" dirty="0"/>
+                </a:p>
+              </p:txBody>
+            </p:sp>
+            <p:sp>
+              <p:nvSpPr>
+                <p:cNvPr id="17" name="テキスト ボックス 16">
+                  <a:extLst>
+                    <a:ext uri="{FF2B5EF4-FFF2-40B4-BE49-F238E27FC236}">
+                      <a16:creationId xmlns:a16="http://schemas.microsoft.com/office/drawing/2014/main" id="{2D1A34A4-0EC7-4AEF-8A5F-FDB3E80BEA1B}"/>
+                    </a:ext>
+                  </a:extLst>
+                </p:cNvPr>
+                <p:cNvSpPr txBox="1"/>
+                <p:nvPr/>
+              </p:nvSpPr>
+              <p:spPr>
+                <a:xfrm rot="10800000">
+                  <a:off x="1896318" y="4492010"/>
+                  <a:ext cx="2100787" cy="544083"/>
+                </a:xfrm>
+                <a:prstGeom prst="rect">
+                  <a:avLst/>
+                </a:prstGeom>
+                <a:noFill/>
+              </p:spPr>
+              <p:txBody>
+                <a:bodyPr wrap="square" rtlCol="0">
+                  <a:spAutoFit/>
+                </a:bodyPr>
+                <a:lstStyle/>
+                <a:p>
+                  <a:pPr algn="ctr"/>
+                  <a:r>
+                    <a:rPr kumimoji="1" lang="en-US" altLang="ja-JP" sz="1100" dirty="0"/>
+                    <a:t>10</a:t>
+                  </a:r>
+                  <a:r>
+                    <a:rPr kumimoji="1" lang="ja-JP" altLang="en-US" sz="1100" dirty="0"/>
+                    <a:t>万 </a:t>
+                  </a:r>
+                  <a:r>
+                    <a:rPr kumimoji="1" lang="en-US" altLang="ja-JP" sz="1100" dirty="0"/>
+                    <a:t>1</a:t>
+                  </a:r>
+                  <a:r>
+                    <a:rPr kumimoji="1" lang="ja-JP" altLang="en-US" sz="1100" dirty="0"/>
+                    <a:t>年</a:t>
+                  </a:r>
+                  <a:r>
+                    <a:rPr lang="ja-JP" altLang="en-US" sz="1100" dirty="0"/>
+                    <a:t>目</a:t>
+                  </a:r>
+                  <a:endParaRPr kumimoji="1" lang="ja-JP" altLang="en-US" sz="1100" dirty="0"/>
+                </a:p>
+              </p:txBody>
+            </p:sp>
+            <p:sp>
+              <p:nvSpPr>
+                <p:cNvPr id="21" name="テキスト ボックス 20">
+                  <a:extLst>
+                    <a:ext uri="{FF2B5EF4-FFF2-40B4-BE49-F238E27FC236}">
+                      <a16:creationId xmlns:a16="http://schemas.microsoft.com/office/drawing/2014/main" id="{F7EAA594-77BD-4E37-A4B5-3739DF12DFCF}"/>
+                    </a:ext>
+                  </a:extLst>
+                </p:cNvPr>
+                <p:cNvSpPr txBox="1"/>
+                <p:nvPr/>
+              </p:nvSpPr>
+              <p:spPr>
+                <a:xfrm rot="10800000">
+                  <a:off x="7603196" y="343773"/>
+                  <a:ext cx="2100788" cy="896137"/>
+                </a:xfrm>
+                <a:prstGeom prst="rect">
+                  <a:avLst/>
+                </a:prstGeom>
+                <a:noFill/>
+              </p:spPr>
+              <p:txBody>
+                <a:bodyPr wrap="square" rtlCol="0">
+                  <a:spAutoFit/>
+                </a:bodyPr>
+                <a:lstStyle/>
+                <a:p>
+                  <a:pPr algn="ctr"/>
+                  <a:r>
+                    <a:rPr kumimoji="1" lang="en-US" altLang="ja-JP" sz="1100" dirty="0"/>
+                    <a:t>10</a:t>
+                  </a:r>
+                  <a:r>
+                    <a:rPr kumimoji="1" lang="ja-JP" altLang="en-US" sz="1100" dirty="0"/>
+                    <a:t>万</a:t>
+                  </a:r>
+                  <a:r>
+                    <a:rPr kumimoji="1" lang="en-US" altLang="ja-JP" sz="1100" dirty="0"/>
+                    <a:t>/</a:t>
+                  </a:r>
+                  <a:r>
+                    <a:rPr kumimoji="1" lang="ja-JP" altLang="en-US" sz="1100" dirty="0"/>
+                    <a:t>年 残り</a:t>
+                  </a:r>
+                  <a:r>
+                    <a:rPr kumimoji="1" lang="en-US" altLang="ja-JP" sz="1100" dirty="0"/>
+                    <a:t>3</a:t>
+                  </a:r>
+                  <a:r>
+                    <a:rPr kumimoji="1" lang="ja-JP" altLang="en-US" sz="1100" dirty="0"/>
+                    <a:t>年</a:t>
+                  </a:r>
+                </a:p>
+              </p:txBody>
+            </p:sp>
+            <p:sp>
+              <p:nvSpPr>
+                <p:cNvPr id="35" name="テキスト ボックス 34">
+                  <a:extLst>
+                    <a:ext uri="{FF2B5EF4-FFF2-40B4-BE49-F238E27FC236}">
+                      <a16:creationId xmlns:a16="http://schemas.microsoft.com/office/drawing/2014/main" id="{AAC5A9F3-C694-4120-BA4C-26412E95FEB8}"/>
+                    </a:ext>
+                  </a:extLst>
+                </p:cNvPr>
+                <p:cNvSpPr txBox="1"/>
+                <p:nvPr/>
+              </p:nvSpPr>
+              <p:spPr>
+                <a:xfrm rot="10800000">
+                  <a:off x="1119906" y="340716"/>
+                  <a:ext cx="5389044" cy="896137"/>
+                </a:xfrm>
+                <a:prstGeom prst="rect">
+                  <a:avLst/>
+                </a:prstGeom>
+                <a:noFill/>
+              </p:spPr>
+              <p:txBody>
+                <a:bodyPr wrap="square" rtlCol="0">
+                  <a:spAutoFit/>
+                </a:bodyPr>
+                <a:lstStyle/>
+                <a:p>
+                  <a:pPr algn="ctr"/>
+                  <a:r>
+                    <a:rPr lang="en-US" altLang="ja-JP" sz="1100" dirty="0"/>
+                    <a:t>2</a:t>
+                  </a:r>
+                  <a:r>
+                    <a:rPr kumimoji="1" lang="ja-JP" altLang="en-US" sz="1100" dirty="0"/>
+                    <a:t>年</a:t>
+                  </a:r>
+                  <a:r>
+                    <a:rPr lang="ja-JP" altLang="en-US" sz="1100" dirty="0"/>
+                    <a:t>目以降は証券を持っている</a:t>
+                  </a:r>
+                  <a:r>
+                    <a:rPr lang="en-US" altLang="ja-JP" sz="1100" dirty="0"/>
+                    <a:t>C</a:t>
+                  </a:r>
+                  <a:r>
+                    <a:rPr lang="ja-JP" altLang="en-US" sz="1100" dirty="0" err="1"/>
+                    <a:t>さんに</a:t>
+                  </a:r>
+                  <a:r>
+                    <a:rPr lang="ja-JP" altLang="en-US" sz="1100" dirty="0"/>
+                    <a:t>支払い</a:t>
+                  </a:r>
+                  <a:endParaRPr kumimoji="1" lang="ja-JP" altLang="en-US" sz="1100" dirty="0"/>
+                </a:p>
+              </p:txBody>
+            </p:sp>
+            <p:sp>
+              <p:nvSpPr>
+                <p:cNvPr id="54" name="テキスト ボックス 53">
+                  <a:extLst>
+                    <a:ext uri="{FF2B5EF4-FFF2-40B4-BE49-F238E27FC236}">
+                      <a16:creationId xmlns:a16="http://schemas.microsoft.com/office/drawing/2014/main" id="{1E8C1B54-7515-4488-AFE6-53F358F57536}"/>
+                    </a:ext>
+                  </a:extLst>
+                </p:cNvPr>
+                <p:cNvSpPr txBox="1"/>
+                <p:nvPr/>
+              </p:nvSpPr>
+              <p:spPr>
+                <a:xfrm rot="10800000">
+                  <a:off x="4995607" y="-1629151"/>
+                  <a:ext cx="3464455" cy="1536237"/>
+                </a:xfrm>
+                <a:prstGeom prst="rect">
+                  <a:avLst/>
+                </a:prstGeom>
+                <a:noFill/>
+                <a:ln>
+                  <a:solidFill>
+                    <a:srgbClr val="FF0000"/>
+                  </a:solidFill>
+                </a:ln>
+              </p:spPr>
+              <p:txBody>
+                <a:bodyPr wrap="square" rtlCol="0">
+                  <a:spAutoFit/>
+                </a:bodyPr>
+                <a:lstStyle/>
+                <a:p>
+                  <a:pPr algn="ctr"/>
+                  <a:r>
+                    <a:rPr kumimoji="1" lang="en-US" altLang="ja-JP" sz="1400" dirty="0"/>
+                    <a:t>C</a:t>
+                  </a:r>
+                  <a:r>
+                    <a:rPr kumimoji="1" lang="ja-JP" altLang="en-US" sz="1400" dirty="0" err="1"/>
+                    <a:t>さん</a:t>
+                  </a:r>
+                  <a:r>
+                    <a:rPr kumimoji="1" lang="ja-JP" altLang="en-US" sz="1400" dirty="0"/>
+                    <a:t>が</a:t>
+                  </a:r>
+                  <a:r>
+                    <a:rPr kumimoji="1" lang="en-US" altLang="ja-JP" sz="1400" b="1" dirty="0"/>
+                    <a:t>CDS</a:t>
+                  </a:r>
+                  <a:r>
+                    <a:rPr kumimoji="1" lang="ja-JP" altLang="en-US" sz="1400" b="1" dirty="0"/>
+                    <a:t>化</a:t>
+                  </a:r>
+                  <a:br>
+                    <a:rPr kumimoji="1" lang="en-US" altLang="ja-JP" sz="1400" dirty="0"/>
+                  </a:br>
+                  <a:r>
+                    <a:rPr kumimoji="1" lang="en-US" altLang="ja-JP" sz="1400" b="1" dirty="0"/>
+                    <a:t>4</a:t>
+                  </a:r>
+                  <a:r>
+                    <a:rPr kumimoji="1" lang="ja-JP" altLang="en-US" sz="1400" b="1" dirty="0"/>
+                    <a:t>万円で</a:t>
+                  </a:r>
+                  <a:r>
+                    <a:rPr kumimoji="1" lang="en-US" altLang="ja-JP" sz="1400" b="1" dirty="0"/>
+                    <a:t>6</a:t>
+                  </a:r>
+                  <a:r>
+                    <a:rPr kumimoji="1" lang="ja-JP" altLang="en-US" sz="1400" b="1" dirty="0"/>
+                    <a:t>個販売</a:t>
+                  </a:r>
+                  <a:endParaRPr kumimoji="1" lang="en-US" altLang="ja-JP" sz="1400" b="1" dirty="0"/>
+                </a:p>
+                <a:p>
+                  <a:pPr algn="ctr"/>
+                  <a:r>
+                    <a:rPr lang="en-US" altLang="ja-JP" sz="1400" b="1" dirty="0"/>
+                    <a:t>24</a:t>
+                  </a:r>
+                  <a:r>
+                    <a:rPr lang="ja-JP" altLang="en-US" sz="1400" b="1" dirty="0"/>
+                    <a:t>万の収益</a:t>
+                  </a:r>
+                  <a:endParaRPr kumimoji="1" lang="ja-JP" altLang="en-US" sz="1400" b="1" dirty="0"/>
+                </a:p>
+              </p:txBody>
+            </p:sp>
+            <p:sp>
+              <p:nvSpPr>
+                <p:cNvPr id="41" name="テキスト ボックス 40">
+                  <a:extLst>
+                    <a:ext uri="{FF2B5EF4-FFF2-40B4-BE49-F238E27FC236}">
+                      <a16:creationId xmlns:a16="http://schemas.microsoft.com/office/drawing/2014/main" id="{207FF821-635A-4B70-B0B7-4E4124FAF466}"/>
+                    </a:ext>
+                  </a:extLst>
+                </p:cNvPr>
+                <p:cNvSpPr txBox="1"/>
+                <p:nvPr/>
+              </p:nvSpPr>
+              <p:spPr>
+                <a:xfrm rot="10800000">
+                  <a:off x="9363048" y="5036095"/>
+                  <a:ext cx="2892930" cy="1088167"/>
+                </a:xfrm>
+                <a:prstGeom prst="rect">
+                  <a:avLst/>
+                </a:prstGeom>
+                <a:noFill/>
+                <a:ln>
+                  <a:solidFill>
+                    <a:srgbClr val="FF0000"/>
+                  </a:solidFill>
+                </a:ln>
+              </p:spPr>
+              <p:txBody>
+                <a:bodyPr wrap="square" rtlCol="0">
+                  <a:spAutoFit/>
+                </a:bodyPr>
+                <a:lstStyle/>
+                <a:p>
+                  <a:pPr algn="ctr"/>
+                  <a:r>
+                    <a:rPr kumimoji="1" lang="en-US" altLang="ja-JP" sz="1400" b="1" dirty="0"/>
+                    <a:t>B</a:t>
+                  </a:r>
+                  <a:r>
+                    <a:rPr kumimoji="1" lang="ja-JP" altLang="en-US" sz="1400" b="1" dirty="0" err="1"/>
+                    <a:t>さんの</a:t>
+                  </a:r>
+                  <a:r>
+                    <a:rPr kumimoji="1" lang="ja-JP" altLang="en-US" sz="1400" b="1" dirty="0"/>
+                    <a:t>返済分</a:t>
+                  </a:r>
+                  <a:endParaRPr kumimoji="1" lang="en-US" altLang="ja-JP" sz="1400" b="1" dirty="0"/>
+                </a:p>
+                <a:p>
+                  <a:pPr algn="ctr"/>
+                  <a:r>
+                    <a:rPr lang="en-US" altLang="ja-JP" sz="1400" b="1" dirty="0"/>
+                    <a:t>50</a:t>
+                  </a:r>
+                  <a:r>
+                    <a:rPr lang="ja-JP" altLang="en-US" sz="1400" b="1" dirty="0"/>
+                    <a:t>万</a:t>
+                  </a:r>
+                  <a:endParaRPr kumimoji="1" lang="ja-JP" altLang="en-US" sz="1400" b="1" dirty="0"/>
+                </a:p>
+              </p:txBody>
+            </p:sp>
+          </p:grpSp>
+          <p:sp>
+            <p:nvSpPr>
+              <p:cNvPr id="24" name="テキスト ボックス 23">
+                <a:extLst>
+                  <a:ext uri="{FF2B5EF4-FFF2-40B4-BE49-F238E27FC236}">
+                    <a16:creationId xmlns:a16="http://schemas.microsoft.com/office/drawing/2014/main" id="{7A8574B1-0FCC-458B-B52C-2F6820C3476D}"/>
+                  </a:ext>
+                </a:extLst>
+              </p:cNvPr>
+              <p:cNvSpPr txBox="1"/>
+              <p:nvPr/>
+            </p:nvSpPr>
+            <p:spPr>
+              <a:xfrm>
+                <a:off x="-4106488" y="1025578"/>
+                <a:ext cx="1531763" cy="544083"/>
+              </a:xfrm>
+              <a:prstGeom prst="rect">
+                <a:avLst/>
+              </a:prstGeom>
+              <a:noFill/>
+            </p:spPr>
+            <p:txBody>
+              <a:bodyPr wrap="square" rtlCol="0">
+                <a:spAutoFit/>
+              </a:bodyPr>
+              <a:lstStyle/>
+              <a:p>
+                <a:pPr algn="ctr"/>
+                <a:r>
+                  <a:rPr lang="en-US" altLang="ja-JP" sz="1100" dirty="0"/>
+                  <a:t>C</a:t>
+                </a:r>
+                <a:r>
+                  <a:rPr kumimoji="1" lang="ja-JP" altLang="en-US" sz="1100" dirty="0"/>
+                  <a:t>さん</a:t>
+                </a:r>
+              </a:p>
+            </p:txBody>
+          </p:sp>
+        </p:grpSp>
+        <p:pic>
+          <p:nvPicPr>
+            <p:cNvPr id="20" name="図 19">
+              <a:extLst>
+                <a:ext uri="{FF2B5EF4-FFF2-40B4-BE49-F238E27FC236}">
+                  <a16:creationId xmlns:a16="http://schemas.microsoft.com/office/drawing/2014/main" id="{8815718B-804B-45CC-A2C5-700EBDCFD92F}"/>
+                </a:ext>
+              </a:extLst>
+            </p:cNvPr>
+            <p:cNvPicPr>
+              <a:picLocks noChangeAspect="1"/>
+            </p:cNvPicPr>
+            <p:nvPr/>
+          </p:nvPicPr>
+          <p:blipFill>
+            <a:blip r:embed="rId4">
+              <a:extLst>
+                <a:ext uri="{28A0092B-C50C-407E-A947-70E740481C1C}">
+                  <a14:useLocalDpi xmlns:a14="http://schemas.microsoft.com/office/drawing/2010/main" val="0"/>
+                </a:ext>
+              </a:extLst>
+            </a:blip>
+            <a:stretch>
+              <a:fillRect/>
+            </a:stretch>
+          </p:blipFill>
+          <p:spPr>
+            <a:xfrm>
+              <a:off x="1246127" y="4269386"/>
+              <a:ext cx="975009" cy="1054063"/>
+            </a:xfrm>
+            <a:prstGeom prst="rect">
+              <a:avLst/>
+            </a:prstGeom>
+          </p:spPr>
+        </p:pic>
+        <p:pic>
+          <p:nvPicPr>
+            <p:cNvPr id="23" name="図 22">
+              <a:extLst>
+                <a:ext uri="{FF2B5EF4-FFF2-40B4-BE49-F238E27FC236}">
+                  <a16:creationId xmlns:a16="http://schemas.microsoft.com/office/drawing/2014/main" id="{B7AC4561-68E6-4D40-BAB6-9E1974692C32}"/>
+                </a:ext>
+              </a:extLst>
+            </p:cNvPr>
+            <p:cNvPicPr>
+              <a:picLocks noChangeAspect="1"/>
+            </p:cNvPicPr>
+            <p:nvPr/>
+          </p:nvPicPr>
+          <p:blipFill>
+            <a:blip r:embed="rId5">
+              <a:extLst>
+                <a:ext uri="{28A0092B-C50C-407E-A947-70E740481C1C}">
+                  <a14:useLocalDpi xmlns:a14="http://schemas.microsoft.com/office/drawing/2010/main" val="0"/>
+                </a:ext>
+              </a:extLst>
+            </a:blip>
+            <a:stretch>
+              <a:fillRect/>
+            </a:stretch>
+          </p:blipFill>
+          <p:spPr>
+            <a:xfrm>
+              <a:off x="1313740" y="1553343"/>
+              <a:ext cx="2071509" cy="2401750"/>
+            </a:xfrm>
+            <a:prstGeom prst="rect">
+              <a:avLst/>
+            </a:prstGeom>
+          </p:spPr>
+        </p:pic>
+        <p:grpSp>
+          <p:nvGrpSpPr>
+            <p:cNvPr id="30" name="グループ化 29">
+              <a:extLst>
+                <a:ext uri="{FF2B5EF4-FFF2-40B4-BE49-F238E27FC236}">
+                  <a16:creationId xmlns:a16="http://schemas.microsoft.com/office/drawing/2014/main" id="{7D941C72-9CB6-4492-ADE0-518303FC06F3}"/>
+                </a:ext>
+              </a:extLst>
+            </p:cNvPr>
+            <p:cNvGrpSpPr/>
+            <p:nvPr/>
+          </p:nvGrpSpPr>
+          <p:grpSpPr>
+            <a:xfrm>
+              <a:off x="3521078" y="1654082"/>
+              <a:ext cx="1783208" cy="1774124"/>
+              <a:chOff x="3610748" y="2476555"/>
+              <a:chExt cx="1783208" cy="1774124"/>
+            </a:xfrm>
+          </p:grpSpPr>
+          <p:sp>
+            <p:nvSpPr>
+              <p:cNvPr id="28" name="矢印: 右 27">
+                <a:extLst>
+                  <a:ext uri="{FF2B5EF4-FFF2-40B4-BE49-F238E27FC236}">
+                    <a16:creationId xmlns:a16="http://schemas.microsoft.com/office/drawing/2014/main" id="{05E49AE7-5C8A-4F25-8D26-99F4A5421E54}"/>
+                  </a:ext>
+                </a:extLst>
+              </p:cNvPr>
+              <p:cNvSpPr/>
+              <p:nvPr/>
+            </p:nvSpPr>
+            <p:spPr>
+              <a:xfrm rot="10800000">
+                <a:off x="3610748" y="2476555"/>
+                <a:ext cx="1611885" cy="961373"/>
+              </a:xfrm>
+              <a:prstGeom prst="rightArrow">
+                <a:avLst/>
+              </a:prstGeom>
+            </p:spPr>
+            <p:style>
+              <a:lnRef idx="2">
+                <a:schemeClr val="accent1"/>
+              </a:lnRef>
+              <a:fillRef idx="1">
+                <a:schemeClr val="lt1"/>
+              </a:fillRef>
+              <a:effectRef idx="0">
+                <a:schemeClr val="accent1"/>
+              </a:effectRef>
+              <a:fontRef idx="minor">
+                <a:schemeClr val="dk1"/>
+              </a:fontRef>
+            </p:style>
+            <p:txBody>
+              <a:bodyPr rtlCol="0" anchor="ctr"/>
+              <a:lstStyle/>
+              <a:p>
+                <a:pPr algn="ctr"/>
+                <a:endParaRPr kumimoji="1" lang="ja-JP" altLang="en-US" sz="1100"/>
+              </a:p>
+            </p:txBody>
+          </p:sp>
+          <p:sp>
+            <p:nvSpPr>
+              <p:cNvPr id="29" name="テキスト ボックス 28">
+                <a:extLst>
+                  <a:ext uri="{FF2B5EF4-FFF2-40B4-BE49-F238E27FC236}">
+                    <a16:creationId xmlns:a16="http://schemas.microsoft.com/office/drawing/2014/main" id="{8D7B4D3B-A14A-4192-87F0-9E64624EE3F4}"/>
+                  </a:ext>
+                </a:extLst>
+              </p:cNvPr>
+              <p:cNvSpPr txBox="1"/>
+              <p:nvPr/>
+            </p:nvSpPr>
+            <p:spPr>
+              <a:xfrm>
+                <a:off x="3630024" y="2787243"/>
+                <a:ext cx="1727604" cy="435092"/>
+              </a:xfrm>
+              <a:prstGeom prst="rect">
+                <a:avLst/>
+              </a:prstGeom>
+              <a:noFill/>
+            </p:spPr>
+            <p:txBody>
+              <a:bodyPr wrap="square" rtlCol="0">
+                <a:spAutoFit/>
+              </a:bodyPr>
+              <a:lstStyle/>
+              <a:p>
+                <a:pPr algn="ctr"/>
+                <a:r>
+                  <a:rPr kumimoji="1" lang="ja-JP" altLang="en-US" sz="1100" dirty="0"/>
+                  <a:t>証券を売却</a:t>
+                </a:r>
+              </a:p>
+            </p:txBody>
+          </p:sp>
+          <p:sp>
+            <p:nvSpPr>
+              <p:cNvPr id="32" name="テキスト ボックス 31">
+                <a:extLst>
+                  <a:ext uri="{FF2B5EF4-FFF2-40B4-BE49-F238E27FC236}">
+                    <a16:creationId xmlns:a16="http://schemas.microsoft.com/office/drawing/2014/main" id="{2B708556-698A-4181-A315-CAA0A7A800BE}"/>
+                  </a:ext>
+                </a:extLst>
+              </p:cNvPr>
+              <p:cNvSpPr txBox="1"/>
+              <p:nvPr/>
+            </p:nvSpPr>
+            <p:spPr>
+              <a:xfrm>
+                <a:off x="3666352" y="3815587"/>
+                <a:ext cx="1727604" cy="435092"/>
+              </a:xfrm>
+              <a:prstGeom prst="rect">
+                <a:avLst/>
+              </a:prstGeom>
+              <a:noFill/>
+            </p:spPr>
+            <p:txBody>
+              <a:bodyPr wrap="square" rtlCol="0">
+                <a:spAutoFit/>
+              </a:bodyPr>
+              <a:lstStyle/>
+              <a:p>
+                <a:pPr algn="ctr"/>
+                <a:r>
+                  <a:rPr kumimoji="1" lang="en-US" altLang="ja-JP" sz="1100" dirty="0"/>
+                  <a:t>85</a:t>
+                </a:r>
+                <a:r>
+                  <a:rPr kumimoji="1" lang="ja-JP" altLang="en-US" sz="1100" dirty="0"/>
+                  <a:t>万で購入</a:t>
+                </a:r>
+              </a:p>
+            </p:txBody>
+          </p:sp>
+        </p:grpSp>
+        <p:cxnSp>
+          <p:nvCxnSpPr>
+            <p:cNvPr id="34" name="直線矢印コネクタ 33">
+              <a:extLst>
+                <a:ext uri="{FF2B5EF4-FFF2-40B4-BE49-F238E27FC236}">
+                  <a16:creationId xmlns:a16="http://schemas.microsoft.com/office/drawing/2014/main" id="{74B646E9-7610-41E3-A861-EFDED9C4AD52}"/>
+                </a:ext>
+              </a:extLst>
+            </p:cNvPr>
+            <p:cNvCxnSpPr>
+              <a:stCxn id="14" idx="2"/>
+              <a:endCxn id="25" idx="6"/>
+            </p:cNvCxnSpPr>
+            <p:nvPr/>
+          </p:nvCxnSpPr>
+          <p:spPr>
+            <a:xfrm flipH="1">
+              <a:off x="3865232" y="4070377"/>
+              <a:ext cx="5075398" cy="684549"/>
+            </a:xfrm>
+            <a:prstGeom prst="straightConnector1">
+              <a:avLst/>
+            </a:prstGeom>
+            <a:ln>
+              <a:tailEnd type="triangle"/>
+            </a:ln>
+          </p:spPr>
+          <p:style>
+            <a:lnRef idx="1">
+              <a:schemeClr val="accent1"/>
+            </a:lnRef>
+            <a:fillRef idx="0">
+              <a:schemeClr val="accent1"/>
+            </a:fillRef>
+            <a:effectRef idx="0">
+              <a:schemeClr val="accent1"/>
+            </a:effectRef>
+            <a:fontRef idx="minor">
+              <a:schemeClr val="tx1"/>
+            </a:fontRef>
+          </p:style>
+        </p:cxnSp>
+      </p:grpSp>
+      <p:grpSp>
+        <p:nvGrpSpPr>
+          <p:cNvPr id="4" name="グループ化 3">
+            <a:extLst>
+              <a:ext uri="{FF2B5EF4-FFF2-40B4-BE49-F238E27FC236}">
+                <a16:creationId xmlns:a16="http://schemas.microsoft.com/office/drawing/2014/main" id="{21D9CEBB-184C-4D70-ABD4-3DBC8251F193}"/>
+              </a:ext>
+            </a:extLst>
+          </p:cNvPr>
+          <p:cNvGrpSpPr/>
+          <p:nvPr/>
+        </p:nvGrpSpPr>
+        <p:grpSpPr>
+          <a:xfrm>
+            <a:off x="706299" y="4418735"/>
+            <a:ext cx="1791868" cy="1050457"/>
+            <a:chOff x="618147" y="3887299"/>
+            <a:chExt cx="1791868" cy="1050457"/>
+          </a:xfrm>
+        </p:grpSpPr>
+        <p:sp>
+          <p:nvSpPr>
+            <p:cNvPr id="3" name="四角形: 角を丸くする 2">
+              <a:extLst>
+                <a:ext uri="{FF2B5EF4-FFF2-40B4-BE49-F238E27FC236}">
+                  <a16:creationId xmlns:a16="http://schemas.microsoft.com/office/drawing/2014/main" id="{EF6E7043-E10A-4364-A40B-C7AB612B8B1A}"/>
+                </a:ext>
+              </a:extLst>
+            </p:cNvPr>
+            <p:cNvSpPr/>
+            <p:nvPr/>
+          </p:nvSpPr>
+          <p:spPr>
+            <a:xfrm>
+              <a:off x="618147" y="3899108"/>
+              <a:ext cx="1770212" cy="1038648"/>
+            </a:xfrm>
+            <a:prstGeom prst="roundRect">
+              <a:avLst/>
+            </a:prstGeom>
+          </p:spPr>
+          <p:style>
+            <a:lnRef idx="2">
+              <a:schemeClr val="accent2"/>
+            </a:lnRef>
+            <a:fillRef idx="1">
+              <a:schemeClr val="lt1"/>
+            </a:fillRef>
+            <a:effectRef idx="0">
+              <a:schemeClr val="accent2"/>
+            </a:effectRef>
+            <a:fontRef idx="minor">
+              <a:schemeClr val="dk1"/>
+            </a:fontRef>
+          </p:style>
+          <p:txBody>
+            <a:bodyPr rtlCol="0" anchor="ctr"/>
+            <a:lstStyle/>
+            <a:p>
+              <a:pPr algn="ctr"/>
+              <a:endParaRPr kumimoji="1" lang="ja-JP" altLang="en-US" dirty="0"/>
+            </a:p>
+          </p:txBody>
+        </p:sp>
+        <p:sp>
+          <p:nvSpPr>
+            <p:cNvPr id="27" name="テキスト ボックス 26">
+              <a:extLst>
+                <a:ext uri="{FF2B5EF4-FFF2-40B4-BE49-F238E27FC236}">
+                  <a16:creationId xmlns:a16="http://schemas.microsoft.com/office/drawing/2014/main" id="{CD5BAAC7-042E-47F3-A71E-82EA90879844}"/>
+                </a:ext>
+              </a:extLst>
+            </p:cNvPr>
+            <p:cNvSpPr txBox="1"/>
+            <p:nvPr/>
+          </p:nvSpPr>
+          <p:spPr>
+            <a:xfrm>
+              <a:off x="639803" y="4136462"/>
+              <a:ext cx="1770212" cy="738664"/>
+            </a:xfrm>
+            <a:prstGeom prst="rect">
+              <a:avLst/>
+            </a:prstGeom>
+            <a:noFill/>
+          </p:spPr>
+          <p:txBody>
+            <a:bodyPr wrap="square" rtlCol="0">
+              <a:spAutoFit/>
+            </a:bodyPr>
+            <a:lstStyle/>
+            <a:p>
+              <a:pPr algn="ctr"/>
+              <a:r>
+                <a:rPr lang="en-US" altLang="ja-JP" sz="1400" dirty="0"/>
+                <a:t>5000</a:t>
+              </a:r>
+              <a:r>
+                <a:rPr lang="ja-JP" altLang="en-US" sz="1400" dirty="0"/>
+                <a:t>円</a:t>
+              </a:r>
+              <a:r>
+                <a:rPr kumimoji="1" lang="en-US" altLang="ja-JP" sz="1400" dirty="0"/>
+                <a:t>/</a:t>
+              </a:r>
+              <a:r>
+                <a:rPr kumimoji="1" lang="ja-JP" altLang="en-US" sz="1400" dirty="0"/>
+                <a:t>年 残り</a:t>
+              </a:r>
+              <a:r>
+                <a:rPr kumimoji="1" lang="en-US" altLang="ja-JP" sz="1400" dirty="0"/>
+                <a:t>9</a:t>
+              </a:r>
+              <a:r>
+                <a:rPr kumimoji="1" lang="ja-JP" altLang="en-US" sz="1400" dirty="0"/>
+                <a:t>年</a:t>
+              </a:r>
+              <a:endParaRPr kumimoji="1" lang="en-US" altLang="ja-JP" sz="1400" dirty="0"/>
+            </a:p>
+            <a:p>
+              <a:pPr algn="ctr"/>
+              <a:r>
+                <a:rPr kumimoji="1" lang="ja-JP" altLang="en-US" sz="1400" dirty="0"/>
+                <a:t>破綻時</a:t>
+              </a:r>
+              <a:r>
+                <a:rPr kumimoji="1" lang="en-US" altLang="ja-JP" sz="1400" dirty="0"/>
+                <a:t>10%</a:t>
+              </a:r>
+              <a:r>
+                <a:rPr lang="ja-JP" altLang="en-US" sz="1400" dirty="0"/>
+                <a:t>の負担</a:t>
+              </a:r>
+              <a:endParaRPr kumimoji="1" lang="en-US" altLang="ja-JP" sz="1400" dirty="0"/>
+            </a:p>
+            <a:p>
+              <a:pPr algn="ctr"/>
+              <a:r>
+                <a:rPr lang="en-US" altLang="ja-JP" sz="1400" dirty="0"/>
+                <a:t>4</a:t>
+              </a:r>
+              <a:r>
+                <a:rPr lang="ja-JP" altLang="en-US" sz="1400" dirty="0"/>
+                <a:t>万円</a:t>
+              </a:r>
+              <a:endParaRPr kumimoji="1" lang="ja-JP" altLang="en-US" sz="1400" dirty="0"/>
+            </a:p>
+          </p:txBody>
+        </p:sp>
+        <p:sp>
+          <p:nvSpPr>
+            <p:cNvPr id="33" name="テキスト ボックス 32">
+              <a:extLst>
+                <a:ext uri="{FF2B5EF4-FFF2-40B4-BE49-F238E27FC236}">
+                  <a16:creationId xmlns:a16="http://schemas.microsoft.com/office/drawing/2014/main" id="{7C831E77-BA84-40C6-AC77-C3DCA8382E9B}"/>
+                </a:ext>
+              </a:extLst>
+            </p:cNvPr>
+            <p:cNvSpPr txBox="1"/>
+            <p:nvPr/>
+          </p:nvSpPr>
+          <p:spPr>
+            <a:xfrm>
+              <a:off x="628975" y="3887299"/>
+              <a:ext cx="1770212" cy="307777"/>
+            </a:xfrm>
+            <a:prstGeom prst="rect">
+              <a:avLst/>
+            </a:prstGeom>
+            <a:noFill/>
+          </p:spPr>
+          <p:txBody>
+            <a:bodyPr wrap="square" rtlCol="0">
+              <a:spAutoFit/>
+            </a:bodyPr>
+            <a:lstStyle/>
+            <a:p>
+              <a:pPr algn="ctr"/>
+              <a:r>
+                <a:rPr lang="en-US" altLang="ja-JP" sz="1400" b="1" dirty="0"/>
+                <a:t>CDS</a:t>
+              </a:r>
+              <a:endParaRPr kumimoji="1" lang="ja-JP" altLang="en-US" sz="1400" b="1" dirty="0"/>
+            </a:p>
+          </p:txBody>
+        </p:sp>
+      </p:grpSp>
+      <p:sp>
+        <p:nvSpPr>
+          <p:cNvPr id="5" name="矢印: 下 4">
+            <a:extLst>
+              <a:ext uri="{FF2B5EF4-FFF2-40B4-BE49-F238E27FC236}">
+                <a16:creationId xmlns:a16="http://schemas.microsoft.com/office/drawing/2014/main" id="{EF74BA99-A374-4C8D-B7A4-77D2ABCC16D5}"/>
+              </a:ext>
+            </a:extLst>
+          </p:cNvPr>
+          <p:cNvSpPr/>
+          <p:nvPr/>
+        </p:nvSpPr>
+        <p:spPr>
+          <a:xfrm>
+            <a:off x="1406379" y="3501342"/>
+            <a:ext cx="463467" cy="820609"/>
+          </a:xfrm>
+          <a:prstGeom prst="downArrow">
+            <a:avLst/>
+          </a:prstGeom>
+        </p:spPr>
+        <p:style>
+          <a:lnRef idx="0">
+            <a:schemeClr val="accent2"/>
+          </a:lnRef>
+          <a:fillRef idx="3">
+            <a:schemeClr val="accent2"/>
+          </a:fillRef>
+          <a:effectRef idx="3">
+            <a:schemeClr val="accent2"/>
+          </a:effectRef>
+          <a:fontRef idx="minor">
+            <a:schemeClr val="lt1"/>
+          </a:fontRef>
+        </p:style>
+        <p:txBody>
+          <a:bodyPr rtlCol="0" anchor="ctr"/>
+          <a:lstStyle/>
+          <a:p>
+            <a:pPr algn="ctr"/>
+            <a:endParaRPr kumimoji="1" lang="ja-JP" altLang="en-US"/>
+          </a:p>
+        </p:txBody>
+      </p:sp>
+      <p:pic>
+        <p:nvPicPr>
+          <p:cNvPr id="9" name="図 8">
+            <a:extLst>
+              <a:ext uri="{FF2B5EF4-FFF2-40B4-BE49-F238E27FC236}">
+                <a16:creationId xmlns:a16="http://schemas.microsoft.com/office/drawing/2014/main" id="{B46FA010-A9B2-4BE1-908D-CA04ED01F477}"/>
+              </a:ext>
+            </a:extLst>
+          </p:cNvPr>
+          <p:cNvPicPr>
+            <a:picLocks noChangeAspect="1"/>
+          </p:cNvPicPr>
+          <p:nvPr/>
+        </p:nvPicPr>
+        <p:blipFill>
+          <a:blip r:embed="rId6">
+            <a:extLst>
+              <a:ext uri="{28A0092B-C50C-407E-A947-70E740481C1C}">
+                <a14:useLocalDpi xmlns:a14="http://schemas.microsoft.com/office/drawing/2010/main" val="0"/>
+              </a:ext>
+            </a:extLst>
+          </a:blip>
+          <a:stretch>
+            <a:fillRect/>
+          </a:stretch>
+        </p:blipFill>
+        <p:spPr>
+          <a:xfrm>
+            <a:off x="4384635" y="3531949"/>
+            <a:ext cx="923925" cy="952500"/>
+          </a:xfrm>
+          <a:prstGeom prst="rect">
+            <a:avLst/>
+          </a:prstGeom>
+        </p:spPr>
+      </p:pic>
+      <p:pic>
+        <p:nvPicPr>
+          <p:cNvPr id="12" name="図 11">
+            <a:extLst>
+              <a:ext uri="{FF2B5EF4-FFF2-40B4-BE49-F238E27FC236}">
+                <a16:creationId xmlns:a16="http://schemas.microsoft.com/office/drawing/2014/main" id="{822F64F4-37DC-4DDE-AE66-D7F33DB2BDB9}"/>
+              </a:ext>
+            </a:extLst>
+          </p:cNvPr>
+          <p:cNvPicPr>
+            <a:picLocks noChangeAspect="1"/>
+          </p:cNvPicPr>
+          <p:nvPr/>
+        </p:nvPicPr>
+        <p:blipFill>
+          <a:blip r:embed="rId7">
+            <a:extLst>
+              <a:ext uri="{28A0092B-C50C-407E-A947-70E740481C1C}">
+                <a14:useLocalDpi xmlns:a14="http://schemas.microsoft.com/office/drawing/2010/main" val="0"/>
+              </a:ext>
+            </a:extLst>
+          </a:blip>
+          <a:stretch>
+            <a:fillRect/>
+          </a:stretch>
+        </p:blipFill>
+        <p:spPr>
+          <a:xfrm>
+            <a:off x="5698169" y="3471923"/>
+            <a:ext cx="1023786" cy="1055449"/>
+          </a:xfrm>
+          <a:prstGeom prst="rect">
+            <a:avLst/>
+          </a:prstGeom>
+        </p:spPr>
+      </p:pic>
+      <p:pic>
+        <p:nvPicPr>
+          <p:cNvPr id="19" name="図 18">
+            <a:extLst>
+              <a:ext uri="{FF2B5EF4-FFF2-40B4-BE49-F238E27FC236}">
+                <a16:creationId xmlns:a16="http://schemas.microsoft.com/office/drawing/2014/main" id="{8532A73F-682B-4C32-87F3-D06A9C4D4940}"/>
+              </a:ext>
+            </a:extLst>
+          </p:cNvPr>
+          <p:cNvPicPr>
+            <a:picLocks noChangeAspect="1"/>
+          </p:cNvPicPr>
+          <p:nvPr/>
+        </p:nvPicPr>
+        <p:blipFill>
+          <a:blip r:embed="rId8">
+            <a:extLst>
+              <a:ext uri="{28A0092B-C50C-407E-A947-70E740481C1C}">
+                <a14:useLocalDpi xmlns:a14="http://schemas.microsoft.com/office/drawing/2010/main" val="0"/>
+              </a:ext>
+            </a:extLst>
+          </a:blip>
+          <a:stretch>
+            <a:fillRect/>
+          </a:stretch>
+        </p:blipFill>
+        <p:spPr>
+          <a:xfrm>
+            <a:off x="4351884" y="4569839"/>
+            <a:ext cx="923926" cy="947616"/>
+          </a:xfrm>
+          <a:prstGeom prst="rect">
+            <a:avLst/>
+          </a:prstGeom>
+        </p:spPr>
+      </p:pic>
+      <p:pic>
+        <p:nvPicPr>
+          <p:cNvPr id="36" name="図 35">
+            <a:extLst>
+              <a:ext uri="{FF2B5EF4-FFF2-40B4-BE49-F238E27FC236}">
+                <a16:creationId xmlns:a16="http://schemas.microsoft.com/office/drawing/2014/main" id="{EE656381-4A4F-4B12-84B0-5786AD9D40C9}"/>
+              </a:ext>
+            </a:extLst>
+          </p:cNvPr>
+          <p:cNvPicPr>
+            <a:picLocks noChangeAspect="1"/>
+          </p:cNvPicPr>
+          <p:nvPr/>
+        </p:nvPicPr>
+        <p:blipFill>
+          <a:blip r:embed="rId9">
+            <a:extLst>
+              <a:ext uri="{28A0092B-C50C-407E-A947-70E740481C1C}">
+                <a14:useLocalDpi xmlns:a14="http://schemas.microsoft.com/office/drawing/2010/main" val="0"/>
+              </a:ext>
+            </a:extLst>
+          </a:blip>
+          <a:stretch>
+            <a:fillRect/>
+          </a:stretch>
+        </p:blipFill>
+        <p:spPr>
+          <a:xfrm>
+            <a:off x="5674815" y="4534067"/>
+            <a:ext cx="1023786" cy="1055449"/>
+          </a:xfrm>
+          <a:prstGeom prst="rect">
+            <a:avLst/>
+          </a:prstGeom>
+        </p:spPr>
+      </p:pic>
+      <p:pic>
+        <p:nvPicPr>
+          <p:cNvPr id="38" name="図 37">
+            <a:extLst>
+              <a:ext uri="{FF2B5EF4-FFF2-40B4-BE49-F238E27FC236}">
+                <a16:creationId xmlns:a16="http://schemas.microsoft.com/office/drawing/2014/main" id="{16AD39B7-C2D5-4345-BC2B-0B64FB471051}"/>
+              </a:ext>
+            </a:extLst>
+          </p:cNvPr>
+          <p:cNvPicPr>
+            <a:picLocks noChangeAspect="1"/>
+          </p:cNvPicPr>
+          <p:nvPr/>
+        </p:nvPicPr>
+        <p:blipFill>
+          <a:blip r:embed="rId10">
+            <a:extLst>
+              <a:ext uri="{28A0092B-C50C-407E-A947-70E740481C1C}">
+                <a14:useLocalDpi xmlns:a14="http://schemas.microsoft.com/office/drawing/2010/main" val="0"/>
+              </a:ext>
+            </a:extLst>
+          </a:blip>
+          <a:stretch>
+            <a:fillRect/>
+          </a:stretch>
+        </p:blipFill>
+        <p:spPr>
+          <a:xfrm>
+            <a:off x="4384635" y="5592424"/>
+            <a:ext cx="884046" cy="911388"/>
+          </a:xfrm>
+          <a:prstGeom prst="rect">
+            <a:avLst/>
+          </a:prstGeom>
+        </p:spPr>
+      </p:pic>
+      <p:pic>
+        <p:nvPicPr>
+          <p:cNvPr id="40" name="図 39">
+            <a:extLst>
+              <a:ext uri="{FF2B5EF4-FFF2-40B4-BE49-F238E27FC236}">
+                <a16:creationId xmlns:a16="http://schemas.microsoft.com/office/drawing/2014/main" id="{B66320F3-FEB6-49D5-9D29-1C1651CD4E81}"/>
+              </a:ext>
+            </a:extLst>
+          </p:cNvPr>
+          <p:cNvPicPr>
+            <a:picLocks noChangeAspect="1"/>
+          </p:cNvPicPr>
+          <p:nvPr/>
+        </p:nvPicPr>
+        <p:blipFill>
+          <a:blip r:embed="rId11">
+            <a:extLst>
+              <a:ext uri="{28A0092B-C50C-407E-A947-70E740481C1C}">
+                <a14:useLocalDpi xmlns:a14="http://schemas.microsoft.com/office/drawing/2010/main" val="0"/>
+              </a:ext>
+            </a:extLst>
+          </a:blip>
+          <a:stretch>
+            <a:fillRect/>
+          </a:stretch>
+        </p:blipFill>
+        <p:spPr>
+          <a:xfrm>
+            <a:off x="5698169" y="5502006"/>
+            <a:ext cx="1023786" cy="1055449"/>
+          </a:xfrm>
+          <a:prstGeom prst="rect">
+            <a:avLst/>
+          </a:prstGeom>
+        </p:spPr>
+      </p:pic>
+      <p:cxnSp>
+        <p:nvCxnSpPr>
+          <p:cNvPr id="42" name="直線矢印コネクタ 41">
+            <a:extLst>
+              <a:ext uri="{FF2B5EF4-FFF2-40B4-BE49-F238E27FC236}">
+                <a16:creationId xmlns:a16="http://schemas.microsoft.com/office/drawing/2014/main" id="{BFCD8CD0-8A48-48FE-8A2C-E28D5461B8CE}"/>
+              </a:ext>
+            </a:extLst>
+          </p:cNvPr>
+          <p:cNvCxnSpPr>
+            <a:cxnSpLocks/>
+            <a:stCxn id="27" idx="3"/>
+            <a:endCxn id="9" idx="1"/>
+          </p:cNvCxnSpPr>
+          <p:nvPr/>
+        </p:nvCxnSpPr>
+        <p:spPr>
+          <a:xfrm flipV="1">
+            <a:off x="2498167" y="4008199"/>
+            <a:ext cx="1886468" cy="1029031"/>
+          </a:xfrm>
+          <a:prstGeom prst="straightConnector1">
+            <a:avLst/>
+          </a:prstGeom>
+          <a:ln>
+            <a:solidFill>
+              <a:schemeClr val="accent2"/>
+            </a:solidFill>
+            <a:tailEnd type="triangle"/>
+          </a:ln>
+        </p:spPr>
+        <p:style>
+          <a:lnRef idx="1">
+            <a:schemeClr val="accent1"/>
+          </a:lnRef>
+          <a:fillRef idx="0">
+            <a:schemeClr val="accent1"/>
+          </a:fillRef>
+          <a:effectRef idx="0">
+            <a:schemeClr val="accent1"/>
+          </a:effectRef>
+          <a:fontRef idx="minor">
+            <a:schemeClr val="tx1"/>
+          </a:fontRef>
+        </p:style>
+      </p:cxnSp>
+      <p:cxnSp>
+        <p:nvCxnSpPr>
+          <p:cNvPr id="44" name="直線矢印コネクタ 43">
+            <a:extLst>
+              <a:ext uri="{FF2B5EF4-FFF2-40B4-BE49-F238E27FC236}">
+                <a16:creationId xmlns:a16="http://schemas.microsoft.com/office/drawing/2014/main" id="{B9CB0F9B-8796-4E78-8FF0-9A1ED60682E0}"/>
+              </a:ext>
+            </a:extLst>
+          </p:cNvPr>
+          <p:cNvCxnSpPr>
+            <a:cxnSpLocks/>
+            <a:stCxn id="27" idx="3"/>
+            <a:endCxn id="19" idx="1"/>
+          </p:cNvCxnSpPr>
+          <p:nvPr/>
+        </p:nvCxnSpPr>
+        <p:spPr>
+          <a:xfrm>
+            <a:off x="2498167" y="5037230"/>
+            <a:ext cx="1853717" cy="6417"/>
+          </a:xfrm>
+          <a:prstGeom prst="straightConnector1">
+            <a:avLst/>
+          </a:prstGeom>
+          <a:ln>
+            <a:solidFill>
+              <a:schemeClr val="accent2"/>
+            </a:solidFill>
+            <a:tailEnd type="triangle"/>
+          </a:ln>
+        </p:spPr>
+        <p:style>
+          <a:lnRef idx="1">
+            <a:schemeClr val="accent1"/>
+          </a:lnRef>
+          <a:fillRef idx="0">
+            <a:schemeClr val="accent1"/>
+          </a:fillRef>
+          <a:effectRef idx="0">
+            <a:schemeClr val="accent1"/>
+          </a:effectRef>
+          <a:fontRef idx="minor">
+            <a:schemeClr val="tx1"/>
+          </a:fontRef>
+        </p:style>
+      </p:cxnSp>
+      <p:cxnSp>
+        <p:nvCxnSpPr>
+          <p:cNvPr id="47" name="直線矢印コネクタ 46">
+            <a:extLst>
+              <a:ext uri="{FF2B5EF4-FFF2-40B4-BE49-F238E27FC236}">
+                <a16:creationId xmlns:a16="http://schemas.microsoft.com/office/drawing/2014/main" id="{D94D55DB-D228-446D-B8C0-4EE009D249D2}"/>
+              </a:ext>
+            </a:extLst>
+          </p:cNvPr>
+          <p:cNvCxnSpPr>
+            <a:cxnSpLocks/>
+            <a:stCxn id="27" idx="3"/>
+            <a:endCxn id="38" idx="1"/>
+          </p:cNvCxnSpPr>
+          <p:nvPr/>
+        </p:nvCxnSpPr>
+        <p:spPr>
+          <a:xfrm>
+            <a:off x="2498167" y="5037230"/>
+            <a:ext cx="1886468" cy="1010888"/>
+          </a:xfrm>
+          <a:prstGeom prst="straightConnector1">
+            <a:avLst/>
+          </a:prstGeom>
+          <a:ln>
+            <a:solidFill>
+              <a:schemeClr val="accent2"/>
+            </a:solidFill>
+            <a:tailEnd type="triangle"/>
+          </a:ln>
+        </p:spPr>
+        <p:style>
+          <a:lnRef idx="1">
+            <a:schemeClr val="accent1"/>
+          </a:lnRef>
+          <a:fillRef idx="0">
+            <a:schemeClr val="accent1"/>
+          </a:fillRef>
+          <a:effectRef idx="0">
+            <a:schemeClr val="accent1"/>
+          </a:effectRef>
+          <a:fontRef idx="minor">
+            <a:schemeClr val="tx1"/>
+          </a:fontRef>
+        </p:style>
+      </p:cxnSp>
+      <p:sp>
+        <p:nvSpPr>
+          <p:cNvPr id="55" name="テキスト ボックス 54">
+            <a:extLst>
+              <a:ext uri="{FF2B5EF4-FFF2-40B4-BE49-F238E27FC236}">
+                <a16:creationId xmlns:a16="http://schemas.microsoft.com/office/drawing/2014/main" id="{37BA85D2-DAE2-474C-BDA7-7A2EDAA60819}"/>
+              </a:ext>
+            </a:extLst>
+          </p:cNvPr>
+          <p:cNvSpPr txBox="1"/>
+          <p:nvPr/>
+        </p:nvSpPr>
+        <p:spPr>
+          <a:xfrm>
+            <a:off x="6721955" y="3525008"/>
+            <a:ext cx="3135633" cy="738664"/>
+          </a:xfrm>
+          <a:prstGeom prst="rect">
+            <a:avLst/>
+          </a:prstGeom>
+          <a:noFill/>
+        </p:spPr>
+        <p:txBody>
+          <a:bodyPr wrap="square" rtlCol="0">
+            <a:spAutoFit/>
+          </a:bodyPr>
+          <a:lstStyle/>
+          <a:p>
+            <a:pPr algn="ctr"/>
+            <a:r>
+              <a:rPr kumimoji="1" lang="en-US" altLang="ja-JP" sz="1400" dirty="0"/>
+              <a:t>CDS</a:t>
+            </a:r>
+            <a:r>
+              <a:rPr kumimoji="1" lang="ja-JP" altLang="en-US" sz="1400" dirty="0"/>
+              <a:t>を買った</a:t>
+            </a:r>
+            <a:r>
+              <a:rPr kumimoji="1" lang="en-US" altLang="ja-JP" sz="1400" dirty="0"/>
+              <a:t>6</a:t>
+            </a:r>
+            <a:r>
+              <a:rPr kumimoji="1" lang="ja-JP" altLang="en-US" sz="1400" dirty="0"/>
+              <a:t>人</a:t>
+            </a:r>
+            <a:br>
+              <a:rPr kumimoji="1" lang="en-US" altLang="ja-JP" sz="1400" dirty="0"/>
+            </a:br>
+            <a:r>
+              <a:rPr kumimoji="1" lang="en-US" altLang="ja-JP" sz="1400" dirty="0"/>
+              <a:t>9</a:t>
+            </a:r>
+            <a:r>
+              <a:rPr kumimoji="1" lang="ja-JP" altLang="en-US" sz="1400" dirty="0"/>
+              <a:t>年間毎年</a:t>
+            </a:r>
+            <a:r>
+              <a:rPr kumimoji="1" lang="en-US" altLang="ja-JP" sz="1400" dirty="0"/>
+              <a:t>5000</a:t>
+            </a:r>
+            <a:r>
+              <a:rPr kumimoji="1" lang="ja-JP" altLang="en-US" sz="1400" dirty="0"/>
+              <a:t>円貰える</a:t>
+            </a:r>
+            <a:endParaRPr kumimoji="1" lang="en-US" altLang="ja-JP" sz="1400" dirty="0"/>
+          </a:p>
+          <a:p>
+            <a:pPr algn="ctr"/>
+            <a:r>
+              <a:rPr lang="ja-JP" altLang="en-US" sz="1400" b="1" dirty="0"/>
+              <a:t>その代り借金を</a:t>
+            </a:r>
+            <a:r>
+              <a:rPr lang="en-US" altLang="ja-JP" sz="1400" b="1" dirty="0"/>
+              <a:t>10%</a:t>
+            </a:r>
+            <a:r>
+              <a:rPr lang="ja-JP" altLang="en-US" sz="1400" b="1" dirty="0"/>
+              <a:t>分保証</a:t>
+            </a:r>
+            <a:endParaRPr kumimoji="1" lang="ja-JP" altLang="en-US" sz="1400" b="1" dirty="0"/>
+          </a:p>
+        </p:txBody>
+      </p:sp>
+      <p:sp>
+        <p:nvSpPr>
+          <p:cNvPr id="45" name="テキスト ボックス 44">
+            <a:extLst>
+              <a:ext uri="{FF2B5EF4-FFF2-40B4-BE49-F238E27FC236}">
+                <a16:creationId xmlns:a16="http://schemas.microsoft.com/office/drawing/2014/main" id="{32C3AF9B-81B1-4043-84F9-CA010F8BF8EE}"/>
+              </a:ext>
+            </a:extLst>
+          </p:cNvPr>
+          <p:cNvSpPr txBox="1"/>
+          <p:nvPr/>
+        </p:nvSpPr>
+        <p:spPr>
+          <a:xfrm>
+            <a:off x="7172705" y="4569839"/>
+            <a:ext cx="2199404" cy="1169551"/>
+          </a:xfrm>
+          <a:prstGeom prst="rect">
+            <a:avLst/>
+          </a:prstGeom>
+          <a:noFill/>
+          <a:ln>
+            <a:solidFill>
+              <a:srgbClr val="FF0000"/>
+            </a:solidFill>
+          </a:ln>
+        </p:spPr>
+        <p:txBody>
+          <a:bodyPr wrap="square" rtlCol="0">
+            <a:spAutoFit/>
+          </a:bodyPr>
+          <a:lstStyle/>
+          <a:p>
+            <a:pPr algn="ctr"/>
+            <a:r>
+              <a:rPr lang="en-US" altLang="ja-JP" sz="1400" b="1" dirty="0"/>
+              <a:t>5000</a:t>
+            </a:r>
+            <a:r>
+              <a:rPr lang="ja-JP" altLang="en-US" sz="1400" b="1" dirty="0"/>
+              <a:t>円</a:t>
+            </a:r>
+            <a:r>
+              <a:rPr lang="en-US" altLang="ja-JP" sz="1400" b="1" dirty="0"/>
+              <a:t>x5</a:t>
+            </a:r>
+            <a:r>
+              <a:rPr lang="ja-JP" altLang="en-US" sz="1400" b="1" dirty="0"/>
+              <a:t>年</a:t>
+            </a:r>
+            <a:r>
+              <a:rPr lang="ja-JP" altLang="en-US" sz="1400" dirty="0"/>
+              <a:t>＝</a:t>
+            </a:r>
+            <a:r>
+              <a:rPr lang="en-US" altLang="ja-JP" sz="1400" dirty="0"/>
+              <a:t>2.5</a:t>
+            </a:r>
+            <a:r>
+              <a:rPr lang="ja-JP" altLang="en-US" sz="1400" dirty="0"/>
+              <a:t>万利益</a:t>
+            </a:r>
+            <a:endParaRPr lang="en-US" altLang="ja-JP" sz="1400" dirty="0"/>
+          </a:p>
+          <a:p>
+            <a:pPr algn="ctr"/>
+            <a:r>
+              <a:rPr lang="ja-JP" altLang="en-US" sz="1400" b="1" dirty="0"/>
+              <a:t>破綻時の残高</a:t>
+            </a:r>
+            <a:r>
+              <a:rPr lang="en-US" altLang="ja-JP" sz="1400" b="1" dirty="0"/>
+              <a:t>40</a:t>
+            </a:r>
+            <a:r>
+              <a:rPr lang="ja-JP" altLang="en-US" sz="1400" b="1" dirty="0"/>
+              <a:t>万</a:t>
+            </a:r>
+            <a:endParaRPr lang="en-US" altLang="ja-JP" sz="1400" b="1" dirty="0"/>
+          </a:p>
+          <a:p>
+            <a:pPr algn="ctr"/>
+            <a:r>
+              <a:rPr kumimoji="1" lang="en-US" altLang="ja-JP" sz="1400" b="1" dirty="0"/>
+              <a:t>4</a:t>
+            </a:r>
+            <a:r>
+              <a:rPr kumimoji="1" lang="ja-JP" altLang="en-US" sz="1400" b="1" dirty="0"/>
+              <a:t>万円を支払い</a:t>
+            </a:r>
+            <a:endParaRPr kumimoji="1" lang="en-US" altLang="ja-JP" sz="1400" b="1" dirty="0"/>
+          </a:p>
+          <a:p>
+            <a:pPr algn="ctr"/>
+            <a:endParaRPr kumimoji="1" lang="en-US" altLang="ja-JP" sz="1400" b="1" dirty="0"/>
+          </a:p>
+          <a:p>
+            <a:pPr algn="ctr"/>
+            <a:r>
+              <a:rPr lang="en-US" altLang="ja-JP" sz="1400" b="1" dirty="0">
+                <a:solidFill>
+                  <a:srgbClr val="FF0000"/>
+                </a:solidFill>
+              </a:rPr>
+              <a:t>1.5</a:t>
+            </a:r>
+            <a:r>
+              <a:rPr lang="ja-JP" altLang="en-US" sz="1400" b="1" dirty="0">
+                <a:solidFill>
+                  <a:srgbClr val="FF0000"/>
+                </a:solidFill>
+              </a:rPr>
+              <a:t>万の損</a:t>
+            </a:r>
+            <a:endParaRPr kumimoji="1" lang="en-US" altLang="ja-JP" sz="1400" b="1" dirty="0">
+              <a:solidFill>
+                <a:srgbClr val="FF0000"/>
+              </a:solidFill>
+            </a:endParaRPr>
+          </a:p>
+        </p:txBody>
+      </p:sp>
+    </p:spTree>
+    <p:extLst>
+      <p:ext uri="{BB962C8B-B14F-4D97-AF65-F5344CB8AC3E}">
+        <p14:creationId xmlns:p14="http://schemas.microsoft.com/office/powerpoint/2010/main" val="1967905952"/>
       </p:ext>
     </p:extLst>
   </p:cSld>

--- a/2018xxxx_2008-financial-crisis/図作成用.pptx
+++ b/2018xxxx_2008-financial-crisis/図作成用.pptx
@@ -5902,7 +5902,7 @@
                   </a:r>
                   <a:r>
                     <a:rPr kumimoji="1" lang="en-US" altLang="ja-JP" sz="1100" dirty="0"/>
-                    <a:t>3</a:t>
+                    <a:t>4</a:t>
                   </a:r>
                   <a:r>
                     <a:rPr kumimoji="1" lang="ja-JP" altLang="en-US" sz="1100" dirty="0"/>

--- a/2018xxxx_2008-financial-crisis/図作成用.pptx
+++ b/2018xxxx_2008-financial-crisis/図作成用.pptx
@@ -7,6 +7,7 @@
   <p:sldIdLst>
     <p:sldId id="257" r:id="rId2"/>
     <p:sldId id="258" r:id="rId3"/>
+    <p:sldId id="259" r:id="rId4"/>
   </p:sldIdLst>
   <p:sldSz cx="12192000" cy="6858000"/>
   <p:notesSz cx="6858000" cy="9144000"/>
@@ -260,7 +261,7 @@
           <a:p>
             <a:fld id="{B7D1F977-6BD7-4696-ACDF-1EDB0D354A98}" type="datetimeFigureOut">
               <a:rPr kumimoji="1" lang="ja-JP" altLang="en-US" smtClean="0"/>
-              <a:t>2018/9/4</a:t>
+              <a:t>2018/9/5</a:t>
             </a:fld>
             <a:endParaRPr kumimoji="1" lang="ja-JP" altLang="en-US"/>
           </a:p>
@@ -490,7 +491,7 @@
           <a:p>
             <a:fld id="{B7D1F977-6BD7-4696-ACDF-1EDB0D354A98}" type="datetimeFigureOut">
               <a:rPr kumimoji="1" lang="ja-JP" altLang="en-US" smtClean="0"/>
-              <a:t>2018/9/4</a:t>
+              <a:t>2018/9/5</a:t>
             </a:fld>
             <a:endParaRPr kumimoji="1" lang="ja-JP" altLang="en-US"/>
           </a:p>
@@ -730,7 +731,7 @@
           <a:p>
             <a:fld id="{B7D1F977-6BD7-4696-ACDF-1EDB0D354A98}" type="datetimeFigureOut">
               <a:rPr kumimoji="1" lang="ja-JP" altLang="en-US" smtClean="0"/>
-              <a:t>2018/9/4</a:t>
+              <a:t>2018/9/5</a:t>
             </a:fld>
             <a:endParaRPr kumimoji="1" lang="ja-JP" altLang="en-US"/>
           </a:p>
@@ -960,7 +961,7 @@
           <a:p>
             <a:fld id="{B7D1F977-6BD7-4696-ACDF-1EDB0D354A98}" type="datetimeFigureOut">
               <a:rPr kumimoji="1" lang="ja-JP" altLang="en-US" smtClean="0"/>
-              <a:t>2018/9/4</a:t>
+              <a:t>2018/9/5</a:t>
             </a:fld>
             <a:endParaRPr kumimoji="1" lang="ja-JP" altLang="en-US"/>
           </a:p>
@@ -1235,7 +1236,7 @@
           <a:p>
             <a:fld id="{B7D1F977-6BD7-4696-ACDF-1EDB0D354A98}" type="datetimeFigureOut">
               <a:rPr kumimoji="1" lang="ja-JP" altLang="en-US" smtClean="0"/>
-              <a:t>2018/9/4</a:t>
+              <a:t>2018/9/5</a:t>
             </a:fld>
             <a:endParaRPr kumimoji="1" lang="ja-JP" altLang="en-US"/>
           </a:p>
@@ -1564,7 +1565,7 @@
           <a:p>
             <a:fld id="{B7D1F977-6BD7-4696-ACDF-1EDB0D354A98}" type="datetimeFigureOut">
               <a:rPr kumimoji="1" lang="ja-JP" altLang="en-US" smtClean="0"/>
-              <a:t>2018/9/4</a:t>
+              <a:t>2018/9/5</a:t>
             </a:fld>
             <a:endParaRPr kumimoji="1" lang="ja-JP" altLang="en-US"/>
           </a:p>
@@ -2040,7 +2041,7 @@
           <a:p>
             <a:fld id="{B7D1F977-6BD7-4696-ACDF-1EDB0D354A98}" type="datetimeFigureOut">
               <a:rPr kumimoji="1" lang="ja-JP" altLang="en-US" smtClean="0"/>
-              <a:t>2018/9/4</a:t>
+              <a:t>2018/9/5</a:t>
             </a:fld>
             <a:endParaRPr kumimoji="1" lang="ja-JP" altLang="en-US"/>
           </a:p>
@@ -2181,7 +2182,7 @@
           <a:p>
             <a:fld id="{B7D1F977-6BD7-4696-ACDF-1EDB0D354A98}" type="datetimeFigureOut">
               <a:rPr kumimoji="1" lang="ja-JP" altLang="en-US" smtClean="0"/>
-              <a:t>2018/9/4</a:t>
+              <a:t>2018/9/5</a:t>
             </a:fld>
             <a:endParaRPr kumimoji="1" lang="ja-JP" altLang="en-US"/>
           </a:p>
@@ -2294,7 +2295,7 @@
           <a:p>
             <a:fld id="{B7D1F977-6BD7-4696-ACDF-1EDB0D354A98}" type="datetimeFigureOut">
               <a:rPr kumimoji="1" lang="ja-JP" altLang="en-US" smtClean="0"/>
-              <a:t>2018/9/4</a:t>
+              <a:t>2018/9/5</a:t>
             </a:fld>
             <a:endParaRPr kumimoji="1" lang="ja-JP" altLang="en-US"/>
           </a:p>
@@ -2637,7 +2638,7 @@
           <a:p>
             <a:fld id="{B7D1F977-6BD7-4696-ACDF-1EDB0D354A98}" type="datetimeFigureOut">
               <a:rPr kumimoji="1" lang="ja-JP" altLang="en-US" smtClean="0"/>
-              <a:t>2018/9/4</a:t>
+              <a:t>2018/9/5</a:t>
             </a:fld>
             <a:endParaRPr kumimoji="1" lang="ja-JP" altLang="en-US"/>
           </a:p>
@@ -2925,7 +2926,7 @@
           <a:p>
             <a:fld id="{B7D1F977-6BD7-4696-ACDF-1EDB0D354A98}" type="datetimeFigureOut">
               <a:rPr kumimoji="1" lang="ja-JP" altLang="en-US" smtClean="0"/>
-              <a:t>2018/9/4</a:t>
+              <a:t>2018/9/5</a:t>
             </a:fld>
             <a:endParaRPr kumimoji="1" lang="ja-JP" altLang="en-US"/>
           </a:p>
@@ -3198,7 +3199,7 @@
           <a:p>
             <a:fld id="{B7D1F977-6BD7-4696-ACDF-1EDB0D354A98}" type="datetimeFigureOut">
               <a:rPr kumimoji="1" lang="ja-JP" altLang="en-US" smtClean="0"/>
-              <a:t>2018/9/4</a:t>
+              <a:t>2018/9/5</a:t>
             </a:fld>
             <a:endParaRPr kumimoji="1" lang="ja-JP" altLang="en-US"/>
           </a:p>
@@ -7221,6 +7222,2279 @@
 </p:sld>
 </file>
 
+<file path=ppt/slides/slide3.xml><?xml version="1.0" encoding="utf-8"?>
+<p:sld xmlns:a="http://schemas.openxmlformats.org/drawingml/2006/main" xmlns:r="http://schemas.openxmlformats.org/officeDocument/2006/relationships" xmlns:p="http://schemas.openxmlformats.org/presentationml/2006/main">
+  <p:cSld>
+    <p:spTree>
+      <p:nvGrpSpPr>
+        <p:cNvPr id="1" name=""/>
+        <p:cNvGrpSpPr/>
+        <p:nvPr/>
+      </p:nvGrpSpPr>
+      <p:grpSpPr>
+        <a:xfrm>
+          <a:off x="0" y="0"/>
+          <a:ext cx="0" cy="0"/>
+          <a:chOff x="0" y="0"/>
+          <a:chExt cx="0" cy="0"/>
+        </a:xfrm>
+      </p:grpSpPr>
+      <p:sp>
+        <p:nvSpPr>
+          <p:cNvPr id="56" name="四角形: 角を丸くする 55">
+            <a:extLst>
+              <a:ext uri="{FF2B5EF4-FFF2-40B4-BE49-F238E27FC236}">
+                <a16:creationId xmlns:a16="http://schemas.microsoft.com/office/drawing/2014/main" id="{1428634B-DE92-490F-833E-4C965D7558C4}"/>
+              </a:ext>
+            </a:extLst>
+          </p:cNvPr>
+          <p:cNvSpPr/>
+          <p:nvPr/>
+        </p:nvSpPr>
+        <p:spPr>
+          <a:xfrm>
+            <a:off x="4045907" y="3281817"/>
+            <a:ext cx="3006246" cy="3457186"/>
+          </a:xfrm>
+          <a:prstGeom prst="roundRect">
+            <a:avLst/>
+          </a:prstGeom>
+          <a:noFill/>
+          <a:ln>
+            <a:solidFill>
+              <a:schemeClr val="accent2"/>
+            </a:solidFill>
+          </a:ln>
+        </p:spPr>
+        <p:style>
+          <a:lnRef idx="2">
+            <a:schemeClr val="accent1">
+              <a:shade val="50000"/>
+            </a:schemeClr>
+          </a:lnRef>
+          <a:fillRef idx="1">
+            <a:schemeClr val="accent1"/>
+          </a:fillRef>
+          <a:effectRef idx="0">
+            <a:schemeClr val="accent1"/>
+          </a:effectRef>
+          <a:fontRef idx="minor">
+            <a:schemeClr val="lt1"/>
+          </a:fontRef>
+        </p:style>
+        <p:txBody>
+          <a:bodyPr rtlCol="0" anchor="ctr"/>
+          <a:lstStyle/>
+          <a:p>
+            <a:pPr algn="ctr"/>
+            <a:endParaRPr kumimoji="1" lang="ja-JP" altLang="en-US"/>
+          </a:p>
+        </p:txBody>
+      </p:sp>
+      <p:grpSp>
+        <p:nvGrpSpPr>
+          <p:cNvPr id="2" name="グループ化 1">
+            <a:extLst>
+              <a:ext uri="{FF2B5EF4-FFF2-40B4-BE49-F238E27FC236}">
+                <a16:creationId xmlns:a16="http://schemas.microsoft.com/office/drawing/2014/main" id="{68FDB6D0-166C-4ABD-92F0-BE1CCE381862}"/>
+              </a:ext>
+            </a:extLst>
+          </p:cNvPr>
+          <p:cNvGrpSpPr/>
+          <p:nvPr/>
+        </p:nvGrpSpPr>
+        <p:grpSpPr>
+          <a:xfrm>
+            <a:off x="17233" y="405873"/>
+            <a:ext cx="6460961" cy="3804714"/>
+            <a:chOff x="-157894" y="656394"/>
+            <a:chExt cx="10569470" cy="6327748"/>
+          </a:xfrm>
+        </p:grpSpPr>
+        <p:sp>
+          <p:nvSpPr>
+            <p:cNvPr id="31" name="矢印: 右 30">
+              <a:extLst>
+                <a:ext uri="{FF2B5EF4-FFF2-40B4-BE49-F238E27FC236}">
+                  <a16:creationId xmlns:a16="http://schemas.microsoft.com/office/drawing/2014/main" id="{092343C5-2057-494E-A4F1-32AB871BD016}"/>
+                </a:ext>
+              </a:extLst>
+            </p:cNvPr>
+            <p:cNvSpPr/>
+            <p:nvPr/>
+          </p:nvSpPr>
+          <p:spPr>
+            <a:xfrm>
+              <a:off x="3721020" y="2681705"/>
+              <a:ext cx="1611885" cy="961373"/>
+            </a:xfrm>
+            <a:prstGeom prst="rightArrow">
+              <a:avLst/>
+            </a:prstGeom>
+          </p:spPr>
+          <p:style>
+            <a:lnRef idx="2">
+              <a:schemeClr val="accent1"/>
+            </a:lnRef>
+            <a:fillRef idx="1">
+              <a:schemeClr val="lt1"/>
+            </a:fillRef>
+            <a:effectRef idx="0">
+              <a:schemeClr val="accent1"/>
+            </a:effectRef>
+            <a:fontRef idx="minor">
+              <a:schemeClr val="dk1"/>
+            </a:fontRef>
+          </p:style>
+          <p:txBody>
+            <a:bodyPr rtlCol="0" anchor="ctr"/>
+            <a:lstStyle/>
+            <a:p>
+              <a:pPr algn="ctr"/>
+              <a:endParaRPr kumimoji="1" lang="ja-JP" altLang="en-US"/>
+            </a:p>
+          </p:txBody>
+        </p:sp>
+        <p:sp>
+          <p:nvSpPr>
+            <p:cNvPr id="25" name="楕円 24">
+              <a:extLst>
+                <a:ext uri="{FF2B5EF4-FFF2-40B4-BE49-F238E27FC236}">
+                  <a16:creationId xmlns:a16="http://schemas.microsoft.com/office/drawing/2014/main" id="{6E51F1E1-59A6-497E-8D46-9FCA28567872}"/>
+                </a:ext>
+              </a:extLst>
+            </p:cNvPr>
+            <p:cNvSpPr/>
+            <p:nvPr/>
+          </p:nvSpPr>
+          <p:spPr>
+            <a:xfrm>
+              <a:off x="969347" y="4070377"/>
+              <a:ext cx="2895885" cy="1369097"/>
+            </a:xfrm>
+            <a:prstGeom prst="ellipse">
+              <a:avLst/>
+            </a:prstGeom>
+          </p:spPr>
+          <p:style>
+            <a:lnRef idx="1">
+              <a:schemeClr val="accent1"/>
+            </a:lnRef>
+            <a:fillRef idx="2">
+              <a:schemeClr val="accent1"/>
+            </a:fillRef>
+            <a:effectRef idx="1">
+              <a:schemeClr val="accent1"/>
+            </a:effectRef>
+            <a:fontRef idx="minor">
+              <a:schemeClr val="dk1"/>
+            </a:fontRef>
+          </p:style>
+          <p:txBody>
+            <a:bodyPr rtlCol="0" anchor="ctr"/>
+            <a:lstStyle/>
+            <a:p>
+              <a:pPr algn="ctr"/>
+              <a:r>
+                <a:rPr kumimoji="1" lang="ja-JP" altLang="en-US" sz="1400" b="1" dirty="0"/>
+                <a:t>証券</a:t>
+              </a:r>
+              <a:endParaRPr kumimoji="1" lang="en-US" altLang="ja-JP" sz="1400" b="1" dirty="0"/>
+            </a:p>
+            <a:p>
+              <a:pPr algn="ctr"/>
+              <a:endParaRPr kumimoji="1" lang="ja-JP" altLang="en-US" sz="1400" b="1" dirty="0"/>
+            </a:p>
+          </p:txBody>
+        </p:sp>
+        <p:grpSp>
+          <p:nvGrpSpPr>
+            <p:cNvPr id="18" name="グループ化 17">
+              <a:extLst>
+                <a:ext uri="{FF2B5EF4-FFF2-40B4-BE49-F238E27FC236}">
+                  <a16:creationId xmlns:a16="http://schemas.microsoft.com/office/drawing/2014/main" id="{37DEF0F6-D194-4103-AC3D-098F78563D61}"/>
+                </a:ext>
+              </a:extLst>
+            </p:cNvPr>
+            <p:cNvGrpSpPr/>
+            <p:nvPr/>
+          </p:nvGrpSpPr>
+          <p:grpSpPr>
+            <a:xfrm>
+              <a:off x="-157894" y="656394"/>
+              <a:ext cx="10569470" cy="6327748"/>
+              <a:chOff x="-6389618" y="626305"/>
+              <a:chExt cx="12852605" cy="7912855"/>
+            </a:xfrm>
+          </p:grpSpPr>
+          <p:pic>
+            <p:nvPicPr>
+              <p:cNvPr id="14" name="図 13">
+                <a:extLst>
+                  <a:ext uri="{FF2B5EF4-FFF2-40B4-BE49-F238E27FC236}">
+                    <a16:creationId xmlns:a16="http://schemas.microsoft.com/office/drawing/2014/main" id="{9C50D936-B34A-47CA-ACBA-D863297098D8}"/>
+                  </a:ext>
+                </a:extLst>
+              </p:cNvPr>
+              <p:cNvPicPr>
+                <a:picLocks noChangeAspect="1"/>
+              </p:cNvPicPr>
+              <p:nvPr/>
+            </p:nvPicPr>
+            <p:blipFill>
+              <a:blip r:embed="rId2">
+                <a:extLst>
+                  <a:ext uri="{28A0092B-C50C-407E-A947-70E740481C1C}">
+                    <a14:useLocalDpi xmlns:a14="http://schemas.microsoft.com/office/drawing/2010/main" val="0"/>
+                  </a:ext>
+                </a:extLst>
+              </a:blip>
+              <a:stretch>
+                <a:fillRect/>
+              </a:stretch>
+            </p:blipFill>
+            <p:spPr>
+              <a:xfrm>
+                <a:off x="5396210" y="685095"/>
+                <a:ext cx="1066777" cy="1352252"/>
+              </a:xfrm>
+              <a:prstGeom prst="rect">
+                <a:avLst/>
+              </a:prstGeom>
+              <a:solidFill>
+                <a:srgbClr val="FFFFFF">
+                  <a:shade val="85000"/>
+                </a:srgbClr>
+              </a:solidFill>
+              <a:ln w="190500" cap="sq">
+                <a:solidFill>
+                  <a:srgbClr val="FFFFFF"/>
+                </a:solidFill>
+                <a:miter lim="800000"/>
+              </a:ln>
+              <a:effectLst>
+                <a:outerShdw blurRad="65000" dist="50800" dir="12900000" kx="195000" ky="145000" algn="tl" rotWithShape="0">
+                  <a:srgbClr val="000000">
+                    <a:alpha val="30000"/>
+                  </a:srgbClr>
+                </a:outerShdw>
+              </a:effectLst>
+              <a:scene3d>
+                <a:camera prst="orthographicFront">
+                  <a:rot lat="0" lon="0" rev="360000"/>
+                </a:camera>
+                <a:lightRig rig="twoPt" dir="t">
+                  <a:rot lat="0" lon="0" rev="7200000"/>
+                </a:lightRig>
+              </a:scene3d>
+              <a:sp3d contourW="12700">
+                <a:bevelT w="25400" h="19050"/>
+                <a:contourClr>
+                  <a:srgbClr val="969696"/>
+                </a:contourClr>
+              </a:sp3d>
+            </p:spPr>
+          </p:pic>
+          <p:sp>
+            <p:nvSpPr>
+              <p:cNvPr id="6" name="テキスト ボックス 5">
+                <a:extLst>
+                  <a:ext uri="{FF2B5EF4-FFF2-40B4-BE49-F238E27FC236}">
+                    <a16:creationId xmlns:a16="http://schemas.microsoft.com/office/drawing/2014/main" id="{0D44E8CB-6B70-4609-863F-4EEF9CC22935}"/>
+                  </a:ext>
+                </a:extLst>
+              </p:cNvPr>
+              <p:cNvSpPr txBox="1"/>
+              <p:nvPr/>
+            </p:nvSpPr>
+            <p:spPr>
+              <a:xfrm>
+                <a:off x="499544" y="626305"/>
+                <a:ext cx="1531763" cy="544083"/>
+              </a:xfrm>
+              <a:prstGeom prst="rect">
+                <a:avLst/>
+              </a:prstGeom>
+              <a:noFill/>
+            </p:spPr>
+            <p:txBody>
+              <a:bodyPr wrap="square" rtlCol="0">
+                <a:spAutoFit/>
+              </a:bodyPr>
+              <a:lstStyle/>
+              <a:p>
+                <a:pPr algn="ctr"/>
+                <a:r>
+                  <a:rPr kumimoji="1" lang="en-US" altLang="ja-JP" sz="1100" dirty="0"/>
+                  <a:t>A</a:t>
+                </a:r>
+                <a:r>
+                  <a:rPr kumimoji="1" lang="ja-JP" altLang="en-US" sz="1100" dirty="0"/>
+                  <a:t>さん</a:t>
+                </a:r>
+              </a:p>
+            </p:txBody>
+          </p:sp>
+          <p:sp>
+            <p:nvSpPr>
+              <p:cNvPr id="7" name="テキスト ボックス 6">
+                <a:extLst>
+                  <a:ext uri="{FF2B5EF4-FFF2-40B4-BE49-F238E27FC236}">
+                    <a16:creationId xmlns:a16="http://schemas.microsoft.com/office/drawing/2014/main" id="{CC673390-E490-4742-86DE-04788638CAC9}"/>
+                  </a:ext>
+                </a:extLst>
+              </p:cNvPr>
+              <p:cNvSpPr txBox="1"/>
+              <p:nvPr/>
+            </p:nvSpPr>
+            <p:spPr>
+              <a:xfrm>
+                <a:off x="4046201" y="626307"/>
+                <a:ext cx="1256193" cy="544083"/>
+              </a:xfrm>
+              <a:prstGeom prst="rect">
+                <a:avLst/>
+              </a:prstGeom>
+              <a:noFill/>
+            </p:spPr>
+            <p:txBody>
+              <a:bodyPr wrap="square" rtlCol="0">
+                <a:spAutoFit/>
+              </a:bodyPr>
+              <a:lstStyle/>
+              <a:p>
+                <a:pPr algn="ctr"/>
+                <a:r>
+                  <a:rPr lang="en-US" altLang="ja-JP" sz="1100" dirty="0"/>
+                  <a:t>B</a:t>
+                </a:r>
+                <a:r>
+                  <a:rPr kumimoji="1" lang="ja-JP" altLang="en-US" sz="1100" dirty="0"/>
+                  <a:t>さん</a:t>
+                </a:r>
+              </a:p>
+            </p:txBody>
+          </p:sp>
+          <p:pic>
+            <p:nvPicPr>
+              <p:cNvPr id="11" name="図 10">
+                <a:extLst>
+                  <a:ext uri="{FF2B5EF4-FFF2-40B4-BE49-F238E27FC236}">
+                    <a16:creationId xmlns:a16="http://schemas.microsoft.com/office/drawing/2014/main" id="{75E289D8-C7F0-434B-ABDA-EA9A19F90490}"/>
+                  </a:ext>
+                </a:extLst>
+              </p:cNvPr>
+              <p:cNvPicPr>
+                <a:picLocks noChangeAspect="1"/>
+              </p:cNvPicPr>
+              <p:nvPr/>
+            </p:nvPicPr>
+            <p:blipFill>
+              <a:blip r:embed="rId3">
+                <a:extLst>
+                  <a:ext uri="{28A0092B-C50C-407E-A947-70E740481C1C}">
+                    <a14:useLocalDpi xmlns:a14="http://schemas.microsoft.com/office/drawing/2010/main" val="0"/>
+                  </a:ext>
+                </a:extLst>
+              </a:blip>
+              <a:stretch>
+                <a:fillRect/>
+              </a:stretch>
+            </p:blipFill>
+            <p:spPr>
+              <a:xfrm>
+                <a:off x="274074" y="1171000"/>
+                <a:ext cx="2943225" cy="3810000"/>
+              </a:xfrm>
+              <a:prstGeom prst="rect">
+                <a:avLst/>
+              </a:prstGeom>
+            </p:spPr>
+          </p:pic>
+          <p:grpSp>
+            <p:nvGrpSpPr>
+              <p:cNvPr id="15" name="グループ化 14">
+                <a:extLst>
+                  <a:ext uri="{FF2B5EF4-FFF2-40B4-BE49-F238E27FC236}">
+                    <a16:creationId xmlns:a16="http://schemas.microsoft.com/office/drawing/2014/main" id="{4CF06BBE-8A4E-462F-B3EF-89185EDBA517}"/>
+                  </a:ext>
+                </a:extLst>
+              </p:cNvPr>
+              <p:cNvGrpSpPr/>
+              <p:nvPr/>
+            </p:nvGrpSpPr>
+            <p:grpSpPr>
+              <a:xfrm rot="10800000">
+                <a:off x="-6389618" y="785747"/>
+                <a:ext cx="11136072" cy="7753413"/>
+                <a:chOff x="1119906" y="-1629151"/>
+                <a:chExt cx="11136072" cy="7753413"/>
+              </a:xfrm>
+            </p:grpSpPr>
+            <p:sp>
+              <p:nvSpPr>
+                <p:cNvPr id="16" name="矢印: 右 15">
+                  <a:extLst>
+                    <a:ext uri="{FF2B5EF4-FFF2-40B4-BE49-F238E27FC236}">
+                      <a16:creationId xmlns:a16="http://schemas.microsoft.com/office/drawing/2014/main" id="{E2792351-FB73-4C80-8797-43D6DB97DBA3}"/>
+                    </a:ext>
+                  </a:extLst>
+                </p:cNvPr>
+                <p:cNvSpPr/>
+                <p:nvPr/>
+              </p:nvSpPr>
+              <p:spPr>
+                <a:xfrm>
+                  <a:off x="2111872" y="4379015"/>
+                  <a:ext cx="1753646" cy="933373"/>
+                </a:xfrm>
+                <a:prstGeom prst="rightArrow">
+                  <a:avLst/>
+                </a:prstGeom>
+              </p:spPr>
+              <p:style>
+                <a:lnRef idx="2">
+                  <a:schemeClr val="accent4"/>
+                </a:lnRef>
+                <a:fillRef idx="1">
+                  <a:schemeClr val="lt1"/>
+                </a:fillRef>
+                <a:effectRef idx="0">
+                  <a:schemeClr val="accent4"/>
+                </a:effectRef>
+                <a:fontRef idx="minor">
+                  <a:schemeClr val="dk1"/>
+                </a:fontRef>
+              </p:style>
+              <p:txBody>
+                <a:bodyPr rtlCol="0" anchor="ctr"/>
+                <a:lstStyle/>
+                <a:p>
+                  <a:pPr algn="ctr"/>
+                  <a:endParaRPr kumimoji="1" lang="ja-JP" altLang="en-US" dirty="0"/>
+                </a:p>
+              </p:txBody>
+            </p:sp>
+            <p:sp>
+              <p:nvSpPr>
+                <p:cNvPr id="17" name="テキスト ボックス 16">
+                  <a:extLst>
+                    <a:ext uri="{FF2B5EF4-FFF2-40B4-BE49-F238E27FC236}">
+                      <a16:creationId xmlns:a16="http://schemas.microsoft.com/office/drawing/2014/main" id="{2D1A34A4-0EC7-4AEF-8A5F-FDB3E80BEA1B}"/>
+                    </a:ext>
+                  </a:extLst>
+                </p:cNvPr>
+                <p:cNvSpPr txBox="1"/>
+                <p:nvPr/>
+              </p:nvSpPr>
+              <p:spPr>
+                <a:xfrm rot="10800000">
+                  <a:off x="1896318" y="4492010"/>
+                  <a:ext cx="2100787" cy="544083"/>
+                </a:xfrm>
+                <a:prstGeom prst="rect">
+                  <a:avLst/>
+                </a:prstGeom>
+                <a:noFill/>
+              </p:spPr>
+              <p:txBody>
+                <a:bodyPr wrap="square" rtlCol="0">
+                  <a:spAutoFit/>
+                </a:bodyPr>
+                <a:lstStyle/>
+                <a:p>
+                  <a:pPr algn="ctr"/>
+                  <a:r>
+                    <a:rPr kumimoji="1" lang="en-US" altLang="ja-JP" sz="1100" dirty="0"/>
+                    <a:t>10</a:t>
+                  </a:r>
+                  <a:r>
+                    <a:rPr kumimoji="1" lang="ja-JP" altLang="en-US" sz="1100" dirty="0"/>
+                    <a:t>万 </a:t>
+                  </a:r>
+                  <a:r>
+                    <a:rPr kumimoji="1" lang="en-US" altLang="ja-JP" sz="1100" dirty="0"/>
+                    <a:t>1</a:t>
+                  </a:r>
+                  <a:r>
+                    <a:rPr kumimoji="1" lang="ja-JP" altLang="en-US" sz="1100" dirty="0"/>
+                    <a:t>年</a:t>
+                  </a:r>
+                  <a:r>
+                    <a:rPr lang="ja-JP" altLang="en-US" sz="1100" dirty="0"/>
+                    <a:t>目</a:t>
+                  </a:r>
+                  <a:endParaRPr kumimoji="1" lang="ja-JP" altLang="en-US" sz="1100" dirty="0"/>
+                </a:p>
+              </p:txBody>
+            </p:sp>
+            <p:sp>
+              <p:nvSpPr>
+                <p:cNvPr id="21" name="テキスト ボックス 20">
+                  <a:extLst>
+                    <a:ext uri="{FF2B5EF4-FFF2-40B4-BE49-F238E27FC236}">
+                      <a16:creationId xmlns:a16="http://schemas.microsoft.com/office/drawing/2014/main" id="{F7EAA594-77BD-4E37-A4B5-3739DF12DFCF}"/>
+                    </a:ext>
+                  </a:extLst>
+                </p:cNvPr>
+                <p:cNvSpPr txBox="1"/>
+                <p:nvPr/>
+              </p:nvSpPr>
+              <p:spPr>
+                <a:xfrm rot="10800000">
+                  <a:off x="7603196" y="343773"/>
+                  <a:ext cx="2100788" cy="896137"/>
+                </a:xfrm>
+                <a:prstGeom prst="rect">
+                  <a:avLst/>
+                </a:prstGeom>
+                <a:noFill/>
+              </p:spPr>
+              <p:txBody>
+                <a:bodyPr wrap="square" rtlCol="0">
+                  <a:spAutoFit/>
+                </a:bodyPr>
+                <a:lstStyle/>
+                <a:p>
+                  <a:pPr algn="ctr"/>
+                  <a:r>
+                    <a:rPr kumimoji="1" lang="en-US" altLang="ja-JP" sz="1100" dirty="0"/>
+                    <a:t>10</a:t>
+                  </a:r>
+                  <a:r>
+                    <a:rPr kumimoji="1" lang="ja-JP" altLang="en-US" sz="1100" dirty="0"/>
+                    <a:t>万</a:t>
+                  </a:r>
+                  <a:r>
+                    <a:rPr kumimoji="1" lang="en-US" altLang="ja-JP" sz="1100" dirty="0"/>
+                    <a:t>/</a:t>
+                  </a:r>
+                  <a:r>
+                    <a:rPr kumimoji="1" lang="ja-JP" altLang="en-US" sz="1100" dirty="0"/>
+                    <a:t>年 残り</a:t>
+                  </a:r>
+                  <a:r>
+                    <a:rPr kumimoji="1" lang="en-US" altLang="ja-JP" sz="1100" dirty="0"/>
+                    <a:t>4</a:t>
+                  </a:r>
+                  <a:r>
+                    <a:rPr kumimoji="1" lang="ja-JP" altLang="en-US" sz="1100" dirty="0"/>
+                    <a:t>年</a:t>
+                  </a:r>
+                </a:p>
+              </p:txBody>
+            </p:sp>
+            <p:sp>
+              <p:nvSpPr>
+                <p:cNvPr id="35" name="テキスト ボックス 34">
+                  <a:extLst>
+                    <a:ext uri="{FF2B5EF4-FFF2-40B4-BE49-F238E27FC236}">
+                      <a16:creationId xmlns:a16="http://schemas.microsoft.com/office/drawing/2014/main" id="{AAC5A9F3-C694-4120-BA4C-26412E95FEB8}"/>
+                    </a:ext>
+                  </a:extLst>
+                </p:cNvPr>
+                <p:cNvSpPr txBox="1"/>
+                <p:nvPr/>
+              </p:nvSpPr>
+              <p:spPr>
+                <a:xfrm rot="10800000">
+                  <a:off x="1119906" y="340716"/>
+                  <a:ext cx="5389044" cy="896137"/>
+                </a:xfrm>
+                <a:prstGeom prst="rect">
+                  <a:avLst/>
+                </a:prstGeom>
+                <a:noFill/>
+              </p:spPr>
+              <p:txBody>
+                <a:bodyPr wrap="square" rtlCol="0">
+                  <a:spAutoFit/>
+                </a:bodyPr>
+                <a:lstStyle/>
+                <a:p>
+                  <a:pPr algn="ctr"/>
+                  <a:r>
+                    <a:rPr lang="en-US" altLang="ja-JP" sz="1100" dirty="0"/>
+                    <a:t>2</a:t>
+                  </a:r>
+                  <a:r>
+                    <a:rPr kumimoji="1" lang="ja-JP" altLang="en-US" sz="1100" dirty="0"/>
+                    <a:t>年</a:t>
+                  </a:r>
+                  <a:r>
+                    <a:rPr lang="ja-JP" altLang="en-US" sz="1100" dirty="0"/>
+                    <a:t>目以降は証券を持っている</a:t>
+                  </a:r>
+                  <a:r>
+                    <a:rPr lang="en-US" altLang="ja-JP" sz="1100" dirty="0"/>
+                    <a:t>C</a:t>
+                  </a:r>
+                  <a:r>
+                    <a:rPr lang="ja-JP" altLang="en-US" sz="1100" dirty="0" err="1"/>
+                    <a:t>さんに</a:t>
+                  </a:r>
+                  <a:r>
+                    <a:rPr lang="ja-JP" altLang="en-US" sz="1100" dirty="0"/>
+                    <a:t>支払い</a:t>
+                  </a:r>
+                  <a:endParaRPr kumimoji="1" lang="ja-JP" altLang="en-US" sz="1100" dirty="0"/>
+                </a:p>
+              </p:txBody>
+            </p:sp>
+            <p:sp>
+              <p:nvSpPr>
+                <p:cNvPr id="54" name="テキスト ボックス 53">
+                  <a:extLst>
+                    <a:ext uri="{FF2B5EF4-FFF2-40B4-BE49-F238E27FC236}">
+                      <a16:creationId xmlns:a16="http://schemas.microsoft.com/office/drawing/2014/main" id="{1E8C1B54-7515-4488-AFE6-53F358F57536}"/>
+                    </a:ext>
+                  </a:extLst>
+                </p:cNvPr>
+                <p:cNvSpPr txBox="1"/>
+                <p:nvPr/>
+              </p:nvSpPr>
+              <p:spPr>
+                <a:xfrm rot="10800000">
+                  <a:off x="4995607" y="-1629151"/>
+                  <a:ext cx="3464455" cy="1536237"/>
+                </a:xfrm>
+                <a:prstGeom prst="rect">
+                  <a:avLst/>
+                </a:prstGeom>
+                <a:noFill/>
+                <a:ln>
+                  <a:solidFill>
+                    <a:srgbClr val="FF0000"/>
+                  </a:solidFill>
+                </a:ln>
+              </p:spPr>
+              <p:txBody>
+                <a:bodyPr wrap="square" rtlCol="0">
+                  <a:spAutoFit/>
+                </a:bodyPr>
+                <a:lstStyle/>
+                <a:p>
+                  <a:pPr algn="ctr"/>
+                  <a:r>
+                    <a:rPr kumimoji="1" lang="en-US" altLang="ja-JP" sz="1400" dirty="0"/>
+                    <a:t>C</a:t>
+                  </a:r>
+                  <a:r>
+                    <a:rPr kumimoji="1" lang="ja-JP" altLang="en-US" sz="1400" dirty="0" err="1"/>
+                    <a:t>さん</a:t>
+                  </a:r>
+                  <a:r>
+                    <a:rPr kumimoji="1" lang="ja-JP" altLang="en-US" sz="1400" dirty="0"/>
+                    <a:t>が</a:t>
+                  </a:r>
+                  <a:r>
+                    <a:rPr kumimoji="1" lang="en-US" altLang="ja-JP" sz="1400" b="1" dirty="0"/>
+                    <a:t>CDS</a:t>
+                  </a:r>
+                  <a:r>
+                    <a:rPr kumimoji="1" lang="ja-JP" altLang="en-US" sz="1400" b="1" dirty="0"/>
+                    <a:t>化</a:t>
+                  </a:r>
+                  <a:br>
+                    <a:rPr kumimoji="1" lang="en-US" altLang="ja-JP" sz="1400" dirty="0"/>
+                  </a:br>
+                  <a:r>
+                    <a:rPr kumimoji="1" lang="en-US" altLang="ja-JP" sz="1400" b="1" dirty="0"/>
+                    <a:t>4</a:t>
+                  </a:r>
+                  <a:r>
+                    <a:rPr kumimoji="1" lang="ja-JP" altLang="en-US" sz="1400" b="1" dirty="0"/>
+                    <a:t>万円で</a:t>
+                  </a:r>
+                  <a:r>
+                    <a:rPr kumimoji="1" lang="en-US" altLang="ja-JP" sz="1400" b="1" dirty="0"/>
+                    <a:t>6</a:t>
+                  </a:r>
+                  <a:r>
+                    <a:rPr kumimoji="1" lang="ja-JP" altLang="en-US" sz="1400" b="1" dirty="0"/>
+                    <a:t>個販売</a:t>
+                  </a:r>
+                  <a:endParaRPr kumimoji="1" lang="en-US" altLang="ja-JP" sz="1400" b="1" dirty="0"/>
+                </a:p>
+                <a:p>
+                  <a:pPr algn="ctr"/>
+                  <a:r>
+                    <a:rPr lang="en-US" altLang="ja-JP" sz="1400" b="1" dirty="0"/>
+                    <a:t>24</a:t>
+                  </a:r>
+                  <a:r>
+                    <a:rPr lang="ja-JP" altLang="en-US" sz="1400" b="1" dirty="0"/>
+                    <a:t>万の収益</a:t>
+                  </a:r>
+                  <a:endParaRPr kumimoji="1" lang="ja-JP" altLang="en-US" sz="1400" b="1" dirty="0"/>
+                </a:p>
+              </p:txBody>
+            </p:sp>
+            <p:sp>
+              <p:nvSpPr>
+                <p:cNvPr id="41" name="テキスト ボックス 40">
+                  <a:extLst>
+                    <a:ext uri="{FF2B5EF4-FFF2-40B4-BE49-F238E27FC236}">
+                      <a16:creationId xmlns:a16="http://schemas.microsoft.com/office/drawing/2014/main" id="{207FF821-635A-4B70-B0B7-4E4124FAF466}"/>
+                    </a:ext>
+                  </a:extLst>
+                </p:cNvPr>
+                <p:cNvSpPr txBox="1"/>
+                <p:nvPr/>
+              </p:nvSpPr>
+              <p:spPr>
+                <a:xfrm rot="10800000">
+                  <a:off x="9363048" y="5036095"/>
+                  <a:ext cx="2892930" cy="1088167"/>
+                </a:xfrm>
+                <a:prstGeom prst="rect">
+                  <a:avLst/>
+                </a:prstGeom>
+                <a:noFill/>
+                <a:ln>
+                  <a:solidFill>
+                    <a:srgbClr val="FF0000"/>
+                  </a:solidFill>
+                </a:ln>
+              </p:spPr>
+              <p:txBody>
+                <a:bodyPr wrap="square" rtlCol="0">
+                  <a:spAutoFit/>
+                </a:bodyPr>
+                <a:lstStyle/>
+                <a:p>
+                  <a:pPr algn="ctr"/>
+                  <a:r>
+                    <a:rPr kumimoji="1" lang="en-US" altLang="ja-JP" sz="1400" b="1" dirty="0"/>
+                    <a:t>B</a:t>
+                  </a:r>
+                  <a:r>
+                    <a:rPr kumimoji="1" lang="ja-JP" altLang="en-US" sz="1400" b="1" dirty="0" err="1"/>
+                    <a:t>さんの</a:t>
+                  </a:r>
+                  <a:r>
+                    <a:rPr kumimoji="1" lang="ja-JP" altLang="en-US" sz="1400" b="1" dirty="0"/>
+                    <a:t>返済分</a:t>
+                  </a:r>
+                  <a:endParaRPr kumimoji="1" lang="en-US" altLang="ja-JP" sz="1400" b="1" dirty="0"/>
+                </a:p>
+                <a:p>
+                  <a:pPr algn="ctr"/>
+                  <a:r>
+                    <a:rPr lang="en-US" altLang="ja-JP" sz="1400" b="1" dirty="0"/>
+                    <a:t>50</a:t>
+                  </a:r>
+                  <a:r>
+                    <a:rPr lang="ja-JP" altLang="en-US" sz="1400" b="1" dirty="0"/>
+                    <a:t>万</a:t>
+                  </a:r>
+                  <a:endParaRPr kumimoji="1" lang="ja-JP" altLang="en-US" sz="1400" b="1" dirty="0"/>
+                </a:p>
+              </p:txBody>
+            </p:sp>
+          </p:grpSp>
+          <p:sp>
+            <p:nvSpPr>
+              <p:cNvPr id="24" name="テキスト ボックス 23">
+                <a:extLst>
+                  <a:ext uri="{FF2B5EF4-FFF2-40B4-BE49-F238E27FC236}">
+                    <a16:creationId xmlns:a16="http://schemas.microsoft.com/office/drawing/2014/main" id="{7A8574B1-0FCC-458B-B52C-2F6820C3476D}"/>
+                  </a:ext>
+                </a:extLst>
+              </p:cNvPr>
+              <p:cNvSpPr txBox="1"/>
+              <p:nvPr/>
+            </p:nvSpPr>
+            <p:spPr>
+              <a:xfrm>
+                <a:off x="-4106488" y="1025578"/>
+                <a:ext cx="1531763" cy="544083"/>
+              </a:xfrm>
+              <a:prstGeom prst="rect">
+                <a:avLst/>
+              </a:prstGeom>
+              <a:noFill/>
+            </p:spPr>
+            <p:txBody>
+              <a:bodyPr wrap="square" rtlCol="0">
+                <a:spAutoFit/>
+              </a:bodyPr>
+              <a:lstStyle/>
+              <a:p>
+                <a:pPr algn="ctr"/>
+                <a:r>
+                  <a:rPr lang="en-US" altLang="ja-JP" sz="1100" dirty="0"/>
+                  <a:t>C</a:t>
+                </a:r>
+                <a:r>
+                  <a:rPr kumimoji="1" lang="ja-JP" altLang="en-US" sz="1100" dirty="0"/>
+                  <a:t>さん</a:t>
+                </a:r>
+              </a:p>
+            </p:txBody>
+          </p:sp>
+        </p:grpSp>
+        <p:pic>
+          <p:nvPicPr>
+            <p:cNvPr id="20" name="図 19">
+              <a:extLst>
+                <a:ext uri="{FF2B5EF4-FFF2-40B4-BE49-F238E27FC236}">
+                  <a16:creationId xmlns:a16="http://schemas.microsoft.com/office/drawing/2014/main" id="{8815718B-804B-45CC-A2C5-700EBDCFD92F}"/>
+                </a:ext>
+              </a:extLst>
+            </p:cNvPr>
+            <p:cNvPicPr>
+              <a:picLocks noChangeAspect="1"/>
+            </p:cNvPicPr>
+            <p:nvPr/>
+          </p:nvPicPr>
+          <p:blipFill>
+            <a:blip r:embed="rId4">
+              <a:extLst>
+                <a:ext uri="{28A0092B-C50C-407E-A947-70E740481C1C}">
+                  <a14:useLocalDpi xmlns:a14="http://schemas.microsoft.com/office/drawing/2010/main" val="0"/>
+                </a:ext>
+              </a:extLst>
+            </a:blip>
+            <a:stretch>
+              <a:fillRect/>
+            </a:stretch>
+          </p:blipFill>
+          <p:spPr>
+            <a:xfrm>
+              <a:off x="1246127" y="4269386"/>
+              <a:ext cx="975009" cy="1054063"/>
+            </a:xfrm>
+            <a:prstGeom prst="rect">
+              <a:avLst/>
+            </a:prstGeom>
+          </p:spPr>
+        </p:pic>
+        <p:pic>
+          <p:nvPicPr>
+            <p:cNvPr id="23" name="図 22">
+              <a:extLst>
+                <a:ext uri="{FF2B5EF4-FFF2-40B4-BE49-F238E27FC236}">
+                  <a16:creationId xmlns:a16="http://schemas.microsoft.com/office/drawing/2014/main" id="{B7AC4561-68E6-4D40-BAB6-9E1974692C32}"/>
+                </a:ext>
+              </a:extLst>
+            </p:cNvPr>
+            <p:cNvPicPr>
+              <a:picLocks noChangeAspect="1"/>
+            </p:cNvPicPr>
+            <p:nvPr/>
+          </p:nvPicPr>
+          <p:blipFill>
+            <a:blip r:embed="rId5">
+              <a:extLst>
+                <a:ext uri="{28A0092B-C50C-407E-A947-70E740481C1C}">
+                  <a14:useLocalDpi xmlns:a14="http://schemas.microsoft.com/office/drawing/2010/main" val="0"/>
+                </a:ext>
+              </a:extLst>
+            </a:blip>
+            <a:stretch>
+              <a:fillRect/>
+            </a:stretch>
+          </p:blipFill>
+          <p:spPr>
+            <a:xfrm>
+              <a:off x="1313740" y="1553343"/>
+              <a:ext cx="2071509" cy="2401750"/>
+            </a:xfrm>
+            <a:prstGeom prst="rect">
+              <a:avLst/>
+            </a:prstGeom>
+          </p:spPr>
+        </p:pic>
+        <p:grpSp>
+          <p:nvGrpSpPr>
+            <p:cNvPr id="30" name="グループ化 29">
+              <a:extLst>
+                <a:ext uri="{FF2B5EF4-FFF2-40B4-BE49-F238E27FC236}">
+                  <a16:creationId xmlns:a16="http://schemas.microsoft.com/office/drawing/2014/main" id="{7D941C72-9CB6-4492-ADE0-518303FC06F3}"/>
+                </a:ext>
+              </a:extLst>
+            </p:cNvPr>
+            <p:cNvGrpSpPr/>
+            <p:nvPr/>
+          </p:nvGrpSpPr>
+          <p:grpSpPr>
+            <a:xfrm>
+              <a:off x="3521078" y="1654082"/>
+              <a:ext cx="1783208" cy="1774124"/>
+              <a:chOff x="3610748" y="2476555"/>
+              <a:chExt cx="1783208" cy="1774124"/>
+            </a:xfrm>
+          </p:grpSpPr>
+          <p:sp>
+            <p:nvSpPr>
+              <p:cNvPr id="28" name="矢印: 右 27">
+                <a:extLst>
+                  <a:ext uri="{FF2B5EF4-FFF2-40B4-BE49-F238E27FC236}">
+                    <a16:creationId xmlns:a16="http://schemas.microsoft.com/office/drawing/2014/main" id="{05E49AE7-5C8A-4F25-8D26-99F4A5421E54}"/>
+                  </a:ext>
+                </a:extLst>
+              </p:cNvPr>
+              <p:cNvSpPr/>
+              <p:nvPr/>
+            </p:nvSpPr>
+            <p:spPr>
+              <a:xfrm rot="10800000">
+                <a:off x="3610748" y="2476555"/>
+                <a:ext cx="1611885" cy="961373"/>
+              </a:xfrm>
+              <a:prstGeom prst="rightArrow">
+                <a:avLst/>
+              </a:prstGeom>
+            </p:spPr>
+            <p:style>
+              <a:lnRef idx="2">
+                <a:schemeClr val="accent1"/>
+              </a:lnRef>
+              <a:fillRef idx="1">
+                <a:schemeClr val="lt1"/>
+              </a:fillRef>
+              <a:effectRef idx="0">
+                <a:schemeClr val="accent1"/>
+              </a:effectRef>
+              <a:fontRef idx="minor">
+                <a:schemeClr val="dk1"/>
+              </a:fontRef>
+            </p:style>
+            <p:txBody>
+              <a:bodyPr rtlCol="0" anchor="ctr"/>
+              <a:lstStyle/>
+              <a:p>
+                <a:pPr algn="ctr"/>
+                <a:endParaRPr kumimoji="1" lang="ja-JP" altLang="en-US" sz="1100"/>
+              </a:p>
+            </p:txBody>
+          </p:sp>
+          <p:sp>
+            <p:nvSpPr>
+              <p:cNvPr id="29" name="テキスト ボックス 28">
+                <a:extLst>
+                  <a:ext uri="{FF2B5EF4-FFF2-40B4-BE49-F238E27FC236}">
+                    <a16:creationId xmlns:a16="http://schemas.microsoft.com/office/drawing/2014/main" id="{8D7B4D3B-A14A-4192-87F0-9E64624EE3F4}"/>
+                  </a:ext>
+                </a:extLst>
+              </p:cNvPr>
+              <p:cNvSpPr txBox="1"/>
+              <p:nvPr/>
+            </p:nvSpPr>
+            <p:spPr>
+              <a:xfrm>
+                <a:off x="3630024" y="2787243"/>
+                <a:ext cx="1727604" cy="435092"/>
+              </a:xfrm>
+              <a:prstGeom prst="rect">
+                <a:avLst/>
+              </a:prstGeom>
+              <a:noFill/>
+            </p:spPr>
+            <p:txBody>
+              <a:bodyPr wrap="square" rtlCol="0">
+                <a:spAutoFit/>
+              </a:bodyPr>
+              <a:lstStyle/>
+              <a:p>
+                <a:pPr algn="ctr"/>
+                <a:r>
+                  <a:rPr kumimoji="1" lang="ja-JP" altLang="en-US" sz="1100" dirty="0"/>
+                  <a:t>証券を売却</a:t>
+                </a:r>
+              </a:p>
+            </p:txBody>
+          </p:sp>
+          <p:sp>
+            <p:nvSpPr>
+              <p:cNvPr id="32" name="テキスト ボックス 31">
+                <a:extLst>
+                  <a:ext uri="{FF2B5EF4-FFF2-40B4-BE49-F238E27FC236}">
+                    <a16:creationId xmlns:a16="http://schemas.microsoft.com/office/drawing/2014/main" id="{2B708556-698A-4181-A315-CAA0A7A800BE}"/>
+                  </a:ext>
+                </a:extLst>
+              </p:cNvPr>
+              <p:cNvSpPr txBox="1"/>
+              <p:nvPr/>
+            </p:nvSpPr>
+            <p:spPr>
+              <a:xfrm>
+                <a:off x="3666352" y="3815587"/>
+                <a:ext cx="1727604" cy="435092"/>
+              </a:xfrm>
+              <a:prstGeom prst="rect">
+                <a:avLst/>
+              </a:prstGeom>
+              <a:noFill/>
+            </p:spPr>
+            <p:txBody>
+              <a:bodyPr wrap="square" rtlCol="0">
+                <a:spAutoFit/>
+              </a:bodyPr>
+              <a:lstStyle/>
+              <a:p>
+                <a:pPr algn="ctr"/>
+                <a:r>
+                  <a:rPr kumimoji="1" lang="en-US" altLang="ja-JP" sz="1100" dirty="0"/>
+                  <a:t>85</a:t>
+                </a:r>
+                <a:r>
+                  <a:rPr kumimoji="1" lang="ja-JP" altLang="en-US" sz="1100" dirty="0"/>
+                  <a:t>万で購入</a:t>
+                </a:r>
+              </a:p>
+            </p:txBody>
+          </p:sp>
+        </p:grpSp>
+        <p:cxnSp>
+          <p:nvCxnSpPr>
+            <p:cNvPr id="34" name="直線矢印コネクタ 33">
+              <a:extLst>
+                <a:ext uri="{FF2B5EF4-FFF2-40B4-BE49-F238E27FC236}">
+                  <a16:creationId xmlns:a16="http://schemas.microsoft.com/office/drawing/2014/main" id="{74B646E9-7610-41E3-A861-EFDED9C4AD52}"/>
+                </a:ext>
+              </a:extLst>
+            </p:cNvPr>
+            <p:cNvCxnSpPr>
+              <a:cxnSpLocks/>
+              <a:stCxn id="22" idx="2"/>
+              <a:endCxn id="25" idx="6"/>
+            </p:cNvCxnSpPr>
+            <p:nvPr/>
+          </p:nvCxnSpPr>
+          <p:spPr>
+            <a:xfrm flipH="1">
+              <a:off x="3865233" y="4187278"/>
+              <a:ext cx="5640179" cy="567647"/>
+            </a:xfrm>
+            <a:prstGeom prst="straightConnector1">
+              <a:avLst/>
+            </a:prstGeom>
+            <a:ln>
+              <a:tailEnd type="triangle"/>
+            </a:ln>
+          </p:spPr>
+          <p:style>
+            <a:lnRef idx="1">
+              <a:schemeClr val="accent1"/>
+            </a:lnRef>
+            <a:fillRef idx="0">
+              <a:schemeClr val="accent1"/>
+            </a:fillRef>
+            <a:effectRef idx="0">
+              <a:schemeClr val="accent1"/>
+            </a:effectRef>
+            <a:fontRef idx="minor">
+              <a:schemeClr val="tx1"/>
+            </a:fontRef>
+          </p:style>
+        </p:cxnSp>
+      </p:grpSp>
+      <p:grpSp>
+        <p:nvGrpSpPr>
+          <p:cNvPr id="4" name="グループ化 3">
+            <a:extLst>
+              <a:ext uri="{FF2B5EF4-FFF2-40B4-BE49-F238E27FC236}">
+                <a16:creationId xmlns:a16="http://schemas.microsoft.com/office/drawing/2014/main" id="{21D9CEBB-184C-4D70-ABD4-3DBC8251F193}"/>
+              </a:ext>
+            </a:extLst>
+          </p:cNvPr>
+          <p:cNvGrpSpPr/>
+          <p:nvPr/>
+        </p:nvGrpSpPr>
+        <p:grpSpPr>
+          <a:xfrm>
+            <a:off x="706299" y="4418735"/>
+            <a:ext cx="1791868" cy="1050457"/>
+            <a:chOff x="618147" y="3887299"/>
+            <a:chExt cx="1791868" cy="1050457"/>
+          </a:xfrm>
+        </p:grpSpPr>
+        <p:sp>
+          <p:nvSpPr>
+            <p:cNvPr id="3" name="四角形: 角を丸くする 2">
+              <a:extLst>
+                <a:ext uri="{FF2B5EF4-FFF2-40B4-BE49-F238E27FC236}">
+                  <a16:creationId xmlns:a16="http://schemas.microsoft.com/office/drawing/2014/main" id="{EF6E7043-E10A-4364-A40B-C7AB612B8B1A}"/>
+                </a:ext>
+              </a:extLst>
+            </p:cNvPr>
+            <p:cNvSpPr/>
+            <p:nvPr/>
+          </p:nvSpPr>
+          <p:spPr>
+            <a:xfrm>
+              <a:off x="618147" y="3899108"/>
+              <a:ext cx="1770212" cy="1038648"/>
+            </a:xfrm>
+            <a:prstGeom prst="roundRect">
+              <a:avLst/>
+            </a:prstGeom>
+          </p:spPr>
+          <p:style>
+            <a:lnRef idx="2">
+              <a:schemeClr val="accent2"/>
+            </a:lnRef>
+            <a:fillRef idx="1">
+              <a:schemeClr val="lt1"/>
+            </a:fillRef>
+            <a:effectRef idx="0">
+              <a:schemeClr val="accent2"/>
+            </a:effectRef>
+            <a:fontRef idx="minor">
+              <a:schemeClr val="dk1"/>
+            </a:fontRef>
+          </p:style>
+          <p:txBody>
+            <a:bodyPr rtlCol="0" anchor="ctr"/>
+            <a:lstStyle/>
+            <a:p>
+              <a:pPr algn="ctr"/>
+              <a:endParaRPr kumimoji="1" lang="ja-JP" altLang="en-US" dirty="0"/>
+            </a:p>
+          </p:txBody>
+        </p:sp>
+        <p:sp>
+          <p:nvSpPr>
+            <p:cNvPr id="27" name="テキスト ボックス 26">
+              <a:extLst>
+                <a:ext uri="{FF2B5EF4-FFF2-40B4-BE49-F238E27FC236}">
+                  <a16:creationId xmlns:a16="http://schemas.microsoft.com/office/drawing/2014/main" id="{CD5BAAC7-042E-47F3-A71E-82EA90879844}"/>
+                </a:ext>
+              </a:extLst>
+            </p:cNvPr>
+            <p:cNvSpPr txBox="1"/>
+            <p:nvPr/>
+          </p:nvSpPr>
+          <p:spPr>
+            <a:xfrm>
+              <a:off x="639803" y="4136462"/>
+              <a:ext cx="1770212" cy="738664"/>
+            </a:xfrm>
+            <a:prstGeom prst="rect">
+              <a:avLst/>
+            </a:prstGeom>
+            <a:noFill/>
+          </p:spPr>
+          <p:txBody>
+            <a:bodyPr wrap="square" rtlCol="0">
+              <a:spAutoFit/>
+            </a:bodyPr>
+            <a:lstStyle/>
+            <a:p>
+              <a:pPr algn="ctr"/>
+              <a:r>
+                <a:rPr lang="en-US" altLang="ja-JP" sz="1400" dirty="0"/>
+                <a:t>5000</a:t>
+              </a:r>
+              <a:r>
+                <a:rPr lang="ja-JP" altLang="en-US" sz="1400" dirty="0"/>
+                <a:t>円</a:t>
+              </a:r>
+              <a:r>
+                <a:rPr kumimoji="1" lang="en-US" altLang="ja-JP" sz="1400" dirty="0"/>
+                <a:t>/</a:t>
+              </a:r>
+              <a:r>
+                <a:rPr kumimoji="1" lang="ja-JP" altLang="en-US" sz="1400" dirty="0"/>
+                <a:t>年 残り</a:t>
+              </a:r>
+              <a:r>
+                <a:rPr kumimoji="1" lang="en-US" altLang="ja-JP" sz="1400" dirty="0"/>
+                <a:t>9</a:t>
+              </a:r>
+              <a:r>
+                <a:rPr kumimoji="1" lang="ja-JP" altLang="en-US" sz="1400" dirty="0"/>
+                <a:t>年</a:t>
+              </a:r>
+              <a:endParaRPr kumimoji="1" lang="en-US" altLang="ja-JP" sz="1400" dirty="0"/>
+            </a:p>
+            <a:p>
+              <a:pPr algn="ctr"/>
+              <a:r>
+                <a:rPr kumimoji="1" lang="ja-JP" altLang="en-US" sz="1400" dirty="0"/>
+                <a:t>破綻時</a:t>
+              </a:r>
+              <a:r>
+                <a:rPr kumimoji="1" lang="en-US" altLang="ja-JP" sz="1400" dirty="0"/>
+                <a:t>10%</a:t>
+              </a:r>
+              <a:r>
+                <a:rPr lang="ja-JP" altLang="en-US" sz="1400" dirty="0"/>
+                <a:t>の負担</a:t>
+              </a:r>
+              <a:endParaRPr kumimoji="1" lang="en-US" altLang="ja-JP" sz="1400" dirty="0"/>
+            </a:p>
+            <a:p>
+              <a:pPr algn="ctr"/>
+              <a:r>
+                <a:rPr lang="en-US" altLang="ja-JP" sz="1400" dirty="0"/>
+                <a:t>4</a:t>
+              </a:r>
+              <a:r>
+                <a:rPr lang="ja-JP" altLang="en-US" sz="1400" dirty="0"/>
+                <a:t>万円</a:t>
+              </a:r>
+              <a:endParaRPr kumimoji="1" lang="ja-JP" altLang="en-US" sz="1400" dirty="0"/>
+            </a:p>
+          </p:txBody>
+        </p:sp>
+        <p:sp>
+          <p:nvSpPr>
+            <p:cNvPr id="33" name="テキスト ボックス 32">
+              <a:extLst>
+                <a:ext uri="{FF2B5EF4-FFF2-40B4-BE49-F238E27FC236}">
+                  <a16:creationId xmlns:a16="http://schemas.microsoft.com/office/drawing/2014/main" id="{7C831E77-BA84-40C6-AC77-C3DCA8382E9B}"/>
+                </a:ext>
+              </a:extLst>
+            </p:cNvPr>
+            <p:cNvSpPr txBox="1"/>
+            <p:nvPr/>
+          </p:nvSpPr>
+          <p:spPr>
+            <a:xfrm>
+              <a:off x="628975" y="3887299"/>
+              <a:ext cx="1770212" cy="307777"/>
+            </a:xfrm>
+            <a:prstGeom prst="rect">
+              <a:avLst/>
+            </a:prstGeom>
+            <a:noFill/>
+          </p:spPr>
+          <p:txBody>
+            <a:bodyPr wrap="square" rtlCol="0">
+              <a:spAutoFit/>
+            </a:bodyPr>
+            <a:lstStyle/>
+            <a:p>
+              <a:pPr algn="ctr"/>
+              <a:r>
+                <a:rPr lang="en-US" altLang="ja-JP" sz="1400" b="1" dirty="0"/>
+                <a:t>CDS</a:t>
+              </a:r>
+              <a:endParaRPr kumimoji="1" lang="ja-JP" altLang="en-US" sz="1400" b="1" dirty="0"/>
+            </a:p>
+          </p:txBody>
+        </p:sp>
+      </p:grpSp>
+      <p:sp>
+        <p:nvSpPr>
+          <p:cNvPr id="5" name="矢印: 下 4">
+            <a:extLst>
+              <a:ext uri="{FF2B5EF4-FFF2-40B4-BE49-F238E27FC236}">
+                <a16:creationId xmlns:a16="http://schemas.microsoft.com/office/drawing/2014/main" id="{EF74BA99-A374-4C8D-B7A4-77D2ABCC16D5}"/>
+              </a:ext>
+            </a:extLst>
+          </p:cNvPr>
+          <p:cNvSpPr/>
+          <p:nvPr/>
+        </p:nvSpPr>
+        <p:spPr>
+          <a:xfrm>
+            <a:off x="1406379" y="3501342"/>
+            <a:ext cx="463467" cy="820609"/>
+          </a:xfrm>
+          <a:prstGeom prst="downArrow">
+            <a:avLst/>
+          </a:prstGeom>
+        </p:spPr>
+        <p:style>
+          <a:lnRef idx="0">
+            <a:schemeClr val="accent2"/>
+          </a:lnRef>
+          <a:fillRef idx="3">
+            <a:schemeClr val="accent2"/>
+          </a:fillRef>
+          <a:effectRef idx="3">
+            <a:schemeClr val="accent2"/>
+          </a:effectRef>
+          <a:fontRef idx="minor">
+            <a:schemeClr val="lt1"/>
+          </a:fontRef>
+        </p:style>
+        <p:txBody>
+          <a:bodyPr rtlCol="0" anchor="ctr"/>
+          <a:lstStyle/>
+          <a:p>
+            <a:pPr algn="ctr"/>
+            <a:endParaRPr kumimoji="1" lang="ja-JP" altLang="en-US"/>
+          </a:p>
+        </p:txBody>
+      </p:sp>
+      <p:pic>
+        <p:nvPicPr>
+          <p:cNvPr id="9" name="図 8">
+            <a:extLst>
+              <a:ext uri="{FF2B5EF4-FFF2-40B4-BE49-F238E27FC236}">
+                <a16:creationId xmlns:a16="http://schemas.microsoft.com/office/drawing/2014/main" id="{B46FA010-A9B2-4BE1-908D-CA04ED01F477}"/>
+              </a:ext>
+            </a:extLst>
+          </p:cNvPr>
+          <p:cNvPicPr>
+            <a:picLocks noChangeAspect="1"/>
+          </p:cNvPicPr>
+          <p:nvPr/>
+        </p:nvPicPr>
+        <p:blipFill>
+          <a:blip r:embed="rId6">
+            <a:extLst>
+              <a:ext uri="{28A0092B-C50C-407E-A947-70E740481C1C}">
+                <a14:useLocalDpi xmlns:a14="http://schemas.microsoft.com/office/drawing/2010/main" val="0"/>
+              </a:ext>
+            </a:extLst>
+          </a:blip>
+          <a:stretch>
+            <a:fillRect/>
+          </a:stretch>
+        </p:blipFill>
+        <p:spPr>
+          <a:xfrm>
+            <a:off x="4384635" y="3531949"/>
+            <a:ext cx="923925" cy="952500"/>
+          </a:xfrm>
+          <a:prstGeom prst="rect">
+            <a:avLst/>
+          </a:prstGeom>
+        </p:spPr>
+      </p:pic>
+      <p:pic>
+        <p:nvPicPr>
+          <p:cNvPr id="12" name="図 11">
+            <a:extLst>
+              <a:ext uri="{FF2B5EF4-FFF2-40B4-BE49-F238E27FC236}">
+                <a16:creationId xmlns:a16="http://schemas.microsoft.com/office/drawing/2014/main" id="{822F64F4-37DC-4DDE-AE66-D7F33DB2BDB9}"/>
+              </a:ext>
+            </a:extLst>
+          </p:cNvPr>
+          <p:cNvPicPr>
+            <a:picLocks noChangeAspect="1"/>
+          </p:cNvPicPr>
+          <p:nvPr/>
+        </p:nvPicPr>
+        <p:blipFill>
+          <a:blip r:embed="rId7">
+            <a:extLst>
+              <a:ext uri="{28A0092B-C50C-407E-A947-70E740481C1C}">
+                <a14:useLocalDpi xmlns:a14="http://schemas.microsoft.com/office/drawing/2010/main" val="0"/>
+              </a:ext>
+            </a:extLst>
+          </a:blip>
+          <a:stretch>
+            <a:fillRect/>
+          </a:stretch>
+        </p:blipFill>
+        <p:spPr>
+          <a:xfrm>
+            <a:off x="5698169" y="3471923"/>
+            <a:ext cx="1023786" cy="1055449"/>
+          </a:xfrm>
+          <a:prstGeom prst="rect">
+            <a:avLst/>
+          </a:prstGeom>
+        </p:spPr>
+      </p:pic>
+      <p:pic>
+        <p:nvPicPr>
+          <p:cNvPr id="19" name="図 18">
+            <a:extLst>
+              <a:ext uri="{FF2B5EF4-FFF2-40B4-BE49-F238E27FC236}">
+                <a16:creationId xmlns:a16="http://schemas.microsoft.com/office/drawing/2014/main" id="{8532A73F-682B-4C32-87F3-D06A9C4D4940}"/>
+              </a:ext>
+            </a:extLst>
+          </p:cNvPr>
+          <p:cNvPicPr>
+            <a:picLocks noChangeAspect="1"/>
+          </p:cNvPicPr>
+          <p:nvPr/>
+        </p:nvPicPr>
+        <p:blipFill>
+          <a:blip r:embed="rId8">
+            <a:extLst>
+              <a:ext uri="{28A0092B-C50C-407E-A947-70E740481C1C}">
+                <a14:useLocalDpi xmlns:a14="http://schemas.microsoft.com/office/drawing/2010/main" val="0"/>
+              </a:ext>
+            </a:extLst>
+          </a:blip>
+          <a:stretch>
+            <a:fillRect/>
+          </a:stretch>
+        </p:blipFill>
+        <p:spPr>
+          <a:xfrm>
+            <a:off x="4351884" y="4569839"/>
+            <a:ext cx="923926" cy="947616"/>
+          </a:xfrm>
+          <a:prstGeom prst="rect">
+            <a:avLst/>
+          </a:prstGeom>
+        </p:spPr>
+      </p:pic>
+      <p:pic>
+        <p:nvPicPr>
+          <p:cNvPr id="36" name="図 35">
+            <a:extLst>
+              <a:ext uri="{FF2B5EF4-FFF2-40B4-BE49-F238E27FC236}">
+                <a16:creationId xmlns:a16="http://schemas.microsoft.com/office/drawing/2014/main" id="{EE656381-4A4F-4B12-84B0-5786AD9D40C9}"/>
+              </a:ext>
+            </a:extLst>
+          </p:cNvPr>
+          <p:cNvPicPr>
+            <a:picLocks noChangeAspect="1"/>
+          </p:cNvPicPr>
+          <p:nvPr/>
+        </p:nvPicPr>
+        <p:blipFill>
+          <a:blip r:embed="rId9">
+            <a:extLst>
+              <a:ext uri="{28A0092B-C50C-407E-A947-70E740481C1C}">
+                <a14:useLocalDpi xmlns:a14="http://schemas.microsoft.com/office/drawing/2010/main" val="0"/>
+              </a:ext>
+            </a:extLst>
+          </a:blip>
+          <a:stretch>
+            <a:fillRect/>
+          </a:stretch>
+        </p:blipFill>
+        <p:spPr>
+          <a:xfrm>
+            <a:off x="5674815" y="4534067"/>
+            <a:ext cx="1023786" cy="1055449"/>
+          </a:xfrm>
+          <a:prstGeom prst="rect">
+            <a:avLst/>
+          </a:prstGeom>
+        </p:spPr>
+      </p:pic>
+      <p:pic>
+        <p:nvPicPr>
+          <p:cNvPr id="38" name="図 37">
+            <a:extLst>
+              <a:ext uri="{FF2B5EF4-FFF2-40B4-BE49-F238E27FC236}">
+                <a16:creationId xmlns:a16="http://schemas.microsoft.com/office/drawing/2014/main" id="{16AD39B7-C2D5-4345-BC2B-0B64FB471051}"/>
+              </a:ext>
+            </a:extLst>
+          </p:cNvPr>
+          <p:cNvPicPr>
+            <a:picLocks noChangeAspect="1"/>
+          </p:cNvPicPr>
+          <p:nvPr/>
+        </p:nvPicPr>
+        <p:blipFill>
+          <a:blip r:embed="rId10">
+            <a:extLst>
+              <a:ext uri="{28A0092B-C50C-407E-A947-70E740481C1C}">
+                <a14:useLocalDpi xmlns:a14="http://schemas.microsoft.com/office/drawing/2010/main" val="0"/>
+              </a:ext>
+            </a:extLst>
+          </a:blip>
+          <a:stretch>
+            <a:fillRect/>
+          </a:stretch>
+        </p:blipFill>
+        <p:spPr>
+          <a:xfrm>
+            <a:off x="4384635" y="5592424"/>
+            <a:ext cx="884046" cy="911388"/>
+          </a:xfrm>
+          <a:prstGeom prst="rect">
+            <a:avLst/>
+          </a:prstGeom>
+        </p:spPr>
+      </p:pic>
+      <p:pic>
+        <p:nvPicPr>
+          <p:cNvPr id="40" name="図 39">
+            <a:extLst>
+              <a:ext uri="{FF2B5EF4-FFF2-40B4-BE49-F238E27FC236}">
+                <a16:creationId xmlns:a16="http://schemas.microsoft.com/office/drawing/2014/main" id="{B66320F3-FEB6-49D5-9D29-1C1651CD4E81}"/>
+              </a:ext>
+            </a:extLst>
+          </p:cNvPr>
+          <p:cNvPicPr>
+            <a:picLocks noChangeAspect="1"/>
+          </p:cNvPicPr>
+          <p:nvPr/>
+        </p:nvPicPr>
+        <p:blipFill>
+          <a:blip r:embed="rId11">
+            <a:extLst>
+              <a:ext uri="{28A0092B-C50C-407E-A947-70E740481C1C}">
+                <a14:useLocalDpi xmlns:a14="http://schemas.microsoft.com/office/drawing/2010/main" val="0"/>
+              </a:ext>
+            </a:extLst>
+          </a:blip>
+          <a:stretch>
+            <a:fillRect/>
+          </a:stretch>
+        </p:blipFill>
+        <p:spPr>
+          <a:xfrm>
+            <a:off x="5698169" y="5502006"/>
+            <a:ext cx="1023786" cy="1055449"/>
+          </a:xfrm>
+          <a:prstGeom prst="rect">
+            <a:avLst/>
+          </a:prstGeom>
+        </p:spPr>
+      </p:pic>
+      <p:cxnSp>
+        <p:nvCxnSpPr>
+          <p:cNvPr id="42" name="直線矢印コネクタ 41">
+            <a:extLst>
+              <a:ext uri="{FF2B5EF4-FFF2-40B4-BE49-F238E27FC236}">
+                <a16:creationId xmlns:a16="http://schemas.microsoft.com/office/drawing/2014/main" id="{BFCD8CD0-8A48-48FE-8A2C-E28D5461B8CE}"/>
+              </a:ext>
+            </a:extLst>
+          </p:cNvPr>
+          <p:cNvCxnSpPr>
+            <a:cxnSpLocks/>
+            <a:stCxn id="27" idx="3"/>
+            <a:endCxn id="9" idx="1"/>
+          </p:cNvCxnSpPr>
+          <p:nvPr/>
+        </p:nvCxnSpPr>
+        <p:spPr>
+          <a:xfrm flipV="1">
+            <a:off x="2498167" y="4008199"/>
+            <a:ext cx="1886468" cy="1029031"/>
+          </a:xfrm>
+          <a:prstGeom prst="straightConnector1">
+            <a:avLst/>
+          </a:prstGeom>
+          <a:ln>
+            <a:solidFill>
+              <a:schemeClr val="accent2"/>
+            </a:solidFill>
+            <a:tailEnd type="triangle"/>
+          </a:ln>
+        </p:spPr>
+        <p:style>
+          <a:lnRef idx="1">
+            <a:schemeClr val="accent1"/>
+          </a:lnRef>
+          <a:fillRef idx="0">
+            <a:schemeClr val="accent1"/>
+          </a:fillRef>
+          <a:effectRef idx="0">
+            <a:schemeClr val="accent1"/>
+          </a:effectRef>
+          <a:fontRef idx="minor">
+            <a:schemeClr val="tx1"/>
+          </a:fontRef>
+        </p:style>
+      </p:cxnSp>
+      <p:cxnSp>
+        <p:nvCxnSpPr>
+          <p:cNvPr id="44" name="直線矢印コネクタ 43">
+            <a:extLst>
+              <a:ext uri="{FF2B5EF4-FFF2-40B4-BE49-F238E27FC236}">
+                <a16:creationId xmlns:a16="http://schemas.microsoft.com/office/drawing/2014/main" id="{B9CB0F9B-8796-4E78-8FF0-9A1ED60682E0}"/>
+              </a:ext>
+            </a:extLst>
+          </p:cNvPr>
+          <p:cNvCxnSpPr>
+            <a:cxnSpLocks/>
+            <a:stCxn id="27" idx="3"/>
+            <a:endCxn id="19" idx="1"/>
+          </p:cNvCxnSpPr>
+          <p:nvPr/>
+        </p:nvCxnSpPr>
+        <p:spPr>
+          <a:xfrm>
+            <a:off x="2498167" y="5037230"/>
+            <a:ext cx="1853717" cy="6417"/>
+          </a:xfrm>
+          <a:prstGeom prst="straightConnector1">
+            <a:avLst/>
+          </a:prstGeom>
+          <a:ln>
+            <a:solidFill>
+              <a:schemeClr val="accent2"/>
+            </a:solidFill>
+            <a:tailEnd type="triangle"/>
+          </a:ln>
+        </p:spPr>
+        <p:style>
+          <a:lnRef idx="1">
+            <a:schemeClr val="accent1"/>
+          </a:lnRef>
+          <a:fillRef idx="0">
+            <a:schemeClr val="accent1"/>
+          </a:fillRef>
+          <a:effectRef idx="0">
+            <a:schemeClr val="accent1"/>
+          </a:effectRef>
+          <a:fontRef idx="minor">
+            <a:schemeClr val="tx1"/>
+          </a:fontRef>
+        </p:style>
+      </p:cxnSp>
+      <p:cxnSp>
+        <p:nvCxnSpPr>
+          <p:cNvPr id="47" name="直線矢印コネクタ 46">
+            <a:extLst>
+              <a:ext uri="{FF2B5EF4-FFF2-40B4-BE49-F238E27FC236}">
+                <a16:creationId xmlns:a16="http://schemas.microsoft.com/office/drawing/2014/main" id="{D94D55DB-D228-446D-B8C0-4EE009D249D2}"/>
+              </a:ext>
+            </a:extLst>
+          </p:cNvPr>
+          <p:cNvCxnSpPr>
+            <a:cxnSpLocks/>
+            <a:stCxn id="27" idx="3"/>
+            <a:endCxn id="38" idx="1"/>
+          </p:cNvCxnSpPr>
+          <p:nvPr/>
+        </p:nvCxnSpPr>
+        <p:spPr>
+          <a:xfrm>
+            <a:off x="2498167" y="5037230"/>
+            <a:ext cx="1886468" cy="1010888"/>
+          </a:xfrm>
+          <a:prstGeom prst="straightConnector1">
+            <a:avLst/>
+          </a:prstGeom>
+          <a:ln>
+            <a:solidFill>
+              <a:schemeClr val="accent2"/>
+            </a:solidFill>
+            <a:tailEnd type="triangle"/>
+          </a:ln>
+        </p:spPr>
+        <p:style>
+          <a:lnRef idx="1">
+            <a:schemeClr val="accent1"/>
+          </a:lnRef>
+          <a:fillRef idx="0">
+            <a:schemeClr val="accent1"/>
+          </a:fillRef>
+          <a:effectRef idx="0">
+            <a:schemeClr val="accent1"/>
+          </a:effectRef>
+          <a:fontRef idx="minor">
+            <a:schemeClr val="tx1"/>
+          </a:fontRef>
+        </p:style>
+      </p:cxnSp>
+      <p:sp>
+        <p:nvSpPr>
+          <p:cNvPr id="55" name="テキスト ボックス 54">
+            <a:extLst>
+              <a:ext uri="{FF2B5EF4-FFF2-40B4-BE49-F238E27FC236}">
+                <a16:creationId xmlns:a16="http://schemas.microsoft.com/office/drawing/2014/main" id="{37BA85D2-DAE2-474C-BDA7-7A2EDAA60819}"/>
+              </a:ext>
+            </a:extLst>
+          </p:cNvPr>
+          <p:cNvSpPr txBox="1"/>
+          <p:nvPr/>
+        </p:nvSpPr>
+        <p:spPr>
+          <a:xfrm>
+            <a:off x="6721955" y="3525008"/>
+            <a:ext cx="3135633" cy="738664"/>
+          </a:xfrm>
+          <a:prstGeom prst="rect">
+            <a:avLst/>
+          </a:prstGeom>
+          <a:noFill/>
+        </p:spPr>
+        <p:txBody>
+          <a:bodyPr wrap="square" rtlCol="0">
+            <a:spAutoFit/>
+          </a:bodyPr>
+          <a:lstStyle/>
+          <a:p>
+            <a:pPr algn="ctr"/>
+            <a:r>
+              <a:rPr kumimoji="1" lang="en-US" altLang="ja-JP" sz="1400" dirty="0"/>
+              <a:t>CDS</a:t>
+            </a:r>
+            <a:r>
+              <a:rPr kumimoji="1" lang="ja-JP" altLang="en-US" sz="1400" dirty="0"/>
+              <a:t>を買った</a:t>
+            </a:r>
+            <a:r>
+              <a:rPr kumimoji="1" lang="en-US" altLang="ja-JP" sz="1400" dirty="0"/>
+              <a:t>6</a:t>
+            </a:r>
+            <a:r>
+              <a:rPr kumimoji="1" lang="ja-JP" altLang="en-US" sz="1400" dirty="0"/>
+              <a:t>人</a:t>
+            </a:r>
+            <a:br>
+              <a:rPr kumimoji="1" lang="en-US" altLang="ja-JP" sz="1400" dirty="0"/>
+            </a:br>
+            <a:r>
+              <a:rPr kumimoji="1" lang="en-US" altLang="ja-JP" sz="1400" dirty="0"/>
+              <a:t>9</a:t>
+            </a:r>
+            <a:r>
+              <a:rPr kumimoji="1" lang="ja-JP" altLang="en-US" sz="1400" dirty="0"/>
+              <a:t>年間毎年</a:t>
+            </a:r>
+            <a:r>
+              <a:rPr kumimoji="1" lang="en-US" altLang="ja-JP" sz="1400" dirty="0"/>
+              <a:t>5000</a:t>
+            </a:r>
+            <a:r>
+              <a:rPr kumimoji="1" lang="ja-JP" altLang="en-US" sz="1400" dirty="0"/>
+              <a:t>円貰える</a:t>
+            </a:r>
+            <a:endParaRPr kumimoji="1" lang="en-US" altLang="ja-JP" sz="1400" dirty="0"/>
+          </a:p>
+          <a:p>
+            <a:pPr algn="ctr"/>
+            <a:r>
+              <a:rPr lang="ja-JP" altLang="en-US" sz="1400" b="1" dirty="0"/>
+              <a:t>その代り借金を</a:t>
+            </a:r>
+            <a:r>
+              <a:rPr lang="en-US" altLang="ja-JP" sz="1400" b="1" dirty="0"/>
+              <a:t>10%</a:t>
+            </a:r>
+            <a:r>
+              <a:rPr lang="ja-JP" altLang="en-US" sz="1400" b="1" dirty="0"/>
+              <a:t>分保証</a:t>
+            </a:r>
+            <a:endParaRPr kumimoji="1" lang="ja-JP" altLang="en-US" sz="1400" b="1" dirty="0"/>
+          </a:p>
+        </p:txBody>
+      </p:sp>
+      <p:sp>
+        <p:nvSpPr>
+          <p:cNvPr id="45" name="テキスト ボックス 44">
+            <a:extLst>
+              <a:ext uri="{FF2B5EF4-FFF2-40B4-BE49-F238E27FC236}">
+                <a16:creationId xmlns:a16="http://schemas.microsoft.com/office/drawing/2014/main" id="{32C3AF9B-81B1-4043-84F9-CA010F8BF8EE}"/>
+              </a:ext>
+            </a:extLst>
+          </p:cNvPr>
+          <p:cNvSpPr txBox="1"/>
+          <p:nvPr/>
+        </p:nvSpPr>
+        <p:spPr>
+          <a:xfrm>
+            <a:off x="7172705" y="4569839"/>
+            <a:ext cx="2199404" cy="1169551"/>
+          </a:xfrm>
+          <a:prstGeom prst="rect">
+            <a:avLst/>
+          </a:prstGeom>
+          <a:noFill/>
+          <a:ln>
+            <a:solidFill>
+              <a:srgbClr val="FF0000"/>
+            </a:solidFill>
+          </a:ln>
+        </p:spPr>
+        <p:txBody>
+          <a:bodyPr wrap="square" rtlCol="0">
+            <a:spAutoFit/>
+          </a:bodyPr>
+          <a:lstStyle/>
+          <a:p>
+            <a:pPr algn="ctr"/>
+            <a:r>
+              <a:rPr lang="en-US" altLang="ja-JP" sz="1400" b="1" dirty="0"/>
+              <a:t>5000</a:t>
+            </a:r>
+            <a:r>
+              <a:rPr lang="ja-JP" altLang="en-US" sz="1400" b="1" dirty="0"/>
+              <a:t>円</a:t>
+            </a:r>
+            <a:r>
+              <a:rPr lang="en-US" altLang="ja-JP" sz="1400" b="1" dirty="0"/>
+              <a:t>x5</a:t>
+            </a:r>
+            <a:r>
+              <a:rPr lang="ja-JP" altLang="en-US" sz="1400" b="1" dirty="0"/>
+              <a:t>年</a:t>
+            </a:r>
+            <a:r>
+              <a:rPr lang="ja-JP" altLang="en-US" sz="1400" dirty="0"/>
+              <a:t>＝</a:t>
+            </a:r>
+            <a:r>
+              <a:rPr lang="en-US" altLang="ja-JP" sz="1400" dirty="0"/>
+              <a:t>2.5</a:t>
+            </a:r>
+            <a:r>
+              <a:rPr lang="ja-JP" altLang="en-US" sz="1400" dirty="0"/>
+              <a:t>万利益</a:t>
+            </a:r>
+            <a:endParaRPr lang="en-US" altLang="ja-JP" sz="1400" dirty="0"/>
+          </a:p>
+          <a:p>
+            <a:pPr algn="ctr"/>
+            <a:r>
+              <a:rPr lang="ja-JP" altLang="en-US" sz="1400" b="1" dirty="0"/>
+              <a:t>破綻時の残高</a:t>
+            </a:r>
+            <a:r>
+              <a:rPr lang="en-US" altLang="ja-JP" sz="1400" b="1" dirty="0"/>
+              <a:t>40</a:t>
+            </a:r>
+            <a:r>
+              <a:rPr lang="ja-JP" altLang="en-US" sz="1400" b="1" dirty="0"/>
+              <a:t>万</a:t>
+            </a:r>
+            <a:endParaRPr lang="en-US" altLang="ja-JP" sz="1400" b="1" dirty="0"/>
+          </a:p>
+          <a:p>
+            <a:pPr algn="ctr"/>
+            <a:r>
+              <a:rPr kumimoji="1" lang="en-US" altLang="ja-JP" sz="1400" b="1" dirty="0"/>
+              <a:t>4</a:t>
+            </a:r>
+            <a:r>
+              <a:rPr kumimoji="1" lang="ja-JP" altLang="en-US" sz="1400" b="1" dirty="0"/>
+              <a:t>万円を支払い</a:t>
+            </a:r>
+            <a:endParaRPr kumimoji="1" lang="en-US" altLang="ja-JP" sz="1400" b="1" dirty="0"/>
+          </a:p>
+          <a:p>
+            <a:pPr algn="ctr"/>
+            <a:endParaRPr kumimoji="1" lang="en-US" altLang="ja-JP" sz="1400" b="1" dirty="0"/>
+          </a:p>
+          <a:p>
+            <a:pPr algn="ctr"/>
+            <a:r>
+              <a:rPr lang="en-US" altLang="ja-JP" sz="1400" b="1" dirty="0">
+                <a:solidFill>
+                  <a:srgbClr val="FF0000"/>
+                </a:solidFill>
+              </a:rPr>
+              <a:t>1.5</a:t>
+            </a:r>
+            <a:r>
+              <a:rPr lang="ja-JP" altLang="en-US" sz="1400" b="1" dirty="0">
+                <a:solidFill>
+                  <a:srgbClr val="FF0000"/>
+                </a:solidFill>
+              </a:rPr>
+              <a:t>万の損</a:t>
+            </a:r>
+            <a:endParaRPr kumimoji="1" lang="en-US" altLang="ja-JP" sz="1400" b="1" dirty="0">
+              <a:solidFill>
+                <a:srgbClr val="FF0000"/>
+              </a:solidFill>
+            </a:endParaRPr>
+          </a:p>
+        </p:txBody>
+      </p:sp>
+      <p:pic>
+        <p:nvPicPr>
+          <p:cNvPr id="22" name="図 21">
+            <a:extLst>
+              <a:ext uri="{FF2B5EF4-FFF2-40B4-BE49-F238E27FC236}">
+                <a16:creationId xmlns:a16="http://schemas.microsoft.com/office/drawing/2014/main" id="{E9232C1E-4CFE-440F-9A6D-13C76BCF60B1}"/>
+              </a:ext>
+            </a:extLst>
+          </p:cNvPr>
+          <p:cNvPicPr>
+            <a:picLocks noChangeAspect="1"/>
+          </p:cNvPicPr>
+          <p:nvPr/>
+        </p:nvPicPr>
+        <p:blipFill>
+          <a:blip r:embed="rId12">
+            <a:extLst>
+              <a:ext uri="{28A0092B-C50C-407E-A947-70E740481C1C}">
+                <a14:useLocalDpi xmlns:a14="http://schemas.microsoft.com/office/drawing/2010/main" val="0"/>
+              </a:ext>
+            </a:extLst>
+          </a:blip>
+          <a:stretch>
+            <a:fillRect/>
+          </a:stretch>
+        </p:blipFill>
+        <p:spPr>
+          <a:xfrm>
+            <a:off x="5126395" y="835803"/>
+            <a:ext cx="1595748" cy="1693101"/>
+          </a:xfrm>
+          <a:prstGeom prst="rect">
+            <a:avLst/>
+          </a:prstGeom>
+        </p:spPr>
+      </p:pic>
+      <p:sp>
+        <p:nvSpPr>
+          <p:cNvPr id="46" name="爆発: 14 pt 45">
+            <a:extLst>
+              <a:ext uri="{FF2B5EF4-FFF2-40B4-BE49-F238E27FC236}">
+                <a16:creationId xmlns:a16="http://schemas.microsoft.com/office/drawing/2014/main" id="{DDCBD2EA-6208-49D3-8F68-4556F6CE5A2C}"/>
+              </a:ext>
+            </a:extLst>
+          </p:cNvPr>
+          <p:cNvSpPr/>
+          <p:nvPr/>
+        </p:nvSpPr>
+        <p:spPr>
+          <a:xfrm>
+            <a:off x="653478" y="2495122"/>
+            <a:ext cx="2050317" cy="880017"/>
+          </a:xfrm>
+          <a:prstGeom prst="irregularSeal2">
+            <a:avLst/>
+          </a:prstGeom>
+          <a:noFill/>
+          <a:ln w="57150">
+            <a:solidFill>
+              <a:srgbClr val="FF0000"/>
+            </a:solidFill>
+          </a:ln>
+        </p:spPr>
+        <p:style>
+          <a:lnRef idx="2">
+            <a:schemeClr val="accent1">
+              <a:shade val="50000"/>
+            </a:schemeClr>
+          </a:lnRef>
+          <a:fillRef idx="1">
+            <a:schemeClr val="accent1"/>
+          </a:fillRef>
+          <a:effectRef idx="0">
+            <a:schemeClr val="accent1"/>
+          </a:effectRef>
+          <a:fontRef idx="minor">
+            <a:schemeClr val="lt1"/>
+          </a:fontRef>
+        </p:style>
+        <p:txBody>
+          <a:bodyPr rtlCol="0" anchor="ctr"/>
+          <a:lstStyle/>
+          <a:p>
+            <a:pPr algn="ctr"/>
+            <a:endParaRPr kumimoji="1" lang="ja-JP" altLang="en-US"/>
+          </a:p>
+        </p:txBody>
+      </p:sp>
+      <p:sp>
+        <p:nvSpPr>
+          <p:cNvPr id="51" name="爆発: 14 pt 50">
+            <a:extLst>
+              <a:ext uri="{FF2B5EF4-FFF2-40B4-BE49-F238E27FC236}">
+                <a16:creationId xmlns:a16="http://schemas.microsoft.com/office/drawing/2014/main" id="{C04DF1EA-EA22-41CD-A322-A73A3CC65861}"/>
+              </a:ext>
+            </a:extLst>
+          </p:cNvPr>
+          <p:cNvSpPr/>
+          <p:nvPr/>
+        </p:nvSpPr>
+        <p:spPr>
+          <a:xfrm>
+            <a:off x="4018085" y="3599167"/>
+            <a:ext cx="1389360" cy="934900"/>
+          </a:xfrm>
+          <a:prstGeom prst="irregularSeal2">
+            <a:avLst/>
+          </a:prstGeom>
+          <a:noFill/>
+          <a:ln w="57150">
+            <a:solidFill>
+              <a:srgbClr val="FF0000"/>
+            </a:solidFill>
+          </a:ln>
+        </p:spPr>
+        <p:style>
+          <a:lnRef idx="2">
+            <a:schemeClr val="accent1">
+              <a:shade val="50000"/>
+            </a:schemeClr>
+          </a:lnRef>
+          <a:fillRef idx="1">
+            <a:schemeClr val="accent1"/>
+          </a:fillRef>
+          <a:effectRef idx="0">
+            <a:schemeClr val="accent1"/>
+          </a:effectRef>
+          <a:fontRef idx="minor">
+            <a:schemeClr val="lt1"/>
+          </a:fontRef>
+        </p:style>
+        <p:txBody>
+          <a:bodyPr rtlCol="0" anchor="ctr"/>
+          <a:lstStyle/>
+          <a:p>
+            <a:pPr algn="ctr"/>
+            <a:endParaRPr kumimoji="1" lang="ja-JP" altLang="en-US"/>
+          </a:p>
+        </p:txBody>
+      </p:sp>
+      <p:sp>
+        <p:nvSpPr>
+          <p:cNvPr id="53" name="爆発: 14 pt 52">
+            <a:extLst>
+              <a:ext uri="{FF2B5EF4-FFF2-40B4-BE49-F238E27FC236}">
+                <a16:creationId xmlns:a16="http://schemas.microsoft.com/office/drawing/2014/main" id="{41DF3B30-C2B0-4D84-9B69-AAB124C2EB98}"/>
+              </a:ext>
+            </a:extLst>
+          </p:cNvPr>
+          <p:cNvSpPr/>
+          <p:nvPr/>
+        </p:nvSpPr>
+        <p:spPr>
+          <a:xfrm>
+            <a:off x="5420802" y="3586244"/>
+            <a:ext cx="1389360" cy="934900"/>
+          </a:xfrm>
+          <a:prstGeom prst="irregularSeal2">
+            <a:avLst/>
+          </a:prstGeom>
+          <a:noFill/>
+          <a:ln w="57150">
+            <a:solidFill>
+              <a:srgbClr val="FF0000"/>
+            </a:solidFill>
+          </a:ln>
+        </p:spPr>
+        <p:style>
+          <a:lnRef idx="2">
+            <a:schemeClr val="accent1">
+              <a:shade val="50000"/>
+            </a:schemeClr>
+          </a:lnRef>
+          <a:fillRef idx="1">
+            <a:schemeClr val="accent1"/>
+          </a:fillRef>
+          <a:effectRef idx="0">
+            <a:schemeClr val="accent1"/>
+          </a:effectRef>
+          <a:fontRef idx="minor">
+            <a:schemeClr val="lt1"/>
+          </a:fontRef>
+        </p:style>
+        <p:txBody>
+          <a:bodyPr rtlCol="0" anchor="ctr"/>
+          <a:lstStyle/>
+          <a:p>
+            <a:pPr algn="ctr"/>
+            <a:endParaRPr kumimoji="1" lang="ja-JP" altLang="en-US"/>
+          </a:p>
+        </p:txBody>
+      </p:sp>
+      <p:sp>
+        <p:nvSpPr>
+          <p:cNvPr id="57" name="爆発: 14 pt 56">
+            <a:extLst>
+              <a:ext uri="{FF2B5EF4-FFF2-40B4-BE49-F238E27FC236}">
+                <a16:creationId xmlns:a16="http://schemas.microsoft.com/office/drawing/2014/main" id="{30B3EA16-47FB-4CE9-BAC4-07FD3D12543F}"/>
+              </a:ext>
+            </a:extLst>
+          </p:cNvPr>
+          <p:cNvSpPr/>
+          <p:nvPr/>
+        </p:nvSpPr>
+        <p:spPr>
+          <a:xfrm>
+            <a:off x="5477894" y="4662045"/>
+            <a:ext cx="1389360" cy="934900"/>
+          </a:xfrm>
+          <a:prstGeom prst="irregularSeal2">
+            <a:avLst/>
+          </a:prstGeom>
+          <a:noFill/>
+          <a:ln w="57150">
+            <a:solidFill>
+              <a:srgbClr val="FF0000"/>
+            </a:solidFill>
+          </a:ln>
+        </p:spPr>
+        <p:style>
+          <a:lnRef idx="2">
+            <a:schemeClr val="accent1">
+              <a:shade val="50000"/>
+            </a:schemeClr>
+          </a:lnRef>
+          <a:fillRef idx="1">
+            <a:schemeClr val="accent1"/>
+          </a:fillRef>
+          <a:effectRef idx="0">
+            <a:schemeClr val="accent1"/>
+          </a:effectRef>
+          <a:fontRef idx="minor">
+            <a:schemeClr val="lt1"/>
+          </a:fontRef>
+        </p:style>
+        <p:txBody>
+          <a:bodyPr rtlCol="0" anchor="ctr"/>
+          <a:lstStyle/>
+          <a:p>
+            <a:pPr algn="ctr"/>
+            <a:endParaRPr kumimoji="1" lang="ja-JP" altLang="en-US"/>
+          </a:p>
+        </p:txBody>
+      </p:sp>
+      <p:sp>
+        <p:nvSpPr>
+          <p:cNvPr id="58" name="爆発: 14 pt 57">
+            <a:extLst>
+              <a:ext uri="{FF2B5EF4-FFF2-40B4-BE49-F238E27FC236}">
+                <a16:creationId xmlns:a16="http://schemas.microsoft.com/office/drawing/2014/main" id="{F2F60C5D-53B8-4A47-9B4A-3CB88FDAB8AE}"/>
+              </a:ext>
+            </a:extLst>
+          </p:cNvPr>
+          <p:cNvSpPr/>
+          <p:nvPr/>
+        </p:nvSpPr>
+        <p:spPr>
+          <a:xfrm>
+            <a:off x="4088534" y="4674986"/>
+            <a:ext cx="1389360" cy="934900"/>
+          </a:xfrm>
+          <a:prstGeom prst="irregularSeal2">
+            <a:avLst/>
+          </a:prstGeom>
+          <a:noFill/>
+          <a:ln w="57150">
+            <a:solidFill>
+              <a:srgbClr val="FF0000"/>
+            </a:solidFill>
+          </a:ln>
+        </p:spPr>
+        <p:style>
+          <a:lnRef idx="2">
+            <a:schemeClr val="accent1">
+              <a:shade val="50000"/>
+            </a:schemeClr>
+          </a:lnRef>
+          <a:fillRef idx="1">
+            <a:schemeClr val="accent1"/>
+          </a:fillRef>
+          <a:effectRef idx="0">
+            <a:schemeClr val="accent1"/>
+          </a:effectRef>
+          <a:fontRef idx="minor">
+            <a:schemeClr val="lt1"/>
+          </a:fontRef>
+        </p:style>
+        <p:txBody>
+          <a:bodyPr rtlCol="0" anchor="ctr"/>
+          <a:lstStyle/>
+          <a:p>
+            <a:pPr algn="ctr"/>
+            <a:endParaRPr kumimoji="1" lang="ja-JP" altLang="en-US"/>
+          </a:p>
+        </p:txBody>
+      </p:sp>
+      <p:sp>
+        <p:nvSpPr>
+          <p:cNvPr id="59" name="爆発: 14 pt 58">
+            <a:extLst>
+              <a:ext uri="{FF2B5EF4-FFF2-40B4-BE49-F238E27FC236}">
+                <a16:creationId xmlns:a16="http://schemas.microsoft.com/office/drawing/2014/main" id="{9FC7A04C-89B2-4746-BEE8-FF5020121984}"/>
+              </a:ext>
+            </a:extLst>
+          </p:cNvPr>
+          <p:cNvSpPr/>
+          <p:nvPr/>
+        </p:nvSpPr>
+        <p:spPr>
+          <a:xfrm>
+            <a:off x="4035733" y="5589399"/>
+            <a:ext cx="1389360" cy="934900"/>
+          </a:xfrm>
+          <a:prstGeom prst="irregularSeal2">
+            <a:avLst/>
+          </a:prstGeom>
+          <a:noFill/>
+          <a:ln w="57150">
+            <a:solidFill>
+              <a:srgbClr val="FF0000"/>
+            </a:solidFill>
+          </a:ln>
+        </p:spPr>
+        <p:style>
+          <a:lnRef idx="2">
+            <a:schemeClr val="accent1">
+              <a:shade val="50000"/>
+            </a:schemeClr>
+          </a:lnRef>
+          <a:fillRef idx="1">
+            <a:schemeClr val="accent1"/>
+          </a:fillRef>
+          <a:effectRef idx="0">
+            <a:schemeClr val="accent1"/>
+          </a:effectRef>
+          <a:fontRef idx="minor">
+            <a:schemeClr val="lt1"/>
+          </a:fontRef>
+        </p:style>
+        <p:txBody>
+          <a:bodyPr rtlCol="0" anchor="ctr"/>
+          <a:lstStyle/>
+          <a:p>
+            <a:pPr algn="ctr"/>
+            <a:endParaRPr kumimoji="1" lang="ja-JP" altLang="en-US"/>
+          </a:p>
+        </p:txBody>
+      </p:sp>
+      <p:sp>
+        <p:nvSpPr>
+          <p:cNvPr id="62" name="爆発: 14 pt 61">
+            <a:extLst>
+              <a:ext uri="{FF2B5EF4-FFF2-40B4-BE49-F238E27FC236}">
+                <a16:creationId xmlns:a16="http://schemas.microsoft.com/office/drawing/2014/main" id="{D2B448A8-C67D-4899-A3D2-2FD58F73B94A}"/>
+              </a:ext>
+            </a:extLst>
+          </p:cNvPr>
+          <p:cNvSpPr/>
+          <p:nvPr/>
+        </p:nvSpPr>
+        <p:spPr>
+          <a:xfrm>
+            <a:off x="5498114" y="5562280"/>
+            <a:ext cx="1389360" cy="934900"/>
+          </a:xfrm>
+          <a:prstGeom prst="irregularSeal2">
+            <a:avLst/>
+          </a:prstGeom>
+          <a:noFill/>
+          <a:ln w="57150">
+            <a:solidFill>
+              <a:srgbClr val="FF0000"/>
+            </a:solidFill>
+          </a:ln>
+        </p:spPr>
+        <p:style>
+          <a:lnRef idx="2">
+            <a:schemeClr val="accent1">
+              <a:shade val="50000"/>
+            </a:schemeClr>
+          </a:lnRef>
+          <a:fillRef idx="1">
+            <a:schemeClr val="accent1"/>
+          </a:fillRef>
+          <a:effectRef idx="0">
+            <a:schemeClr val="accent1"/>
+          </a:effectRef>
+          <a:fontRef idx="minor">
+            <a:schemeClr val="lt1"/>
+          </a:fontRef>
+        </p:style>
+        <p:txBody>
+          <a:bodyPr rtlCol="0" anchor="ctr"/>
+          <a:lstStyle/>
+          <a:p>
+            <a:pPr algn="ctr"/>
+            <a:endParaRPr kumimoji="1" lang="ja-JP" altLang="en-US"/>
+          </a:p>
+        </p:txBody>
+      </p:sp>
+    </p:spTree>
+    <p:extLst>
+      <p:ext uri="{BB962C8B-B14F-4D97-AF65-F5344CB8AC3E}">
+        <p14:creationId xmlns:p14="http://schemas.microsoft.com/office/powerpoint/2010/main" val="1486492307"/>
+      </p:ext>
+    </p:extLst>
+  </p:cSld>
+  <p:clrMapOvr>
+    <a:masterClrMapping/>
+  </p:clrMapOvr>
+</p:sld>
+</file>
+
 <file path=ppt/theme/theme1.xml><?xml version="1.0" encoding="utf-8"?>
 <a:theme xmlns:a="http://schemas.openxmlformats.org/drawingml/2006/main" name="Office テーマ">
   <a:themeElements>
